--- a/trunk/docs/W-9 Working Document/W-9.3 Presentation Slides/Phase1/vms_first_presentation_v0.1a.pptx
+++ b/trunk/docs/W-9 Working Document/W-9.3 Presentation Slides/Phase1/vms_first_presentation_v0.1a.pptx
@@ -6632,11 +6632,7 @@
           <a:p>
             <a:r>
               <a:rPr lang="en-US" dirty="0" smtClean="0"/>
-              <a:t>Project Plan – </a:t>
-            </a:r>
-            <a:r>
-              <a:rPr lang="en-US" dirty="0" smtClean="0"/>
-              <a:t>Milestones</a:t>
+              <a:t>Project Plan – Milestones</a:t>
             </a:r>
             <a:endParaRPr lang="en-US" dirty="0"/>
           </a:p>
@@ -6663,15 +6659,7 @@
                   <a:srgbClr val="FF0000"/>
                 </a:solidFill>
               </a:rPr>
-              <a:t>Pending to insert </a:t>
-            </a:r>
-            <a:r>
-              <a:rPr lang="en-US" i="1" dirty="0" smtClean="0">
-                <a:solidFill>
-                  <a:srgbClr val="FF0000"/>
-                </a:solidFill>
-              </a:rPr>
-              <a:t>milestones.</a:t>
+              <a:t>Pending to insert milestones.</a:t>
             </a:r>
             <a:endParaRPr lang="en-US" i="1" dirty="0">
               <a:solidFill>
@@ -6730,11 +6718,7 @@
           <a:p>
             <a:r>
               <a:rPr lang="en-US" dirty="0" smtClean="0"/>
-              <a:t>Project Plan – </a:t>
-            </a:r>
-            <a:r>
-              <a:rPr lang="en-US" dirty="0" smtClean="0"/>
-              <a:t>Estimates Comparison</a:t>
+              <a:t>Project Plan – Estimates Comparison</a:t>
             </a:r>
             <a:endParaRPr lang="en-US" dirty="0"/>
           </a:p>
@@ -6761,15 +6745,7 @@
                   <a:srgbClr val="FF0000"/>
                 </a:solidFill>
               </a:rPr>
-              <a:t>Pending to insert </a:t>
-            </a:r>
-            <a:r>
-              <a:rPr lang="en-US" i="1" dirty="0" smtClean="0">
-                <a:solidFill>
-                  <a:srgbClr val="FF0000"/>
-                </a:solidFill>
-              </a:rPr>
-              <a:t>COCOMO</a:t>
+              <a:t>Pending to insert COCOMO</a:t>
             </a:r>
             <a:endParaRPr lang="en-US" i="1" dirty="0"/>
           </a:p>
@@ -7050,6 +7026,39 @@
           </a:p>
         </p:txBody>
       </p:sp>
+      <p:pic>
+        <p:nvPicPr>
+          <p:cNvPr id="1026" name="Picture 2"/>
+          <p:cNvPicPr>
+            <a:picLocks noChangeAspect="1" noChangeArrowheads="1"/>
+          </p:cNvPicPr>
+          <p:nvPr/>
+        </p:nvPicPr>
+        <p:blipFill>
+          <a:blip r:embed="rId2" cstate="print"/>
+          <a:srcRect/>
+          <a:stretch>
+            <a:fillRect/>
+          </a:stretch>
+        </p:blipFill>
+        <p:spPr bwMode="auto">
+          <a:xfrm>
+            <a:off x="533400" y="152400"/>
+            <a:ext cx="6759830" cy="3804782"/>
+          </a:xfrm>
+          <a:prstGeom prst="rect">
+            <a:avLst/>
+          </a:prstGeom>
+          <a:noFill/>
+          <a:ln w="9525">
+            <a:noFill/>
+            <a:miter lim="800000"/>
+            <a:headEnd/>
+            <a:tailEnd/>
+          </a:ln>
+          <a:effectLst/>
+        </p:spPr>
+      </p:pic>
     </p:spTree>
   </p:cSld>
   <p:clrMapOvr>
@@ -7120,23 +7129,7 @@
           <a:bodyPr/>
           <a:lstStyle/>
           <a:p>
-            <a:r>
-              <a:rPr lang="en-US" i="1" dirty="0" smtClean="0">
-                <a:solidFill>
-                  <a:srgbClr val="FF0000"/>
-                </a:solidFill>
-              </a:rPr>
-              <a:t>Pendin</a:t>
-            </a:r>
-            <a:r>
-              <a:rPr lang="en-US" i="1" dirty="0" smtClean="0">
-                <a:solidFill>
-                  <a:srgbClr val="FF0000"/>
-                </a:solidFill>
-              </a:rPr>
-              <a:t>g to insert challenges encountered.</a:t>
-            </a:r>
-            <a:endParaRPr lang="en-US" i="1" dirty="0">
+            <a:endParaRPr lang="en-US" dirty="0">
               <a:solidFill>
                 <a:srgbClr val="FF0000"/>
               </a:solidFill>
@@ -7147,6 +7140,427 @@
           </a:p>
         </p:txBody>
       </p:sp>
+      <p:graphicFrame>
+        <p:nvGraphicFramePr>
+          <p:cNvPr id="4" name="Table 3"/>
+          <p:cNvGraphicFramePr>
+            <a:graphicFrameLocks noGrp="1"/>
+          </p:cNvGraphicFramePr>
+          <p:nvPr/>
+        </p:nvGraphicFramePr>
+        <p:xfrm>
+          <a:off x="457200" y="1776798"/>
+          <a:ext cx="8196580" cy="4619814"/>
+        </p:xfrm>
+        <a:graphic>
+          <a:graphicData uri="http://schemas.openxmlformats.org/drawingml/2006/table">
+            <a:tbl>
+              <a:tblPr firstRow="1" bandRow="1">
+                <a:tableStyleId>{5C22544A-7EE6-4342-B048-85BDC9FD1C3A}</a:tableStyleId>
+              </a:tblPr>
+              <a:tblGrid>
+                <a:gridCol w="522838"/>
+                <a:gridCol w="1915562"/>
+                <a:gridCol w="2438400"/>
+                <a:gridCol w="3319780"/>
+              </a:tblGrid>
+              <a:tr h="687894">
+                <a:tc>
+                  <a:txBody>
+                    <a:bodyPr/>
+                    <a:lstStyle/>
+                    <a:p>
+                      <a:r>
+                        <a:rPr lang="en-US" dirty="0" smtClean="0"/>
+                        <a:t>No</a:t>
+                      </a:r>
+                      <a:endParaRPr lang="en-US" dirty="0"/>
+                    </a:p>
+                  </a:txBody>
+                  <a:tcPr/>
+                </a:tc>
+                <a:tc>
+                  <a:txBody>
+                    <a:bodyPr/>
+                    <a:lstStyle/>
+                    <a:p>
+                      <a:r>
+                        <a:rPr lang="en-US" dirty="0" smtClean="0"/>
+                        <a:t>Challenge</a:t>
+                      </a:r>
+                      <a:endParaRPr lang="en-US" dirty="0"/>
+                    </a:p>
+                  </a:txBody>
+                  <a:tcPr/>
+                </a:tc>
+                <a:tc>
+                  <a:txBody>
+                    <a:bodyPr/>
+                    <a:lstStyle/>
+                    <a:p>
+                      <a:r>
+                        <a:rPr lang="en-US" dirty="0" smtClean="0"/>
+                        <a:t>Description</a:t>
+                      </a:r>
+                      <a:endParaRPr lang="en-US" dirty="0"/>
+                    </a:p>
+                  </a:txBody>
+                  <a:tcPr/>
+                </a:tc>
+                <a:tc>
+                  <a:txBody>
+                    <a:bodyPr/>
+                    <a:lstStyle/>
+                    <a:p>
+                      <a:r>
+                        <a:rPr lang="en-US" dirty="0" smtClean="0"/>
+                        <a:t>Solution</a:t>
+                      </a:r>
+                      <a:endParaRPr lang="en-US" dirty="0"/>
+                    </a:p>
+                  </a:txBody>
+                  <a:tcPr/>
+                </a:tc>
+              </a:tr>
+              <a:tr h="687894">
+                <a:tc>
+                  <a:txBody>
+                    <a:bodyPr/>
+                    <a:lstStyle/>
+                    <a:p>
+                      <a:r>
+                        <a:rPr lang="en-US" dirty="0" smtClean="0"/>
+                        <a:t>1.</a:t>
+                      </a:r>
+                      <a:endParaRPr lang="en-US" dirty="0"/>
+                    </a:p>
+                  </a:txBody>
+                  <a:tcPr/>
+                </a:tc>
+                <a:tc>
+                  <a:txBody>
+                    <a:bodyPr/>
+                    <a:lstStyle/>
+                    <a:p>
+                      <a:r>
+                        <a:rPr lang="en-US" dirty="0" smtClean="0"/>
+                        <a:t>Communications</a:t>
+                      </a:r>
+                      <a:endParaRPr lang="en-US" dirty="0"/>
+                    </a:p>
+                  </a:txBody>
+                  <a:tcPr/>
+                </a:tc>
+                <a:tc>
+                  <a:txBody>
+                    <a:bodyPr/>
+                    <a:lstStyle/>
+                    <a:p>
+                      <a:r>
+                        <a:rPr lang="en-US" dirty="0" smtClean="0"/>
+                        <a:t>Difficulty to gather all members for discussions.</a:t>
+                      </a:r>
+                      <a:endParaRPr lang="en-US" dirty="0"/>
+                    </a:p>
+                  </a:txBody>
+                  <a:tcPr/>
+                </a:tc>
+                <a:tc>
+                  <a:txBody>
+                    <a:bodyPr/>
+                    <a:lstStyle/>
+                    <a:p>
+                      <a:pPr>
+                        <a:buFont typeface="Arial" pitchFamily="34" charset="0"/>
+                        <a:buChar char="•"/>
+                      </a:pPr>
+                      <a:r>
+                        <a:rPr lang="en-US" dirty="0" smtClean="0"/>
+                        <a:t>Online meeting via Skype</a:t>
+                      </a:r>
+                    </a:p>
+                    <a:p>
+                      <a:pPr>
+                        <a:buFont typeface="Arial" pitchFamily="34" charset="0"/>
+                        <a:buChar char="•"/>
+                      </a:pPr>
+                      <a:r>
+                        <a:rPr lang="en-US" dirty="0" smtClean="0"/>
+                        <a:t>To fix</a:t>
+                      </a:r>
+                      <a:r>
+                        <a:rPr lang="en-US" baseline="0" dirty="0" smtClean="0"/>
+                        <a:t> a weekly </a:t>
+                      </a:r>
+                      <a:r>
+                        <a:rPr lang="en-US" baseline="0" smtClean="0"/>
+                        <a:t>meeting time</a:t>
+                      </a:r>
+                      <a:endParaRPr lang="en-US" dirty="0"/>
+                    </a:p>
+                  </a:txBody>
+                  <a:tcPr/>
+                </a:tc>
+              </a:tr>
+              <a:tr h="757811">
+                <a:tc>
+                  <a:txBody>
+                    <a:bodyPr/>
+                    <a:lstStyle/>
+                    <a:p>
+                      <a:r>
+                        <a:rPr lang="en-US" dirty="0" smtClean="0"/>
+                        <a:t>2.</a:t>
+                      </a:r>
+                      <a:endParaRPr lang="en-US" dirty="0"/>
+                    </a:p>
+                  </a:txBody>
+                  <a:tcPr/>
+                </a:tc>
+                <a:tc>
+                  <a:txBody>
+                    <a:bodyPr/>
+                    <a:lstStyle/>
+                    <a:p>
+                      <a:r>
+                        <a:rPr lang="en-US" dirty="0" smtClean="0"/>
+                        <a:t>Requirements Gathering</a:t>
+                      </a:r>
+                      <a:endParaRPr lang="en-US" dirty="0"/>
+                    </a:p>
+                  </a:txBody>
+                  <a:tcPr/>
+                </a:tc>
+                <a:tc>
+                  <a:txBody>
+                    <a:bodyPr/>
+                    <a:lstStyle/>
+                    <a:p>
+                      <a:r>
+                        <a:rPr lang="en-US" dirty="0" smtClean="0"/>
+                        <a:t>Client only wants</a:t>
+                      </a:r>
+                      <a:r>
+                        <a:rPr lang="en-US" baseline="0" dirty="0" smtClean="0"/>
+                        <a:t> a small set of requirements.</a:t>
+                      </a:r>
+                      <a:endParaRPr lang="en-US" dirty="0"/>
+                    </a:p>
+                  </a:txBody>
+                  <a:tcPr/>
+                </a:tc>
+                <a:tc>
+                  <a:txBody>
+                    <a:bodyPr/>
+                    <a:lstStyle/>
+                    <a:p>
+                      <a:pPr>
+                        <a:buFont typeface="Arial" pitchFamily="34" charset="0"/>
+                        <a:buChar char="•"/>
+                      </a:pPr>
+                      <a:r>
+                        <a:rPr lang="en-US" dirty="0" smtClean="0"/>
+                        <a:t>Seek lecturers advice</a:t>
+                      </a:r>
+                    </a:p>
+                    <a:p>
+                      <a:pPr>
+                        <a:buFont typeface="Arial" pitchFamily="34" charset="0"/>
+                        <a:buChar char="•"/>
+                      </a:pPr>
+                      <a:r>
+                        <a:rPr lang="en-US" dirty="0" smtClean="0"/>
+                        <a:t>Propose</a:t>
+                      </a:r>
+                      <a:r>
+                        <a:rPr lang="en-US" baseline="0" dirty="0" smtClean="0"/>
+                        <a:t>d merging of requirements</a:t>
+                      </a:r>
+                    </a:p>
+                    <a:p>
+                      <a:pPr>
+                        <a:buFont typeface="Arial" pitchFamily="34" charset="0"/>
+                        <a:buChar char="•"/>
+                      </a:pPr>
+                      <a:endParaRPr lang="en-US" dirty="0"/>
+                    </a:p>
+                  </a:txBody>
+                  <a:tcPr/>
+                </a:tc>
+              </a:tr>
+              <a:tr h="687894">
+                <a:tc>
+                  <a:txBody>
+                    <a:bodyPr/>
+                    <a:lstStyle/>
+                    <a:p>
+                      <a:r>
+                        <a:rPr lang="en-US" dirty="0" smtClean="0"/>
+                        <a:t>3.</a:t>
+                      </a:r>
+                      <a:endParaRPr lang="en-US" dirty="0"/>
+                    </a:p>
+                  </a:txBody>
+                  <a:tcPr/>
+                </a:tc>
+                <a:tc>
+                  <a:txBody>
+                    <a:bodyPr/>
+                    <a:lstStyle/>
+                    <a:p>
+                      <a:r>
+                        <a:rPr lang="en-US" dirty="0" smtClean="0"/>
+                        <a:t>Task Control</a:t>
+                      </a:r>
+                      <a:endParaRPr lang="en-US" dirty="0"/>
+                    </a:p>
+                  </a:txBody>
+                  <a:tcPr/>
+                </a:tc>
+                <a:tc>
+                  <a:txBody>
+                    <a:bodyPr/>
+                    <a:lstStyle/>
+                    <a:p>
+                      <a:r>
+                        <a:rPr lang="en-US" dirty="0" smtClean="0"/>
+                        <a:t>Not able</a:t>
+                      </a:r>
+                      <a:r>
+                        <a:rPr lang="en-US" baseline="0" dirty="0" smtClean="0"/>
+                        <a:t> to meet deadline on time.</a:t>
+                      </a:r>
+                      <a:endParaRPr lang="en-US" dirty="0"/>
+                    </a:p>
+                  </a:txBody>
+                  <a:tcPr/>
+                </a:tc>
+                <a:tc>
+                  <a:txBody>
+                    <a:bodyPr/>
+                    <a:lstStyle/>
+                    <a:p>
+                      <a:pPr>
+                        <a:buFont typeface="Arial" pitchFamily="34" charset="0"/>
+                        <a:buChar char="•"/>
+                      </a:pPr>
+                      <a:r>
+                        <a:rPr lang="en-US" dirty="0" smtClean="0"/>
+                        <a:t>To</a:t>
+                      </a:r>
+                      <a:r>
+                        <a:rPr lang="en-US" baseline="0" dirty="0" smtClean="0"/>
+                        <a:t> log time </a:t>
+                      </a:r>
+                      <a:r>
+                        <a:rPr lang="en-US" baseline="0" dirty="0" smtClean="0"/>
+                        <a:t>log</a:t>
+                      </a:r>
+                      <a:endParaRPr lang="en-US" baseline="0" dirty="0" smtClean="0"/>
+                    </a:p>
+                    <a:p>
+                      <a:pPr>
+                        <a:buFont typeface="Arial" pitchFamily="34" charset="0"/>
+                        <a:buChar char="•"/>
+                      </a:pPr>
+                      <a:r>
+                        <a:rPr lang="en-US" baseline="0" dirty="0" smtClean="0"/>
+                        <a:t>To hold meetings to track </a:t>
+                      </a:r>
+                      <a:r>
+                        <a:rPr lang="en-US" baseline="0" dirty="0" smtClean="0"/>
+                        <a:t>status</a:t>
+                      </a:r>
+                      <a:endParaRPr lang="en-US" dirty="0"/>
+                    </a:p>
+                  </a:txBody>
+                  <a:tcPr/>
+                </a:tc>
+              </a:tr>
+              <a:tr h="757811">
+                <a:tc>
+                  <a:txBody>
+                    <a:bodyPr/>
+                    <a:lstStyle/>
+                    <a:p>
+                      <a:r>
+                        <a:rPr lang="en-US" dirty="0" smtClean="0"/>
+                        <a:t>4.</a:t>
+                      </a:r>
+                      <a:endParaRPr lang="en-US" dirty="0"/>
+                    </a:p>
+                  </a:txBody>
+                  <a:tcPr/>
+                </a:tc>
+                <a:tc>
+                  <a:txBody>
+                    <a:bodyPr/>
+                    <a:lstStyle/>
+                    <a:p>
+                      <a:r>
+                        <a:rPr lang="en-US" dirty="0" smtClean="0"/>
+                        <a:t>Low Quality</a:t>
+                      </a:r>
+                      <a:r>
+                        <a:rPr lang="en-US" baseline="0" dirty="0" smtClean="0"/>
+                        <a:t> of Work</a:t>
+                      </a:r>
+                      <a:endParaRPr lang="en-US" dirty="0"/>
+                    </a:p>
+                  </a:txBody>
+                  <a:tcPr/>
+                </a:tc>
+                <a:tc>
+                  <a:txBody>
+                    <a:bodyPr/>
+                    <a:lstStyle/>
+                    <a:p>
+                      <a:r>
+                        <a:rPr lang="en-US" dirty="0" smtClean="0"/>
+                        <a:t>Deliverables not up to standard.</a:t>
+                      </a:r>
+                      <a:endParaRPr lang="en-US" dirty="0"/>
+                    </a:p>
+                  </a:txBody>
+                  <a:tcPr/>
+                </a:tc>
+                <a:tc>
+                  <a:txBody>
+                    <a:bodyPr/>
+                    <a:lstStyle/>
+                    <a:p>
+                      <a:pPr>
+                        <a:buFont typeface="Arial" pitchFamily="34" charset="0"/>
+                        <a:buChar char="•"/>
+                      </a:pPr>
+                      <a:r>
+                        <a:rPr lang="en-US" dirty="0" smtClean="0"/>
+                        <a:t>Perform reviews</a:t>
+                      </a:r>
+                    </a:p>
+                    <a:p>
+                      <a:pPr>
+                        <a:buFont typeface="Arial" pitchFamily="34" charset="0"/>
+                        <a:buChar char="•"/>
+                      </a:pPr>
+                      <a:r>
+                        <a:rPr lang="en-US" dirty="0" smtClean="0"/>
+                        <a:t>Conduct</a:t>
+                      </a:r>
+                      <a:r>
+                        <a:rPr lang="en-US" baseline="0" dirty="0" smtClean="0"/>
+                        <a:t> briefing on required items</a:t>
+                      </a:r>
+                      <a:endParaRPr lang="en-US" dirty="0"/>
+                    </a:p>
+                  </a:txBody>
+                  <a:tcPr/>
+                </a:tc>
+              </a:tr>
+            </a:tbl>
+          </a:graphicData>
+        </a:graphic>
+      </p:graphicFrame>
     </p:spTree>
   </p:cSld>
   <p:clrMapOvr>
@@ -7576,7 +7990,6 @@
               <a:rPr lang="en-US" dirty="0" smtClean="0"/>
               <a:t>Challenges Encountered</a:t>
             </a:r>
-            <a:endParaRPr lang="en-US" dirty="0" smtClean="0"/>
           </a:p>
           <a:p>
             <a:pPr>
@@ -7605,11 +8018,7 @@
             </a:pPr>
             <a:r>
               <a:rPr lang="en-US" dirty="0" smtClean="0"/>
-              <a:t>Transition to Next </a:t>
-            </a:r>
-            <a:r>
-              <a:rPr lang="en-US" dirty="0" smtClean="0"/>
-              <a:t>Stage</a:t>
+              <a:t>Transition to Next Stage</a:t>
             </a:r>
           </a:p>
           <a:p>
@@ -7621,7 +8030,6 @@
               <a:rPr lang="en-US" dirty="0" smtClean="0"/>
               <a:t>Q &amp; A</a:t>
             </a:r>
-            <a:endParaRPr lang="en-US" dirty="0" smtClean="0"/>
           </a:p>
         </p:txBody>
       </p:sp>
@@ -7898,23 +8306,7 @@
                   <a:srgbClr val="FF0000"/>
                 </a:solidFill>
               </a:rPr>
-              <a:t>Pending </a:t>
-            </a:r>
-            <a:r>
-              <a:rPr lang="en-US" i="1" dirty="0" smtClean="0">
-                <a:solidFill>
-                  <a:srgbClr val="FF0000"/>
-                </a:solidFill>
-              </a:rPr>
-              <a:t>to insert Transition to Next </a:t>
-            </a:r>
-            <a:r>
-              <a:rPr lang="en-US" i="1" dirty="0" smtClean="0">
-                <a:solidFill>
-                  <a:srgbClr val="FF0000"/>
-                </a:solidFill>
-              </a:rPr>
-              <a:t>Stage.</a:t>
+              <a:t>Pending to insert Transition to Next Stage.</a:t>
             </a:r>
             <a:endParaRPr lang="en-US" i="1" dirty="0">
               <a:solidFill>

--- a/trunk/docs/W-9 Working Document/W-9.3 Presentation Slides/Phase1/vms_first_presentation_v0.1a.pptx
+++ b/trunk/docs/W-9 Working Document/W-9.3 Presentation Slides/Phase1/vms_first_presentation_v0.1a.pptx
@@ -5,10 +5,10 @@
     <p:sldMasterId id="2147483652" r:id="rId1"/>
   </p:sldMasterIdLst>
   <p:notesMasterIdLst>
-    <p:notesMasterId r:id="rId25"/>
+    <p:notesMasterId r:id="rId26"/>
   </p:notesMasterIdLst>
   <p:handoutMasterIdLst>
-    <p:handoutMasterId r:id="rId26"/>
+    <p:handoutMasterId r:id="rId27"/>
   </p:handoutMasterIdLst>
   <p:sldIdLst>
     <p:sldId id="256" r:id="rId2"/>
@@ -33,7 +33,8 @@
     <p:sldId id="264" r:id="rId21"/>
     <p:sldId id="281" r:id="rId22"/>
     <p:sldId id="263" r:id="rId23"/>
-    <p:sldId id="282" r:id="rId24"/>
+    <p:sldId id="283" r:id="rId24"/>
+    <p:sldId id="282" r:id="rId25"/>
   </p:sldIdLst>
   <p:sldSz cx="9144000" cy="6858000" type="screen4x3"/>
   <p:notesSz cx="7010400" cy="9296400"/>
@@ -7150,7 +7151,7 @@
         </p:nvGraphicFramePr>
         <p:xfrm>
           <a:off x="457200" y="1776798"/>
-          <a:ext cx="8196580" cy="4619814"/>
+          <a:ext cx="8196580" cy="4441122"/>
         </p:xfrm>
         <a:graphic>
           <a:graphicData uri="http://schemas.openxmlformats.org/drawingml/2006/table">
@@ -7164,7 +7165,7 @@
                 <a:gridCol w="2438400"/>
                 <a:gridCol w="3319780"/>
               </a:tblGrid>
-              <a:tr h="687894">
+              <a:tr h="509202">
                 <a:tc>
                   <a:txBody>
                     <a:bodyPr/>
@@ -7450,13 +7451,8 @@
                       </a:r>
                       <a:r>
                         <a:rPr lang="en-US" baseline="0" dirty="0" smtClean="0"/>
-                        <a:t> log time </a:t>
+                        <a:t> log time log</a:t>
                       </a:r>
-                      <a:r>
-                        <a:rPr lang="en-US" baseline="0" dirty="0" smtClean="0"/>
-                        <a:t>log</a:t>
-                      </a:r>
-                      <a:endParaRPr lang="en-US" baseline="0" dirty="0" smtClean="0"/>
                     </a:p>
                     <a:p>
                       <a:pPr>
@@ -7465,11 +7461,7 @@
                       </a:pPr>
                       <a:r>
                         <a:rPr lang="en-US" baseline="0" dirty="0" smtClean="0"/>
-                        <a:t>To hold meetings to track </a:t>
-                      </a:r>
-                      <a:r>
-                        <a:rPr lang="en-US" baseline="0" dirty="0" smtClean="0"/>
-                        <a:t>status</a:t>
+                        <a:t>To hold meetings to track status</a:t>
                       </a:r>
                       <a:endParaRPr lang="en-US" dirty="0"/>
                     </a:p>
@@ -8279,7 +8271,11 @@
           <a:p>
             <a:r>
               <a:rPr lang="en-US" dirty="0" smtClean="0"/>
-              <a:t>Transition to Next Stage</a:t>
+              <a:t>Transition to Next </a:t>
+            </a:r>
+            <a:r>
+              <a:rPr lang="en-US" dirty="0" smtClean="0"/>
+              <a:t>Stage – Where are we now?</a:t>
             </a:r>
             <a:endParaRPr lang="en-US" dirty="0"/>
           </a:p>
@@ -8300,18 +8296,523 @@
           <a:bodyPr/>
           <a:lstStyle/>
           <a:p>
-            <a:r>
-              <a:rPr lang="en-US" i="1" dirty="0" smtClean="0">
+            <a:pPr>
+              <a:buFont typeface="Wingdings" pitchFamily="2" charset="2"/>
+              <a:buChar char="v"/>
+            </a:pPr>
+            <a:r>
+              <a:rPr lang="en-US" dirty="0" smtClean="0">
                 <a:solidFill>
-                  <a:srgbClr val="FF0000"/>
+                  <a:schemeClr val="bg1">
+                    <a:lumMod val="85000"/>
+                  </a:schemeClr>
                 </a:solidFill>
               </a:rPr>
-              <a:t>Pending to insert Transition to Next Stage.</a:t>
-            </a:r>
-            <a:endParaRPr lang="en-US" i="1" dirty="0">
-              <a:solidFill>
-                <a:srgbClr val="FF0000"/>
-              </a:solidFill>
+              <a:t>Project Planning</a:t>
+            </a:r>
+          </a:p>
+          <a:p>
+            <a:pPr>
+              <a:buFont typeface="Wingdings" pitchFamily="2" charset="2"/>
+              <a:buChar char="v"/>
+            </a:pPr>
+            <a:r>
+              <a:rPr lang="en-US" dirty="0" smtClean="0"/>
+              <a:t>Analysis and Design</a:t>
+            </a:r>
+            <a:endParaRPr lang="en-US" dirty="0" smtClean="0"/>
+          </a:p>
+        </p:txBody>
+      </p:sp>
+      <p:sp>
+        <p:nvSpPr>
+          <p:cNvPr id="4" name="Rectangle 6"/>
+          <p:cNvSpPr>
+            <a:spLocks noChangeArrowheads="1"/>
+          </p:cNvSpPr>
+          <p:nvPr/>
+        </p:nvSpPr>
+        <p:spPr bwMode="auto">
+          <a:xfrm>
+            <a:off x="1447800" y="2667000"/>
+            <a:ext cx="4572000" cy="2971800"/>
+          </a:xfrm>
+          <a:prstGeom prst="rect">
+            <a:avLst/>
+          </a:prstGeom>
+          <a:solidFill>
+            <a:schemeClr val="accent2"/>
+          </a:solidFill>
+          <a:ln w="9525" algn="ctr">
+            <a:solidFill>
+              <a:schemeClr val="tx1"/>
+            </a:solidFill>
+            <a:round/>
+            <a:headEnd/>
+            <a:tailEnd/>
+          </a:ln>
+        </p:spPr>
+        <p:txBody>
+          <a:bodyPr/>
+          <a:lstStyle/>
+          <a:p>
+            <a:r>
+              <a:rPr lang="en-US" sz="1400" dirty="0">
+                <a:latin typeface="Calibri" pitchFamily="34" charset="0"/>
+              </a:rPr>
+              <a:t>Phase 2: Analysis and Design</a:t>
+            </a:r>
+            <a:r>
+              <a:rPr lang="en-US" dirty="0">
+                <a:latin typeface="Calibri" pitchFamily="34" charset="0"/>
+              </a:rPr>
+              <a:t>	</a:t>
+            </a:r>
+          </a:p>
+        </p:txBody>
+      </p:sp>
+      <p:sp>
+        <p:nvSpPr>
+          <p:cNvPr id="5" name="Rectangle 11"/>
+          <p:cNvSpPr>
+            <a:spLocks noChangeArrowheads="1"/>
+          </p:cNvSpPr>
+          <p:nvPr/>
+        </p:nvSpPr>
+        <p:spPr bwMode="auto">
+          <a:xfrm>
+            <a:off x="1747838" y="3124200"/>
+            <a:ext cx="1679575" cy="313092"/>
+          </a:xfrm>
+          <a:prstGeom prst="rect">
+            <a:avLst/>
+          </a:prstGeom>
+          <a:solidFill>
+            <a:schemeClr val="bg1"/>
+          </a:solidFill>
+          <a:ln w="9525" algn="ctr">
+            <a:solidFill>
+              <a:schemeClr val="tx1"/>
+            </a:solidFill>
+            <a:round/>
+            <a:headEnd/>
+            <a:tailEnd/>
+          </a:ln>
+        </p:spPr>
+        <p:txBody>
+          <a:bodyPr/>
+          <a:lstStyle/>
+          <a:p>
+            <a:pPr algn="ctr">
+              <a:buNone/>
+            </a:pPr>
+            <a:r>
+              <a:rPr lang="en-US" sz="1200" dirty="0" smtClean="0">
+                <a:latin typeface="Calibri" pitchFamily="34" charset="0"/>
+              </a:rPr>
+              <a:t>Prototyping</a:t>
+            </a:r>
+            <a:endParaRPr lang="en-US" sz="1200" dirty="0">
+              <a:latin typeface="Calibri" pitchFamily="34" charset="0"/>
+            </a:endParaRPr>
+          </a:p>
+        </p:txBody>
+      </p:sp>
+      <p:sp>
+        <p:nvSpPr>
+          <p:cNvPr id="6" name="Rectangle 12"/>
+          <p:cNvSpPr>
+            <a:spLocks noChangeArrowheads="1"/>
+          </p:cNvSpPr>
+          <p:nvPr/>
+        </p:nvSpPr>
+        <p:spPr bwMode="auto">
+          <a:xfrm>
+            <a:off x="1747838" y="3657600"/>
+            <a:ext cx="1681162" cy="314292"/>
+          </a:xfrm>
+          <a:prstGeom prst="rect">
+            <a:avLst/>
+          </a:prstGeom>
+          <a:solidFill>
+            <a:schemeClr val="bg1"/>
+          </a:solidFill>
+          <a:ln w="9525" algn="ctr">
+            <a:solidFill>
+              <a:schemeClr val="tx1"/>
+            </a:solidFill>
+            <a:round/>
+            <a:headEnd/>
+            <a:tailEnd/>
+          </a:ln>
+        </p:spPr>
+        <p:txBody>
+          <a:bodyPr/>
+          <a:lstStyle/>
+          <a:p>
+            <a:pPr algn="ctr">
+              <a:buNone/>
+            </a:pPr>
+            <a:r>
+              <a:rPr lang="en-US" sz="1200" dirty="0" smtClean="0">
+                <a:latin typeface="Calibri" pitchFamily="34" charset="0"/>
+              </a:rPr>
+              <a:t>Use Case Modeling</a:t>
+            </a:r>
+          </a:p>
+        </p:txBody>
+      </p:sp>
+      <p:sp>
+        <p:nvSpPr>
+          <p:cNvPr id="7" name="Rectangle 13"/>
+          <p:cNvSpPr>
+            <a:spLocks noChangeArrowheads="1"/>
+          </p:cNvSpPr>
+          <p:nvPr/>
+        </p:nvSpPr>
+        <p:spPr bwMode="auto">
+          <a:xfrm>
+            <a:off x="1747838" y="4191000"/>
+            <a:ext cx="1679575" cy="388319"/>
+          </a:xfrm>
+          <a:prstGeom prst="rect">
+            <a:avLst/>
+          </a:prstGeom>
+          <a:solidFill>
+            <a:schemeClr val="bg1"/>
+          </a:solidFill>
+          <a:ln w="9525" algn="ctr">
+            <a:solidFill>
+              <a:schemeClr val="tx1"/>
+            </a:solidFill>
+            <a:round/>
+            <a:headEnd/>
+            <a:tailEnd/>
+          </a:ln>
+        </p:spPr>
+        <p:txBody>
+          <a:bodyPr/>
+          <a:lstStyle/>
+          <a:p>
+            <a:pPr algn="ctr">
+              <a:buNone/>
+            </a:pPr>
+            <a:r>
+              <a:rPr lang="en-US" sz="1200" dirty="0" smtClean="0">
+                <a:latin typeface="Calibri" pitchFamily="34" charset="0"/>
+              </a:rPr>
+              <a:t>Use Case </a:t>
+            </a:r>
+            <a:r>
+              <a:rPr lang="en-US" sz="1200" dirty="0" err="1" smtClean="0">
+                <a:latin typeface="Calibri" pitchFamily="34" charset="0"/>
+              </a:rPr>
+              <a:t>Realisation</a:t>
+            </a:r>
+            <a:r>
+              <a:rPr lang="en-US" sz="1200" dirty="0" smtClean="0">
+                <a:latin typeface="Calibri" pitchFamily="34" charset="0"/>
+              </a:rPr>
+              <a:t> </a:t>
+            </a:r>
+            <a:r>
+              <a:rPr lang="en-US" sz="1200" dirty="0" smtClean="0">
+                <a:latin typeface="Calibri" pitchFamily="34" charset="0"/>
+              </a:rPr>
+              <a:t>Report</a:t>
+            </a:r>
+          </a:p>
+        </p:txBody>
+      </p:sp>
+      <p:sp>
+        <p:nvSpPr>
+          <p:cNvPr id="8" name="Rectangle 14"/>
+          <p:cNvSpPr>
+            <a:spLocks noChangeArrowheads="1"/>
+          </p:cNvSpPr>
+          <p:nvPr/>
+        </p:nvSpPr>
+        <p:spPr bwMode="auto">
+          <a:xfrm>
+            <a:off x="4038600" y="3072430"/>
+            <a:ext cx="1679575" cy="432770"/>
+          </a:xfrm>
+          <a:prstGeom prst="rect">
+            <a:avLst/>
+          </a:prstGeom>
+          <a:solidFill>
+            <a:schemeClr val="bg1"/>
+          </a:solidFill>
+          <a:ln w="9525" algn="ctr">
+            <a:solidFill>
+              <a:schemeClr val="tx1"/>
+            </a:solidFill>
+            <a:round/>
+            <a:headEnd/>
+            <a:tailEnd/>
+          </a:ln>
+        </p:spPr>
+        <p:txBody>
+          <a:bodyPr/>
+          <a:lstStyle/>
+          <a:p>
+            <a:pPr algn="ctr">
+              <a:buNone/>
+            </a:pPr>
+            <a:r>
+              <a:rPr lang="en-US" sz="1200" dirty="0" smtClean="0">
+                <a:latin typeface="Calibri" pitchFamily="34" charset="0"/>
+              </a:rPr>
+              <a:t>High-level System Design</a:t>
+            </a:r>
+          </a:p>
+        </p:txBody>
+      </p:sp>
+      <p:cxnSp>
+        <p:nvCxnSpPr>
+          <p:cNvPr id="10" name="Straight Arrow Connector 31"/>
+          <p:cNvCxnSpPr>
+            <a:cxnSpLocks noChangeShapeType="1"/>
+          </p:cNvCxnSpPr>
+          <p:nvPr/>
+        </p:nvCxnSpPr>
+        <p:spPr bwMode="auto">
+          <a:xfrm rot="5400000">
+            <a:off x="2476500" y="3538538"/>
+            <a:ext cx="227013" cy="7937"/>
+          </a:xfrm>
+          <a:prstGeom prst="straightConnector1">
+            <a:avLst/>
+          </a:prstGeom>
+          <a:noFill/>
+          <a:ln w="9525" algn="ctr">
+            <a:solidFill>
+              <a:schemeClr val="tx1"/>
+            </a:solidFill>
+            <a:round/>
+            <a:headEnd/>
+            <a:tailEnd type="arrow" w="med" len="med"/>
+          </a:ln>
+        </p:spPr>
+      </p:cxnSp>
+      <p:cxnSp>
+        <p:nvCxnSpPr>
+          <p:cNvPr id="13" name="Straight Arrow Connector 35"/>
+          <p:cNvCxnSpPr>
+            <a:cxnSpLocks noChangeShapeType="1"/>
+          </p:cNvCxnSpPr>
+          <p:nvPr/>
+        </p:nvCxnSpPr>
+        <p:spPr bwMode="auto">
+          <a:xfrm rot="5400000">
+            <a:off x="2476500" y="4071938"/>
+            <a:ext cx="225425" cy="6350"/>
+          </a:xfrm>
+          <a:prstGeom prst="straightConnector1">
+            <a:avLst/>
+          </a:prstGeom>
+          <a:noFill/>
+          <a:ln w="9525" algn="ctr">
+            <a:solidFill>
+              <a:schemeClr val="tx1"/>
+            </a:solidFill>
+            <a:round/>
+            <a:headEnd/>
+            <a:tailEnd type="arrow" w="med" len="med"/>
+          </a:ln>
+        </p:spPr>
+      </p:cxnSp>
+      <p:sp>
+        <p:nvSpPr>
+          <p:cNvPr id="22" name="Rectangle 14"/>
+          <p:cNvSpPr>
+            <a:spLocks noChangeArrowheads="1"/>
+          </p:cNvSpPr>
+          <p:nvPr/>
+        </p:nvSpPr>
+        <p:spPr bwMode="auto">
+          <a:xfrm>
+            <a:off x="4191000" y="3733800"/>
+            <a:ext cx="1447799" cy="457200"/>
+          </a:xfrm>
+          <a:prstGeom prst="rect">
+            <a:avLst/>
+          </a:prstGeom>
+          <a:solidFill>
+            <a:schemeClr val="bg1"/>
+          </a:solidFill>
+          <a:ln w="9525" algn="ctr">
+            <a:solidFill>
+              <a:schemeClr val="tx1"/>
+            </a:solidFill>
+            <a:round/>
+            <a:headEnd/>
+            <a:tailEnd/>
+          </a:ln>
+        </p:spPr>
+        <p:txBody>
+          <a:bodyPr/>
+          <a:lstStyle/>
+          <a:p>
+            <a:pPr algn="ctr">
+              <a:buNone/>
+            </a:pPr>
+            <a:r>
+              <a:rPr lang="en-US" sz="1200" dirty="0" smtClean="0">
+                <a:latin typeface="Calibri" pitchFamily="34" charset="0"/>
+              </a:rPr>
+              <a:t>Software Architecture</a:t>
+            </a:r>
+            <a:endParaRPr lang="en-US" sz="1200" dirty="0" smtClean="0">
+              <a:latin typeface="Calibri" pitchFamily="34" charset="0"/>
+            </a:endParaRPr>
+          </a:p>
+        </p:txBody>
+      </p:sp>
+      <p:sp>
+        <p:nvSpPr>
+          <p:cNvPr id="23" name="Rectangle 14"/>
+          <p:cNvSpPr>
+            <a:spLocks noChangeArrowheads="1"/>
+          </p:cNvSpPr>
+          <p:nvPr/>
+        </p:nvSpPr>
+        <p:spPr bwMode="auto">
+          <a:xfrm>
+            <a:off x="4038600" y="4419600"/>
+            <a:ext cx="1679575" cy="432770"/>
+          </a:xfrm>
+          <a:prstGeom prst="rect">
+            <a:avLst/>
+          </a:prstGeom>
+          <a:solidFill>
+            <a:schemeClr val="bg1"/>
+          </a:solidFill>
+          <a:ln w="9525" algn="ctr">
+            <a:solidFill>
+              <a:schemeClr val="tx1"/>
+            </a:solidFill>
+            <a:round/>
+            <a:headEnd/>
+            <a:tailEnd/>
+          </a:ln>
+        </p:spPr>
+        <p:txBody>
+          <a:bodyPr/>
+          <a:lstStyle/>
+          <a:p>
+            <a:pPr algn="ctr">
+              <a:buNone/>
+            </a:pPr>
+            <a:r>
+              <a:rPr lang="en-US" sz="1200" dirty="0" smtClean="0">
+                <a:latin typeface="Calibri" pitchFamily="34" charset="0"/>
+              </a:rPr>
+              <a:t>Transition Strategy from Analysis to Design</a:t>
+            </a:r>
+            <a:endParaRPr lang="en-US" sz="1200" dirty="0" smtClean="0">
+              <a:latin typeface="Calibri" pitchFamily="34" charset="0"/>
+            </a:endParaRPr>
+          </a:p>
+        </p:txBody>
+      </p:sp>
+      <p:cxnSp>
+        <p:nvCxnSpPr>
+          <p:cNvPr id="24" name="Straight Arrow Connector 31"/>
+          <p:cNvCxnSpPr>
+            <a:cxnSpLocks noChangeShapeType="1"/>
+          </p:cNvCxnSpPr>
+          <p:nvPr/>
+        </p:nvCxnSpPr>
+        <p:spPr bwMode="auto">
+          <a:xfrm rot="5400000">
+            <a:off x="4759325" y="3614738"/>
+            <a:ext cx="227013" cy="7937"/>
+          </a:xfrm>
+          <a:prstGeom prst="straightConnector1">
+            <a:avLst/>
+          </a:prstGeom>
+          <a:noFill/>
+          <a:ln w="9525" algn="ctr">
+            <a:solidFill>
+              <a:schemeClr val="tx1"/>
+            </a:solidFill>
+            <a:round/>
+            <a:headEnd/>
+            <a:tailEnd type="arrow" w="med" len="med"/>
+          </a:ln>
+        </p:spPr>
+      </p:cxnSp>
+      <p:cxnSp>
+        <p:nvCxnSpPr>
+          <p:cNvPr id="25" name="Straight Arrow Connector 31"/>
+          <p:cNvCxnSpPr>
+            <a:cxnSpLocks noChangeShapeType="1"/>
+          </p:cNvCxnSpPr>
+          <p:nvPr/>
+        </p:nvCxnSpPr>
+        <p:spPr bwMode="auto">
+          <a:xfrm rot="5400000">
+            <a:off x="4767262" y="4300538"/>
+            <a:ext cx="227013" cy="7937"/>
+          </a:xfrm>
+          <a:prstGeom prst="straightConnector1">
+            <a:avLst/>
+          </a:prstGeom>
+          <a:noFill/>
+          <a:ln w="9525" algn="ctr">
+            <a:solidFill>
+              <a:schemeClr val="tx1"/>
+            </a:solidFill>
+            <a:round/>
+            <a:headEnd/>
+            <a:tailEnd type="arrow" w="med" len="med"/>
+          </a:ln>
+        </p:spPr>
+      </p:cxnSp>
+      <p:sp>
+        <p:nvSpPr>
+          <p:cNvPr id="26" name="Rectangle 13"/>
+          <p:cNvSpPr>
+            <a:spLocks noChangeArrowheads="1"/>
+          </p:cNvSpPr>
+          <p:nvPr/>
+        </p:nvSpPr>
+        <p:spPr bwMode="auto">
+          <a:xfrm>
+            <a:off x="1752600" y="4953001"/>
+            <a:ext cx="1679575" cy="304800"/>
+          </a:xfrm>
+          <a:prstGeom prst="rect">
+            <a:avLst/>
+          </a:prstGeom>
+          <a:solidFill>
+            <a:schemeClr val="bg1"/>
+          </a:solidFill>
+          <a:ln w="9525" algn="ctr">
+            <a:solidFill>
+              <a:schemeClr val="tx1"/>
+            </a:solidFill>
+            <a:round/>
+            <a:headEnd/>
+            <a:tailEnd/>
+          </a:ln>
+        </p:spPr>
+        <p:txBody>
+          <a:bodyPr/>
+          <a:lstStyle/>
+          <a:p>
+            <a:pPr algn="ctr">
+              <a:buNone/>
+            </a:pPr>
+            <a:r>
+              <a:rPr lang="en-US" sz="1200" dirty="0" smtClean="0">
+                <a:latin typeface="Calibri" pitchFamily="34" charset="0"/>
+              </a:rPr>
+              <a:t>Project Management</a:t>
+            </a:r>
+            <a:endParaRPr lang="en-US" sz="1200" dirty="0" smtClean="0">
+              <a:latin typeface="Calibri" pitchFamily="34" charset="0"/>
             </a:endParaRPr>
           </a:p>
         </p:txBody>
@@ -8332,6 +8833,779 @@
 </file>
 
 <file path=ppt/slides/slide23.xml><?xml version="1.0" encoding="utf-8"?>
+<p:sld xmlns:a="http://schemas.openxmlformats.org/drawingml/2006/main" xmlns:r="http://schemas.openxmlformats.org/officeDocument/2006/relationships" xmlns:p="http://schemas.openxmlformats.org/presentationml/2006/main">
+  <p:cSld>
+    <p:spTree>
+      <p:nvGrpSpPr>
+        <p:cNvPr id="1" name=""/>
+        <p:cNvGrpSpPr/>
+        <p:nvPr/>
+      </p:nvGrpSpPr>
+      <p:grpSpPr>
+        <a:xfrm>
+          <a:off x="0" y="0"/>
+          <a:ext cx="0" cy="0"/>
+          <a:chOff x="0" y="0"/>
+          <a:chExt cx="0" cy="0"/>
+        </a:xfrm>
+      </p:grpSpPr>
+      <p:sp>
+        <p:nvSpPr>
+          <p:cNvPr id="14341" name="Rectangle 5"/>
+          <p:cNvSpPr>
+            <a:spLocks noGrp="1" noChangeArrowheads="1"/>
+          </p:cNvSpPr>
+          <p:nvPr>
+            <p:ph type="title"/>
+          </p:nvPr>
+        </p:nvSpPr>
+        <p:spPr/>
+        <p:txBody>
+          <a:bodyPr/>
+          <a:lstStyle/>
+          <a:p>
+            <a:r>
+              <a:rPr lang="en-US" dirty="0" smtClean="0"/>
+              <a:t>Transition to Next </a:t>
+            </a:r>
+            <a:r>
+              <a:rPr lang="en-US" dirty="0" smtClean="0"/>
+              <a:t>Stage – What do we plan to do?</a:t>
+            </a:r>
+            <a:endParaRPr lang="en-US" dirty="0"/>
+          </a:p>
+        </p:txBody>
+      </p:sp>
+      <p:sp>
+        <p:nvSpPr>
+          <p:cNvPr id="14342" name="Rectangle 6"/>
+          <p:cNvSpPr>
+            <a:spLocks noGrp="1" noChangeArrowheads="1"/>
+          </p:cNvSpPr>
+          <p:nvPr>
+            <p:ph type="body" idx="1"/>
+          </p:nvPr>
+        </p:nvSpPr>
+        <p:spPr/>
+        <p:txBody>
+          <a:bodyPr/>
+          <a:lstStyle/>
+          <a:p>
+            <a:pPr>
+              <a:buFont typeface="Wingdings" pitchFamily="2" charset="2"/>
+              <a:buChar char="v"/>
+            </a:pPr>
+            <a:endParaRPr lang="en-US" dirty="0" smtClean="0"/>
+          </a:p>
+        </p:txBody>
+      </p:sp>
+      <p:graphicFrame>
+        <p:nvGraphicFramePr>
+          <p:cNvPr id="16" name="Table 15"/>
+          <p:cNvGraphicFramePr>
+            <a:graphicFrameLocks noGrp="1"/>
+          </p:cNvGraphicFramePr>
+          <p:nvPr/>
+        </p:nvGraphicFramePr>
+        <p:xfrm>
+          <a:off x="533400" y="1600200"/>
+          <a:ext cx="8196580" cy="5072823"/>
+        </p:xfrm>
+        <a:graphic>
+          <a:graphicData uri="http://schemas.openxmlformats.org/drawingml/2006/table">
+            <a:tbl>
+              <a:tblPr firstRow="1" bandRow="1">
+                <a:tableStyleId>{5C22544A-7EE6-4342-B048-85BDC9FD1C3A}</a:tableStyleId>
+              </a:tblPr>
+              <a:tblGrid>
+                <a:gridCol w="522838"/>
+                <a:gridCol w="2067962"/>
+                <a:gridCol w="3429000"/>
+                <a:gridCol w="2176780"/>
+              </a:tblGrid>
+              <a:tr h="509202">
+                <a:tc>
+                  <a:txBody>
+                    <a:bodyPr/>
+                    <a:lstStyle/>
+                    <a:p>
+                      <a:r>
+                        <a:rPr lang="en-US" dirty="0" smtClean="0"/>
+                        <a:t>No</a:t>
+                      </a:r>
+                      <a:endParaRPr lang="en-US" dirty="0"/>
+                    </a:p>
+                  </a:txBody>
+                  <a:tcPr/>
+                </a:tc>
+                <a:tc>
+                  <a:txBody>
+                    <a:bodyPr/>
+                    <a:lstStyle/>
+                    <a:p>
+                      <a:r>
+                        <a:rPr lang="en-US" dirty="0" smtClean="0"/>
+                        <a:t>Task</a:t>
+                      </a:r>
+                      <a:endParaRPr lang="en-US" dirty="0"/>
+                    </a:p>
+                  </a:txBody>
+                  <a:tcPr/>
+                </a:tc>
+                <a:tc>
+                  <a:txBody>
+                    <a:bodyPr/>
+                    <a:lstStyle/>
+                    <a:p>
+                      <a:r>
+                        <a:rPr lang="en-US" dirty="0" smtClean="0"/>
+                        <a:t>Description</a:t>
+                      </a:r>
+                      <a:endParaRPr lang="en-US" dirty="0"/>
+                    </a:p>
+                  </a:txBody>
+                  <a:tcPr/>
+                </a:tc>
+                <a:tc>
+                  <a:txBody>
+                    <a:bodyPr/>
+                    <a:lstStyle/>
+                    <a:p>
+                      <a:r>
+                        <a:rPr lang="en-US" dirty="0" smtClean="0"/>
+                        <a:t>In-Charge</a:t>
+                      </a:r>
+                      <a:endParaRPr lang="en-US" dirty="0"/>
+                    </a:p>
+                  </a:txBody>
+                  <a:tcPr/>
+                </a:tc>
+              </a:tr>
+              <a:tr h="687894">
+                <a:tc>
+                  <a:txBody>
+                    <a:bodyPr/>
+                    <a:lstStyle/>
+                    <a:p>
+                      <a:r>
+                        <a:rPr lang="en-US" dirty="0" smtClean="0"/>
+                        <a:t>1.</a:t>
+                      </a:r>
+                      <a:endParaRPr lang="en-US" dirty="0"/>
+                    </a:p>
+                  </a:txBody>
+                  <a:tcPr/>
+                </a:tc>
+                <a:tc>
+                  <a:txBody>
+                    <a:bodyPr/>
+                    <a:lstStyle/>
+                    <a:p>
+                      <a:r>
+                        <a:rPr lang="en-US" dirty="0" smtClean="0"/>
+                        <a:t>Prototyping</a:t>
+                      </a:r>
+                      <a:endParaRPr lang="en-US" dirty="0"/>
+                    </a:p>
+                  </a:txBody>
+                  <a:tcPr/>
+                </a:tc>
+                <a:tc>
+                  <a:txBody>
+                    <a:bodyPr/>
+                    <a:lstStyle/>
+                    <a:p>
+                      <a:pPr>
+                        <a:buFont typeface="Arial" pitchFamily="34" charset="0"/>
+                        <a:buChar char="•"/>
+                      </a:pPr>
+                      <a:r>
+                        <a:rPr lang="en-US" dirty="0" smtClean="0"/>
+                        <a:t>User interface prototyping</a:t>
+                      </a:r>
+                      <a:endParaRPr lang="en-US" baseline="0" dirty="0" smtClean="0"/>
+                    </a:p>
+                    <a:p>
+                      <a:pPr>
+                        <a:buFont typeface="Arial" pitchFamily="34" charset="0"/>
+                        <a:buChar char="•"/>
+                      </a:pPr>
+                      <a:r>
+                        <a:rPr lang="en-US" baseline="0" dirty="0" smtClean="0"/>
+                        <a:t>Technical </a:t>
+                      </a:r>
+                      <a:r>
+                        <a:rPr lang="en-US" dirty="0" smtClean="0"/>
+                        <a:t>prototyping</a:t>
+                      </a:r>
+                      <a:endParaRPr lang="en-US" dirty="0"/>
+                    </a:p>
+                  </a:txBody>
+                  <a:tcPr/>
+                </a:tc>
+                <a:tc>
+                  <a:txBody>
+                    <a:bodyPr/>
+                    <a:lstStyle/>
+                    <a:p>
+                      <a:pPr>
+                        <a:buFont typeface="Arial" pitchFamily="34" charset="0"/>
+                        <a:buChar char="•"/>
+                      </a:pPr>
+                      <a:r>
+                        <a:rPr lang="en-US" dirty="0" smtClean="0"/>
+                        <a:t>Feng Yan,</a:t>
+                      </a:r>
+                      <a:r>
+                        <a:rPr lang="en-US" baseline="0" dirty="0" smtClean="0"/>
+                        <a:t> </a:t>
+                      </a:r>
+                      <a:r>
+                        <a:rPr lang="en-US" dirty="0" smtClean="0"/>
+                        <a:t>Jifa</a:t>
+                      </a:r>
+                    </a:p>
+                    <a:p>
+                      <a:pPr>
+                        <a:buFont typeface="Arial" pitchFamily="34" charset="0"/>
+                        <a:buChar char="•"/>
+                      </a:pPr>
+                      <a:r>
+                        <a:rPr lang="en-US" dirty="0" smtClean="0"/>
+                        <a:t>Zaw</a:t>
+                      </a:r>
+                      <a:endParaRPr lang="en-US" dirty="0"/>
+                    </a:p>
+                  </a:txBody>
+                  <a:tcPr/>
+                </a:tc>
+              </a:tr>
+              <a:tr h="757811">
+                <a:tc>
+                  <a:txBody>
+                    <a:bodyPr/>
+                    <a:lstStyle/>
+                    <a:p>
+                      <a:r>
+                        <a:rPr lang="en-US" dirty="0" smtClean="0"/>
+                        <a:t>2.</a:t>
+                      </a:r>
+                      <a:endParaRPr lang="en-US" dirty="0"/>
+                    </a:p>
+                  </a:txBody>
+                  <a:tcPr/>
+                </a:tc>
+                <a:tc>
+                  <a:txBody>
+                    <a:bodyPr/>
+                    <a:lstStyle/>
+                    <a:p>
+                      <a:r>
+                        <a:rPr lang="en-US" dirty="0" smtClean="0"/>
+                        <a:t>Use Case Modeling</a:t>
+                      </a:r>
+                      <a:endParaRPr lang="en-US" dirty="0"/>
+                    </a:p>
+                  </a:txBody>
+                  <a:tcPr/>
+                </a:tc>
+                <a:tc>
+                  <a:txBody>
+                    <a:bodyPr/>
+                    <a:lstStyle/>
+                    <a:p>
+                      <a:pPr>
+                        <a:buFont typeface="Arial" pitchFamily="34" charset="0"/>
+                        <a:buChar char="•"/>
+                      </a:pPr>
+                      <a:r>
+                        <a:rPr lang="en-US" dirty="0" smtClean="0"/>
+                        <a:t>Use case model survey</a:t>
+                      </a:r>
+                    </a:p>
+                  </a:txBody>
+                  <a:tcPr/>
+                </a:tc>
+                <a:tc>
+                  <a:txBody>
+                    <a:bodyPr/>
+                    <a:lstStyle/>
+                    <a:p>
+                      <a:pPr>
+                        <a:buFont typeface="Arial" pitchFamily="34" charset="0"/>
+                        <a:buChar char="•"/>
+                      </a:pPr>
+                      <a:r>
+                        <a:rPr lang="en-US" baseline="0" dirty="0" smtClean="0"/>
+                        <a:t>Thida, Hazel</a:t>
+                      </a:r>
+                      <a:endParaRPr lang="en-US" baseline="0" dirty="0" smtClean="0"/>
+                    </a:p>
+                    <a:p>
+                      <a:pPr>
+                        <a:buFont typeface="Arial" pitchFamily="34" charset="0"/>
+                        <a:buChar char="•"/>
+                      </a:pPr>
+                      <a:endParaRPr lang="en-US" dirty="0"/>
+                    </a:p>
+                  </a:txBody>
+                  <a:tcPr/>
+                </a:tc>
+              </a:tr>
+              <a:tr h="757811">
+                <a:tc>
+                  <a:txBody>
+                    <a:bodyPr/>
+                    <a:lstStyle/>
+                    <a:p>
+                      <a:pPr marL="0" marR="0" indent="0" algn="l" defTabSz="914400" rtl="0" eaLnBrk="1" fontAlgn="auto" latinLnBrk="0" hangingPunct="1">
+                        <a:lnSpc>
+                          <a:spcPct val="100000"/>
+                        </a:lnSpc>
+                        <a:spcBef>
+                          <a:spcPts val="0"/>
+                        </a:spcBef>
+                        <a:spcAft>
+                          <a:spcPts val="0"/>
+                        </a:spcAft>
+                        <a:buClrTx/>
+                        <a:buSzTx/>
+                        <a:buFontTx/>
+                        <a:buNone/>
+                        <a:tabLst/>
+                        <a:defRPr/>
+                      </a:pPr>
+                      <a:r>
+                        <a:rPr lang="en-US" dirty="0" smtClean="0"/>
+                        <a:t>3.</a:t>
+                      </a:r>
+                    </a:p>
+                  </a:txBody>
+                  <a:tcPr/>
+                </a:tc>
+                <a:tc>
+                  <a:txBody>
+                    <a:bodyPr/>
+                    <a:lstStyle/>
+                    <a:p>
+                      <a:pPr marL="0" marR="0" indent="0" algn="l" defTabSz="914400" rtl="0" eaLnBrk="1" fontAlgn="auto" latinLnBrk="0" hangingPunct="1">
+                        <a:lnSpc>
+                          <a:spcPct val="100000"/>
+                        </a:lnSpc>
+                        <a:spcBef>
+                          <a:spcPts val="0"/>
+                        </a:spcBef>
+                        <a:spcAft>
+                          <a:spcPts val="0"/>
+                        </a:spcAft>
+                        <a:buClrTx/>
+                        <a:buSzTx/>
+                        <a:buFontTx/>
+                        <a:buNone/>
+                        <a:tabLst/>
+                        <a:defRPr/>
+                      </a:pPr>
+                      <a:r>
+                        <a:rPr lang="en-US" dirty="0" smtClean="0"/>
+                        <a:t>Use case </a:t>
+                      </a:r>
+                      <a:r>
+                        <a:rPr lang="en-US" dirty="0" err="1" smtClean="0"/>
+                        <a:t>realisation</a:t>
+                      </a:r>
+                      <a:r>
+                        <a:rPr lang="en-US" baseline="0" dirty="0" smtClean="0"/>
+                        <a:t> report</a:t>
+                      </a:r>
+                      <a:endParaRPr lang="en-US" dirty="0" smtClean="0"/>
+                    </a:p>
+                  </a:txBody>
+                  <a:tcPr/>
+                </a:tc>
+                <a:tc>
+                  <a:txBody>
+                    <a:bodyPr/>
+                    <a:lstStyle/>
+                    <a:p>
+                      <a:pPr marL="0" marR="0" indent="0" algn="l" defTabSz="914400" rtl="0" eaLnBrk="1" fontAlgn="auto" latinLnBrk="0" hangingPunct="1">
+                        <a:lnSpc>
+                          <a:spcPct val="100000"/>
+                        </a:lnSpc>
+                        <a:spcBef>
+                          <a:spcPts val="0"/>
+                        </a:spcBef>
+                        <a:spcAft>
+                          <a:spcPts val="0"/>
+                        </a:spcAft>
+                        <a:buClrTx/>
+                        <a:buSzTx/>
+                        <a:buFont typeface="Arial" pitchFamily="34" charset="0"/>
+                        <a:buChar char="•"/>
+                        <a:tabLst/>
+                        <a:defRPr/>
+                      </a:pPr>
+                      <a:r>
+                        <a:rPr lang="en-US" dirty="0" smtClean="0"/>
+                        <a:t>Use case </a:t>
+                      </a:r>
+                      <a:r>
+                        <a:rPr lang="en-US" dirty="0" err="1" smtClean="0"/>
+                        <a:t>realisation</a:t>
+                      </a:r>
+                      <a:r>
+                        <a:rPr lang="en-US" baseline="0" dirty="0" smtClean="0"/>
+                        <a:t> report</a:t>
+                      </a:r>
+                      <a:endParaRPr lang="en-US" dirty="0" smtClean="0"/>
+                    </a:p>
+                    <a:p>
+                      <a:pPr>
+                        <a:buFont typeface="Arial" pitchFamily="34" charset="0"/>
+                        <a:buChar char="•"/>
+                      </a:pPr>
+                      <a:endParaRPr lang="en-US" dirty="0"/>
+                    </a:p>
+                  </a:txBody>
+                  <a:tcPr/>
+                </a:tc>
+                <a:tc>
+                  <a:txBody>
+                    <a:bodyPr/>
+                    <a:lstStyle/>
+                    <a:p>
+                      <a:pPr>
+                        <a:buFont typeface="Arial" pitchFamily="34" charset="0"/>
+                        <a:buChar char="•"/>
+                      </a:pPr>
+                      <a:r>
+                        <a:rPr lang="en-US" baseline="0" dirty="0" smtClean="0"/>
+                        <a:t>Thida, Hazel</a:t>
+                      </a:r>
+                    </a:p>
+                  </a:txBody>
+                  <a:tcPr/>
+                </a:tc>
+              </a:tr>
+              <a:tr h="687894">
+                <a:tc>
+                  <a:txBody>
+                    <a:bodyPr/>
+                    <a:lstStyle/>
+                    <a:p>
+                      <a:r>
+                        <a:rPr lang="en-US" dirty="0" smtClean="0"/>
+                        <a:t>4.</a:t>
+                      </a:r>
+                      <a:endParaRPr lang="en-US" dirty="0"/>
+                    </a:p>
+                  </a:txBody>
+                  <a:tcPr/>
+                </a:tc>
+                <a:tc>
+                  <a:txBody>
+                    <a:bodyPr/>
+                    <a:lstStyle/>
+                    <a:p>
+                      <a:r>
+                        <a:rPr lang="en-US" dirty="0" smtClean="0"/>
+                        <a:t>Software Design</a:t>
+                      </a:r>
+                      <a:endParaRPr lang="en-US" dirty="0"/>
+                    </a:p>
+                  </a:txBody>
+                  <a:tcPr/>
+                </a:tc>
+                <a:tc>
+                  <a:txBody>
+                    <a:bodyPr/>
+                    <a:lstStyle/>
+                    <a:p>
+                      <a:pPr marL="0" marR="0" indent="0" algn="l" defTabSz="914400" rtl="0" eaLnBrk="1" fontAlgn="auto" latinLnBrk="0" hangingPunct="1">
+                        <a:lnSpc>
+                          <a:spcPct val="100000"/>
+                        </a:lnSpc>
+                        <a:spcBef>
+                          <a:spcPts val="0"/>
+                        </a:spcBef>
+                        <a:spcAft>
+                          <a:spcPts val="0"/>
+                        </a:spcAft>
+                        <a:buClrTx/>
+                        <a:buSzTx/>
+                        <a:buFont typeface="Arial" pitchFamily="34" charset="0"/>
+                        <a:buChar char="•"/>
+                        <a:tabLst/>
+                        <a:defRPr/>
+                      </a:pPr>
+                      <a:r>
+                        <a:rPr lang="en-US" dirty="0" smtClean="0"/>
+                        <a:t>High</a:t>
+                      </a:r>
+                      <a:r>
+                        <a:rPr lang="en-US" baseline="0" dirty="0" smtClean="0"/>
+                        <a:t> level software architecture design document</a:t>
+                      </a:r>
+                      <a:endParaRPr lang="en-US" dirty="0" smtClean="0"/>
+                    </a:p>
+                  </a:txBody>
+                  <a:tcPr/>
+                </a:tc>
+                <a:tc>
+                  <a:txBody>
+                    <a:bodyPr/>
+                    <a:lstStyle/>
+                    <a:p>
+                      <a:pPr>
+                        <a:buFont typeface="Arial" pitchFamily="34" charset="0"/>
+                        <a:buChar char="•"/>
+                      </a:pPr>
+                      <a:r>
+                        <a:rPr lang="en-US" dirty="0" smtClean="0"/>
+                        <a:t>Zaw</a:t>
+                      </a:r>
+                      <a:endParaRPr lang="en-US" dirty="0"/>
+                    </a:p>
+                  </a:txBody>
+                  <a:tcPr/>
+                </a:tc>
+              </a:tr>
+              <a:tr h="687894">
+                <a:tc>
+                  <a:txBody>
+                    <a:bodyPr/>
+                    <a:lstStyle/>
+                    <a:p>
+                      <a:r>
+                        <a:rPr lang="en-US" dirty="0" smtClean="0"/>
+                        <a:t>5.</a:t>
+                      </a:r>
+                      <a:endParaRPr lang="en-US" dirty="0"/>
+                    </a:p>
+                  </a:txBody>
+                  <a:tcPr/>
+                </a:tc>
+                <a:tc>
+                  <a:txBody>
+                    <a:bodyPr/>
+                    <a:lstStyle/>
+                    <a:p>
+                      <a:pPr marL="0" marR="0" indent="0" algn="l" defTabSz="914400" rtl="0" eaLnBrk="1" fontAlgn="auto" latinLnBrk="0" hangingPunct="1">
+                        <a:lnSpc>
+                          <a:spcPct val="100000"/>
+                        </a:lnSpc>
+                        <a:spcBef>
+                          <a:spcPts val="0"/>
+                        </a:spcBef>
+                        <a:spcAft>
+                          <a:spcPts val="0"/>
+                        </a:spcAft>
+                        <a:buClrTx/>
+                        <a:buSzTx/>
+                        <a:buFontTx/>
+                        <a:buNone/>
+                        <a:tabLst/>
+                        <a:defRPr/>
+                      </a:pPr>
+                      <a:r>
+                        <a:rPr lang="en-US" sz="1800" kern="1200" dirty="0" smtClean="0">
+                          <a:solidFill>
+                            <a:schemeClr val="dk1"/>
+                          </a:solidFill>
+                          <a:latin typeface="+mn-lt"/>
+                          <a:ea typeface="+mn-ea"/>
+                          <a:cs typeface="+mn-cs"/>
+                        </a:rPr>
+                        <a:t>Transition Strategy from Analysis to Design</a:t>
+                      </a:r>
+                    </a:p>
+                  </a:txBody>
+                  <a:tcPr/>
+                </a:tc>
+                <a:tc>
+                  <a:txBody>
+                    <a:bodyPr/>
+                    <a:lstStyle/>
+                    <a:p>
+                      <a:pPr marL="0" marR="0" indent="0" algn="l" defTabSz="914400" rtl="0" eaLnBrk="1" fontAlgn="auto" latinLnBrk="0" hangingPunct="1">
+                        <a:lnSpc>
+                          <a:spcPct val="100000"/>
+                        </a:lnSpc>
+                        <a:spcBef>
+                          <a:spcPts val="0"/>
+                        </a:spcBef>
+                        <a:spcAft>
+                          <a:spcPts val="0"/>
+                        </a:spcAft>
+                        <a:buClrTx/>
+                        <a:buSzTx/>
+                        <a:buFont typeface="Arial" pitchFamily="34" charset="0"/>
+                        <a:buChar char="•"/>
+                        <a:tabLst/>
+                        <a:defRPr/>
+                      </a:pPr>
+                      <a:r>
+                        <a:rPr lang="en-US" sz="1800" kern="1200" dirty="0" smtClean="0">
+                          <a:solidFill>
+                            <a:schemeClr val="dk1"/>
+                          </a:solidFill>
+                          <a:latin typeface="+mn-lt"/>
+                          <a:ea typeface="+mn-ea"/>
+                          <a:cs typeface="+mn-cs"/>
+                        </a:rPr>
+                        <a:t>Transition Strategy from Analysis to Design</a:t>
+                      </a:r>
+                    </a:p>
+                  </a:txBody>
+                  <a:tcPr/>
+                </a:tc>
+                <a:tc>
+                  <a:txBody>
+                    <a:bodyPr/>
+                    <a:lstStyle/>
+                    <a:p>
+                      <a:pPr marL="0" marR="0" indent="0" algn="l" defTabSz="914400" rtl="0" eaLnBrk="1" fontAlgn="auto" latinLnBrk="0" hangingPunct="1">
+                        <a:lnSpc>
+                          <a:spcPct val="100000"/>
+                        </a:lnSpc>
+                        <a:spcBef>
+                          <a:spcPts val="0"/>
+                        </a:spcBef>
+                        <a:spcAft>
+                          <a:spcPts val="0"/>
+                        </a:spcAft>
+                        <a:buClrTx/>
+                        <a:buSzTx/>
+                        <a:buFont typeface="Arial" pitchFamily="34" charset="0"/>
+                        <a:buChar char="•"/>
+                        <a:tabLst/>
+                        <a:defRPr/>
+                      </a:pPr>
+                      <a:r>
+                        <a:rPr lang="en-US" dirty="0" smtClean="0"/>
+                        <a:t>Zaw</a:t>
+                      </a:r>
+                    </a:p>
+                  </a:txBody>
+                  <a:tcPr/>
+                </a:tc>
+              </a:tr>
+              <a:tr h="757811">
+                <a:tc>
+                  <a:txBody>
+                    <a:bodyPr/>
+                    <a:lstStyle/>
+                    <a:p>
+                      <a:r>
+                        <a:rPr lang="en-US" dirty="0" smtClean="0"/>
+                        <a:t>6.</a:t>
+                      </a:r>
+                      <a:endParaRPr lang="en-US" dirty="0"/>
+                    </a:p>
+                  </a:txBody>
+                  <a:tcPr/>
+                </a:tc>
+                <a:tc>
+                  <a:txBody>
+                    <a:bodyPr/>
+                    <a:lstStyle/>
+                    <a:p>
+                      <a:r>
+                        <a:rPr lang="en-US" dirty="0" smtClean="0"/>
+                        <a:t>Project</a:t>
+                      </a:r>
+                      <a:r>
+                        <a:rPr lang="en-US" baseline="0" dirty="0" smtClean="0"/>
+                        <a:t> Management</a:t>
+                      </a:r>
+                      <a:endParaRPr lang="en-US" dirty="0"/>
+                    </a:p>
+                  </a:txBody>
+                  <a:tcPr/>
+                </a:tc>
+                <a:tc>
+                  <a:txBody>
+                    <a:bodyPr/>
+                    <a:lstStyle/>
+                    <a:p>
+                      <a:pPr marL="0" marR="0" indent="0" algn="l" defTabSz="914400" rtl="0" eaLnBrk="1" fontAlgn="auto" latinLnBrk="0" hangingPunct="1">
+                        <a:lnSpc>
+                          <a:spcPct val="100000"/>
+                        </a:lnSpc>
+                        <a:spcBef>
+                          <a:spcPts val="0"/>
+                        </a:spcBef>
+                        <a:spcAft>
+                          <a:spcPts val="0"/>
+                        </a:spcAft>
+                        <a:buClrTx/>
+                        <a:buSzTx/>
+                        <a:buFont typeface="Arial" pitchFamily="34" charset="0"/>
+                        <a:buChar char="•"/>
+                        <a:tabLst/>
+                        <a:defRPr/>
+                      </a:pPr>
+                      <a:r>
+                        <a:rPr lang="en-US" sz="1800" kern="1200" dirty="0" smtClean="0">
+                          <a:solidFill>
+                            <a:schemeClr val="dk1"/>
+                          </a:solidFill>
+                          <a:latin typeface="+mn-lt"/>
+                          <a:ea typeface="+mn-ea"/>
+                          <a:cs typeface="+mn-cs"/>
+                        </a:rPr>
+                        <a:t>Transition Strategy from Analysis to Design</a:t>
+                      </a:r>
+                      <a:endParaRPr lang="en-US" sz="1800" kern="1200" dirty="0" smtClean="0">
+                        <a:solidFill>
+                          <a:schemeClr val="dk1"/>
+                        </a:solidFill>
+                        <a:latin typeface="+mn-lt"/>
+                        <a:ea typeface="+mn-ea"/>
+                        <a:cs typeface="+mn-cs"/>
+                      </a:endParaRPr>
+                    </a:p>
+                  </a:txBody>
+                  <a:tcPr/>
+                </a:tc>
+                <a:tc>
+                  <a:txBody>
+                    <a:bodyPr/>
+                    <a:lstStyle/>
+                    <a:p>
+                      <a:pPr>
+                        <a:buFont typeface="Arial" pitchFamily="34" charset="0"/>
+                        <a:buChar char="•"/>
+                      </a:pPr>
+                      <a:r>
+                        <a:rPr lang="en-US" dirty="0" smtClean="0"/>
+                        <a:t>Dio</a:t>
+                      </a:r>
+                      <a:endParaRPr lang="en-US" dirty="0"/>
+                    </a:p>
+                  </a:txBody>
+                  <a:tcPr/>
+                </a:tc>
+              </a:tr>
+            </a:tbl>
+          </a:graphicData>
+        </a:graphic>
+      </p:graphicFrame>
+    </p:spTree>
+  </p:cSld>
+  <p:clrMapOvr>
+    <a:masterClrMapping/>
+  </p:clrMapOvr>
+  <p:timing>
+    <p:tnLst>
+      <p:par>
+        <p:cTn id="1" dur="indefinite" restart="never" nodeType="tmRoot"/>
+      </p:par>
+    </p:tnLst>
+  </p:timing>
+</p:sld>
+</file>
+
+<file path=ppt/slides/slide24.xml><?xml version="1.0" encoding="utf-8"?>
 <p:sld xmlns:a="http://schemas.openxmlformats.org/drawingml/2006/main" xmlns:r="http://schemas.openxmlformats.org/officeDocument/2006/relationships" xmlns:p="http://schemas.openxmlformats.org/presentationml/2006/main">
   <p:cSld>
     <p:spTree>
@@ -9214,7 +10488,7 @@
         </p:nvGraphicFramePr>
         <p:xfrm>
           <a:off x="685801" y="1676401"/>
-          <a:ext cx="7238999" cy="4038597"/>
+          <a:ext cx="7238999" cy="3919325"/>
         </p:xfrm>
         <a:graphic>
           <a:graphicData uri="http://schemas.openxmlformats.org/drawingml/2006/table">
@@ -9440,7 +10714,7 @@
                   <a:tcPr/>
                 </a:tc>
               </a:tr>
-              <a:tr h="583103">
+              <a:tr h="463831">
                 <a:tc>
                   <a:txBody>
                     <a:bodyPr/>

--- a/trunk/docs/W-9 Working Document/W-9.3 Presentation Slides/Phase1/vms_first_presentation_v0.1a.pptx
+++ b/trunk/docs/W-9 Working Document/W-9.3 Presentation Slides/Phase1/vms_first_presentation_v0.1a.pptx
@@ -5,10 +5,10 @@
     <p:sldMasterId id="2147483652" r:id="rId1"/>
   </p:sldMasterIdLst>
   <p:notesMasterIdLst>
-    <p:notesMasterId r:id="rId26"/>
+    <p:notesMasterId r:id="rId28"/>
   </p:notesMasterIdLst>
   <p:handoutMasterIdLst>
-    <p:handoutMasterId r:id="rId27"/>
+    <p:handoutMasterId r:id="rId29"/>
   </p:handoutMasterIdLst>
   <p:sldIdLst>
     <p:sldId id="256" r:id="rId2"/>
@@ -29,12 +29,14 @@
     <p:sldId id="262" r:id="rId17"/>
     <p:sldId id="279" r:id="rId18"/>
     <p:sldId id="265" r:id="rId19"/>
-    <p:sldId id="280" r:id="rId20"/>
-    <p:sldId id="264" r:id="rId21"/>
-    <p:sldId id="281" r:id="rId22"/>
-    <p:sldId id="284" r:id="rId23"/>
-    <p:sldId id="283" r:id="rId24"/>
-    <p:sldId id="282" r:id="rId25"/>
+    <p:sldId id="286" r:id="rId20"/>
+    <p:sldId id="285" r:id="rId21"/>
+    <p:sldId id="280" r:id="rId22"/>
+    <p:sldId id="264" r:id="rId23"/>
+    <p:sldId id="281" r:id="rId24"/>
+    <p:sldId id="284" r:id="rId25"/>
+    <p:sldId id="283" r:id="rId26"/>
+    <p:sldId id="282" r:id="rId27"/>
   </p:sldIdLst>
   <p:sldSz cx="9144000" cy="6858000" type="screen4x3"/>
   <p:notesSz cx="7010400" cy="9296400"/>
@@ -3398,6 +3400,13 @@
         </dgm:presLayoutVars>
       </dgm:prSet>
       <dgm:spPr/>
+      <dgm:t>
+        <a:bodyPr/>
+        <a:lstStyle/>
+        <a:p>
+          <a:endParaRPr lang="en-US"/>
+        </a:p>
+      </dgm:t>
     </dgm:pt>
     <dgm:pt modelId="{2AC9D863-F73C-450B-9D85-60B005DA622F}" type="pres">
       <dgm:prSet presAssocID="{885613C5-7A76-4AA0-92F0-EEDD9B446661}" presName="parentLin" presStyleCnt="0"/>
@@ -3406,6 +3415,13 @@
     <dgm:pt modelId="{81666E97-5860-45F1-88A5-99FAA589A582}" type="pres">
       <dgm:prSet presAssocID="{885613C5-7A76-4AA0-92F0-EEDD9B446661}" presName="parentLeftMargin" presStyleLbl="node1" presStyleIdx="0" presStyleCnt="5"/>
       <dgm:spPr/>
+      <dgm:t>
+        <a:bodyPr/>
+        <a:lstStyle/>
+        <a:p>
+          <a:endParaRPr lang="en-US"/>
+        </a:p>
+      </dgm:t>
     </dgm:pt>
     <dgm:pt modelId="{E1A9A929-FEE8-4155-9F48-FAC5EE533310}" type="pres">
       <dgm:prSet presAssocID="{885613C5-7A76-4AA0-92F0-EEDD9B446661}" presName="parentText" presStyleLbl="node1" presStyleIdx="0" presStyleCnt="5">
@@ -3415,6 +3431,13 @@
         </dgm:presLayoutVars>
       </dgm:prSet>
       <dgm:spPr/>
+      <dgm:t>
+        <a:bodyPr/>
+        <a:lstStyle/>
+        <a:p>
+          <a:endParaRPr lang="en-US"/>
+        </a:p>
+      </dgm:t>
     </dgm:pt>
     <dgm:pt modelId="{D56B0920-15E2-4004-802C-40F44EE50B32}" type="pres">
       <dgm:prSet presAssocID="{885613C5-7A76-4AA0-92F0-EEDD9B446661}" presName="negativeSpace" presStyleCnt="0"/>
@@ -3439,6 +3462,13 @@
     <dgm:pt modelId="{21C03DFF-8234-4BBD-95B9-2622D999B6CC}" type="pres">
       <dgm:prSet presAssocID="{68CDD154-F438-49AE-AED8-77DB9EC9D634}" presName="parentLeftMargin" presStyleLbl="node1" presStyleIdx="0" presStyleCnt="5"/>
       <dgm:spPr/>
+      <dgm:t>
+        <a:bodyPr/>
+        <a:lstStyle/>
+        <a:p>
+          <a:endParaRPr lang="en-US"/>
+        </a:p>
+      </dgm:t>
     </dgm:pt>
     <dgm:pt modelId="{66C22AF7-7E37-41D2-944C-F904CFD2965B}" type="pres">
       <dgm:prSet presAssocID="{68CDD154-F438-49AE-AED8-77DB9EC9D634}" presName="parentText" presStyleLbl="node1" presStyleIdx="1" presStyleCnt="5">
@@ -3448,6 +3478,13 @@
         </dgm:presLayoutVars>
       </dgm:prSet>
       <dgm:spPr/>
+      <dgm:t>
+        <a:bodyPr/>
+        <a:lstStyle/>
+        <a:p>
+          <a:endParaRPr lang="en-US"/>
+        </a:p>
+      </dgm:t>
     </dgm:pt>
     <dgm:pt modelId="{C06D8DE2-402D-435C-802A-B654C27DCCEC}" type="pres">
       <dgm:prSet presAssocID="{68CDD154-F438-49AE-AED8-77DB9EC9D634}" presName="negativeSpace" presStyleCnt="0"/>
@@ -3472,6 +3509,13 @@
     <dgm:pt modelId="{0BB3654B-9C6D-4A61-87CC-E802B5686BC1}" type="pres">
       <dgm:prSet presAssocID="{89B52B6D-D82C-42B0-BE38-A3B3D68F9C27}" presName="parentLeftMargin" presStyleLbl="node1" presStyleIdx="1" presStyleCnt="5"/>
       <dgm:spPr/>
+      <dgm:t>
+        <a:bodyPr/>
+        <a:lstStyle/>
+        <a:p>
+          <a:endParaRPr lang="en-US"/>
+        </a:p>
+      </dgm:t>
     </dgm:pt>
     <dgm:pt modelId="{FB899ED4-0995-40A2-A345-468203D60C81}" type="pres">
       <dgm:prSet presAssocID="{89B52B6D-D82C-42B0-BE38-A3B3D68F9C27}" presName="parentText" presStyleLbl="node1" presStyleIdx="2" presStyleCnt="5">
@@ -3481,6 +3525,13 @@
         </dgm:presLayoutVars>
       </dgm:prSet>
       <dgm:spPr/>
+      <dgm:t>
+        <a:bodyPr/>
+        <a:lstStyle/>
+        <a:p>
+          <a:endParaRPr lang="en-US"/>
+        </a:p>
+      </dgm:t>
     </dgm:pt>
     <dgm:pt modelId="{868AE5E0-B723-46BA-9B8A-7BDE27FDAC96}" type="pres">
       <dgm:prSet presAssocID="{89B52B6D-D82C-42B0-BE38-A3B3D68F9C27}" presName="negativeSpace" presStyleCnt="0"/>
@@ -3505,6 +3556,13 @@
     <dgm:pt modelId="{C6C87D8D-4034-4397-984C-9BF8EEE0A79B}" type="pres">
       <dgm:prSet presAssocID="{4209E399-DA0C-42D5-962A-8276C02AA8EC}" presName="parentLeftMargin" presStyleLbl="node1" presStyleIdx="2" presStyleCnt="5"/>
       <dgm:spPr/>
+      <dgm:t>
+        <a:bodyPr/>
+        <a:lstStyle/>
+        <a:p>
+          <a:endParaRPr lang="en-US"/>
+        </a:p>
+      </dgm:t>
     </dgm:pt>
     <dgm:pt modelId="{44B548FB-45D5-465C-AA05-763364E65BC9}" type="pres">
       <dgm:prSet presAssocID="{4209E399-DA0C-42D5-962A-8276C02AA8EC}" presName="parentText" presStyleLbl="node1" presStyleIdx="3" presStyleCnt="5">
@@ -3514,6 +3572,13 @@
         </dgm:presLayoutVars>
       </dgm:prSet>
       <dgm:spPr/>
+      <dgm:t>
+        <a:bodyPr/>
+        <a:lstStyle/>
+        <a:p>
+          <a:endParaRPr lang="en-US"/>
+        </a:p>
+      </dgm:t>
     </dgm:pt>
     <dgm:pt modelId="{2B688452-9676-4572-8FCC-7EBB2177883D}" type="pres">
       <dgm:prSet presAssocID="{4209E399-DA0C-42D5-962A-8276C02AA8EC}" presName="negativeSpace" presStyleCnt="0"/>
@@ -3538,6 +3603,13 @@
     <dgm:pt modelId="{8ED20E6A-F08F-4955-95AA-301A4ACB2F6E}" type="pres">
       <dgm:prSet presAssocID="{BF9A83B9-8111-4B78-8600-312D1688C140}" presName="parentLeftMargin" presStyleLbl="node1" presStyleIdx="3" presStyleCnt="5"/>
       <dgm:spPr/>
+      <dgm:t>
+        <a:bodyPr/>
+        <a:lstStyle/>
+        <a:p>
+          <a:endParaRPr lang="en-US"/>
+        </a:p>
+      </dgm:t>
     </dgm:pt>
     <dgm:pt modelId="{25B48118-6B58-4064-9C50-F7B4852148FC}" type="pres">
       <dgm:prSet presAssocID="{BF9A83B9-8111-4B78-8600-312D1688C140}" presName="parentText" presStyleLbl="node1" presStyleIdx="4" presStyleCnt="5">
@@ -3547,6 +3619,13 @@
         </dgm:presLayoutVars>
       </dgm:prSet>
       <dgm:spPr/>
+      <dgm:t>
+        <a:bodyPr/>
+        <a:lstStyle/>
+        <a:p>
+          <a:endParaRPr lang="en-US"/>
+        </a:p>
+      </dgm:t>
     </dgm:pt>
     <dgm:pt modelId="{8C709240-4DF1-42AB-B93B-B126A518580F}" type="pres">
       <dgm:prSet presAssocID="{BF9A83B9-8111-4B78-8600-312D1688C140}" presName="negativeSpace" presStyleCnt="0"/>
@@ -3562,22 +3641,22 @@
     </dgm:pt>
   </dgm:ptLst>
   <dgm:cxnLst>
-    <dgm:cxn modelId="{41B59570-FE80-4E7F-9E79-0C4F1EE64B49}" srcId="{EF1F78ED-E9D5-44E4-97D4-B3FEFD902986}" destId="{885613C5-7A76-4AA0-92F0-EEDD9B446661}" srcOrd="0" destOrd="0" parTransId="{A964CD41-1FAB-4DC7-BFB1-8EFFD3ADEC73}" sibTransId="{6C21FB75-BC17-41CC-880D-0FB92EFFD8D8}"/>
+    <dgm:cxn modelId="{A3C9F58B-A2EE-444B-90C0-FC02C3F66175}" type="presOf" srcId="{885613C5-7A76-4AA0-92F0-EEDD9B446661}" destId="{81666E97-5860-45F1-88A5-99FAA589A582}" srcOrd="0" destOrd="0" presId="urn:microsoft.com/office/officeart/2005/8/layout/list1"/>
+    <dgm:cxn modelId="{26E52850-E159-4B84-9BAE-D590FD1CD455}" type="presOf" srcId="{4209E399-DA0C-42D5-962A-8276C02AA8EC}" destId="{44B548FB-45D5-465C-AA05-763364E65BC9}" srcOrd="1" destOrd="0" presId="urn:microsoft.com/office/officeart/2005/8/layout/list1"/>
     <dgm:cxn modelId="{FFD1B7FF-14F9-4CBB-8E58-FD9C5F7FEADE}" type="presOf" srcId="{68CDD154-F438-49AE-AED8-77DB9EC9D634}" destId="{66C22AF7-7E37-41D2-944C-F904CFD2965B}" srcOrd="1" destOrd="0" presId="urn:microsoft.com/office/officeart/2005/8/layout/list1"/>
-    <dgm:cxn modelId="{D6122ACD-1685-43B1-9C5B-E1326B60B129}" type="presOf" srcId="{EF1F78ED-E9D5-44E4-97D4-B3FEFD902986}" destId="{DD69F0F8-C7C4-4EF4-8C1C-51E0155113CE}" srcOrd="0" destOrd="0" presId="urn:microsoft.com/office/officeart/2005/8/layout/list1"/>
-    <dgm:cxn modelId="{EAD8F820-CBC1-48D7-A8A9-64A6FBEB2CD0}" type="presOf" srcId="{68CDD154-F438-49AE-AED8-77DB9EC9D634}" destId="{21C03DFF-8234-4BBD-95B9-2622D999B6CC}" srcOrd="0" destOrd="0" presId="urn:microsoft.com/office/officeart/2005/8/layout/list1"/>
     <dgm:cxn modelId="{60E6AA33-A858-4310-A69D-E844E3184D77}" type="presOf" srcId="{4209E399-DA0C-42D5-962A-8276C02AA8EC}" destId="{C6C87D8D-4034-4397-984C-9BF8EEE0A79B}" srcOrd="0" destOrd="0" presId="urn:microsoft.com/office/officeart/2005/8/layout/list1"/>
-    <dgm:cxn modelId="{9797B96C-17EB-46FB-9167-2BD4C6C8E8B2}" type="presOf" srcId="{BF9A83B9-8111-4B78-8600-312D1688C140}" destId="{8ED20E6A-F08F-4955-95AA-301A4ACB2F6E}" srcOrd="0" destOrd="0" presId="urn:microsoft.com/office/officeart/2005/8/layout/list1"/>
-    <dgm:cxn modelId="{C9E4C59F-1A71-4E66-84D4-AE84CE96437F}" type="presOf" srcId="{885613C5-7A76-4AA0-92F0-EEDD9B446661}" destId="{E1A9A929-FEE8-4155-9F48-FAC5EE533310}" srcOrd="1" destOrd="0" presId="urn:microsoft.com/office/officeart/2005/8/layout/list1"/>
-    <dgm:cxn modelId="{A3C9F58B-A2EE-444B-90C0-FC02C3F66175}" type="presOf" srcId="{885613C5-7A76-4AA0-92F0-EEDD9B446661}" destId="{81666E97-5860-45F1-88A5-99FAA589A582}" srcOrd="0" destOrd="0" presId="urn:microsoft.com/office/officeart/2005/8/layout/list1"/>
     <dgm:cxn modelId="{FDB03FEE-AFCB-4EB7-9D72-88B81A1DCBC1}" srcId="{EF1F78ED-E9D5-44E4-97D4-B3FEFD902986}" destId="{4209E399-DA0C-42D5-962A-8276C02AA8EC}" srcOrd="3" destOrd="0" parTransId="{7ED4465C-CF67-468F-ABD7-F54F46BB659F}" sibTransId="{F7F538C6-58F2-4EB2-9D5A-112410F40135}"/>
-    <dgm:cxn modelId="{48EEECB1-3112-4C42-87DF-4BFE0EF38A24}" type="presOf" srcId="{BF9A83B9-8111-4B78-8600-312D1688C140}" destId="{25B48118-6B58-4064-9C50-F7B4852148FC}" srcOrd="1" destOrd="0" presId="urn:microsoft.com/office/officeart/2005/8/layout/list1"/>
+    <dgm:cxn modelId="{C99778AD-4EA2-413E-988E-63DB77468AE8}" srcId="{EF1F78ED-E9D5-44E4-97D4-B3FEFD902986}" destId="{68CDD154-F438-49AE-AED8-77DB9EC9D634}" srcOrd="1" destOrd="0" parTransId="{80147D89-2F73-4A3C-8D2E-F94C278F0084}" sibTransId="{8E8D4616-98CD-450E-B33D-2C9FC2B13B55}"/>
     <dgm:cxn modelId="{F60FB540-C952-4949-8589-E734F5994257}" type="presOf" srcId="{89B52B6D-D82C-42B0-BE38-A3B3D68F9C27}" destId="{0BB3654B-9C6D-4A61-87CC-E802B5686BC1}" srcOrd="0" destOrd="0" presId="urn:microsoft.com/office/officeart/2005/8/layout/list1"/>
     <dgm:cxn modelId="{04B3E604-C413-457E-B68C-5144C6DC9915}" srcId="{EF1F78ED-E9D5-44E4-97D4-B3FEFD902986}" destId="{89B52B6D-D82C-42B0-BE38-A3B3D68F9C27}" srcOrd="2" destOrd="0" parTransId="{A5642D67-0660-487A-A1E2-D092914AC2EB}" sibTransId="{86F3C531-528D-49DB-9EB7-8C6D718BDBE9}"/>
-    <dgm:cxn modelId="{C99778AD-4EA2-413E-988E-63DB77468AE8}" srcId="{EF1F78ED-E9D5-44E4-97D4-B3FEFD902986}" destId="{68CDD154-F438-49AE-AED8-77DB9EC9D634}" srcOrd="1" destOrd="0" parTransId="{80147D89-2F73-4A3C-8D2E-F94C278F0084}" sibTransId="{8E8D4616-98CD-450E-B33D-2C9FC2B13B55}"/>
+    <dgm:cxn modelId="{EAD8F820-CBC1-48D7-A8A9-64A6FBEB2CD0}" type="presOf" srcId="{68CDD154-F438-49AE-AED8-77DB9EC9D634}" destId="{21C03DFF-8234-4BBD-95B9-2622D999B6CC}" srcOrd="0" destOrd="0" presId="urn:microsoft.com/office/officeart/2005/8/layout/list1"/>
+    <dgm:cxn modelId="{48EEECB1-3112-4C42-87DF-4BFE0EF38A24}" type="presOf" srcId="{BF9A83B9-8111-4B78-8600-312D1688C140}" destId="{25B48118-6B58-4064-9C50-F7B4852148FC}" srcOrd="1" destOrd="0" presId="urn:microsoft.com/office/officeart/2005/8/layout/list1"/>
+    <dgm:cxn modelId="{C9E4C59F-1A71-4E66-84D4-AE84CE96437F}" type="presOf" srcId="{885613C5-7A76-4AA0-92F0-EEDD9B446661}" destId="{E1A9A929-FEE8-4155-9F48-FAC5EE533310}" srcOrd="1" destOrd="0" presId="urn:microsoft.com/office/officeart/2005/8/layout/list1"/>
+    <dgm:cxn modelId="{8F58D411-B0D3-49B8-8DB2-4EA8C96091D5}" type="presOf" srcId="{89B52B6D-D82C-42B0-BE38-A3B3D68F9C27}" destId="{FB899ED4-0995-40A2-A345-468203D60C81}" srcOrd="1" destOrd="0" presId="urn:microsoft.com/office/officeart/2005/8/layout/list1"/>
+    <dgm:cxn modelId="{D6122ACD-1685-43B1-9C5B-E1326B60B129}" type="presOf" srcId="{EF1F78ED-E9D5-44E4-97D4-B3FEFD902986}" destId="{DD69F0F8-C7C4-4EF4-8C1C-51E0155113CE}" srcOrd="0" destOrd="0" presId="urn:microsoft.com/office/officeart/2005/8/layout/list1"/>
     <dgm:cxn modelId="{CB57BA4F-ABA8-48A9-9D26-B1279D4664BC}" srcId="{EF1F78ED-E9D5-44E4-97D4-B3FEFD902986}" destId="{BF9A83B9-8111-4B78-8600-312D1688C140}" srcOrd="4" destOrd="0" parTransId="{8FA8D553-4648-4D63-9876-6E7449F8F18A}" sibTransId="{9D0571FA-F277-43A1-BCD9-ED2072122346}"/>
-    <dgm:cxn modelId="{8F58D411-B0D3-49B8-8DB2-4EA8C96091D5}" type="presOf" srcId="{89B52B6D-D82C-42B0-BE38-A3B3D68F9C27}" destId="{FB899ED4-0995-40A2-A345-468203D60C81}" srcOrd="1" destOrd="0" presId="urn:microsoft.com/office/officeart/2005/8/layout/list1"/>
-    <dgm:cxn modelId="{26E52850-E159-4B84-9BAE-D590FD1CD455}" type="presOf" srcId="{4209E399-DA0C-42D5-962A-8276C02AA8EC}" destId="{44B548FB-45D5-465C-AA05-763364E65BC9}" srcOrd="1" destOrd="0" presId="urn:microsoft.com/office/officeart/2005/8/layout/list1"/>
+    <dgm:cxn modelId="{41B59570-FE80-4E7F-9E79-0C4F1EE64B49}" srcId="{EF1F78ED-E9D5-44E4-97D4-B3FEFD902986}" destId="{885613C5-7A76-4AA0-92F0-EEDD9B446661}" srcOrd="0" destOrd="0" parTransId="{A964CD41-1FAB-4DC7-BFB1-8EFFD3ADEC73}" sibTransId="{6C21FB75-BC17-41CC-880D-0FB92EFFD8D8}"/>
+    <dgm:cxn modelId="{9797B96C-17EB-46FB-9167-2BD4C6C8E8B2}" type="presOf" srcId="{BF9A83B9-8111-4B78-8600-312D1688C140}" destId="{8ED20E6A-F08F-4955-95AA-301A4ACB2F6E}" srcOrd="0" destOrd="0" presId="urn:microsoft.com/office/officeart/2005/8/layout/list1"/>
     <dgm:cxn modelId="{FE8DE26B-BE19-4828-A822-C5FFD39F086C}" type="presParOf" srcId="{DD69F0F8-C7C4-4EF4-8C1C-51E0155113CE}" destId="{2AC9D863-F73C-450B-9D85-60B005DA622F}" srcOrd="0" destOrd="0" presId="urn:microsoft.com/office/officeart/2005/8/layout/list1"/>
     <dgm:cxn modelId="{D99899A1-5174-4AE1-B68C-888903C0F203}" type="presParOf" srcId="{2AC9D863-F73C-450B-9D85-60B005DA622F}" destId="{81666E97-5860-45F1-88A5-99FAA589A582}" srcOrd="0" destOrd="0" presId="urn:microsoft.com/office/officeart/2005/8/layout/list1"/>
     <dgm:cxn modelId="{8E54FAD1-7DFD-4CAB-B580-2BCDC72E2854}" type="presParOf" srcId="{2AC9D863-F73C-450B-9D85-60B005DA622F}" destId="{E1A9A929-FEE8-4155-9F48-FAC5EE533310}" srcOrd="1" destOrd="0" presId="urn:microsoft.com/office/officeart/2005/8/layout/list1"/>
@@ -3759,14 +3838,35 @@
         </dgm:presLayoutVars>
       </dgm:prSet>
       <dgm:spPr/>
+      <dgm:t>
+        <a:bodyPr/>
+        <a:lstStyle/>
+        <a:p>
+          <a:endParaRPr lang="en-US"/>
+        </a:p>
+      </dgm:t>
     </dgm:pt>
     <dgm:pt modelId="{C5BE00BD-745C-43E7-912B-9157D7920E0A}" type="pres">
       <dgm:prSet presAssocID="{50A8F3E4-F51A-4E67-BB1C-EFC8155DD776}" presName="sibTrans" presStyleLbl="sibTrans2D1" presStyleIdx="0" presStyleCnt="2"/>
       <dgm:spPr/>
+      <dgm:t>
+        <a:bodyPr/>
+        <a:lstStyle/>
+        <a:p>
+          <a:endParaRPr lang="en-US"/>
+        </a:p>
+      </dgm:t>
     </dgm:pt>
     <dgm:pt modelId="{5EF98626-1B98-4F0E-B74A-248A9D343D4B}" type="pres">
       <dgm:prSet presAssocID="{50A8F3E4-F51A-4E67-BB1C-EFC8155DD776}" presName="connectorText" presStyleLbl="sibTrans2D1" presStyleIdx="0" presStyleCnt="2"/>
       <dgm:spPr/>
+      <dgm:t>
+        <a:bodyPr/>
+        <a:lstStyle/>
+        <a:p>
+          <a:endParaRPr lang="en-US"/>
+        </a:p>
+      </dgm:t>
     </dgm:pt>
     <dgm:pt modelId="{BFBD83CE-AD3D-4B36-AFD4-F505FE96449E}" type="pres">
       <dgm:prSet presAssocID="{0E522B13-F764-4BC6-83A0-CA4F5944C6E0}" presName="node" presStyleLbl="node1" presStyleIdx="1" presStyleCnt="3">
@@ -3786,10 +3886,24 @@
     <dgm:pt modelId="{30F2A522-5361-42FD-BDF3-9AAF9B6E48CD}" type="pres">
       <dgm:prSet presAssocID="{B7FC2DBC-2209-4B52-A6BB-A5B96B108E97}" presName="sibTrans" presStyleLbl="sibTrans2D1" presStyleIdx="1" presStyleCnt="2"/>
       <dgm:spPr/>
+      <dgm:t>
+        <a:bodyPr/>
+        <a:lstStyle/>
+        <a:p>
+          <a:endParaRPr lang="en-US"/>
+        </a:p>
+      </dgm:t>
     </dgm:pt>
     <dgm:pt modelId="{D7B61D4E-81AD-4336-8A85-CB458552E574}" type="pres">
       <dgm:prSet presAssocID="{B7FC2DBC-2209-4B52-A6BB-A5B96B108E97}" presName="connectorText" presStyleLbl="sibTrans2D1" presStyleIdx="1" presStyleCnt="2"/>
       <dgm:spPr/>
+      <dgm:t>
+        <a:bodyPr/>
+        <a:lstStyle/>
+        <a:p>
+          <a:endParaRPr lang="en-US"/>
+        </a:p>
+      </dgm:t>
     </dgm:pt>
     <dgm:pt modelId="{4DA5EE49-8168-4D22-9537-7BE4A3708548}" type="pres">
       <dgm:prSet presAssocID="{8CAA25DF-3B38-443D-A48F-CCAB7142450C}" presName="node" presStyleLbl="node1" presStyleIdx="2" presStyleCnt="3">
@@ -3798,18 +3912,25 @@
         </dgm:presLayoutVars>
       </dgm:prSet>
       <dgm:spPr/>
+      <dgm:t>
+        <a:bodyPr/>
+        <a:lstStyle/>
+        <a:p>
+          <a:endParaRPr lang="en-US"/>
+        </a:p>
+      </dgm:t>
     </dgm:pt>
   </dgm:ptLst>
   <dgm:cxnLst>
     <dgm:cxn modelId="{F18AB1FE-0025-496D-BE04-40DF17B8D59D}" type="presOf" srcId="{DC9B3652-DE2A-4335-B0FB-3045EDEEA6A8}" destId="{40A287E9-C42B-4334-9643-572CE6DD897B}" srcOrd="0" destOrd="0" presId="urn:microsoft.com/office/officeart/2005/8/layout/process2"/>
     <dgm:cxn modelId="{5BC899BC-FAF8-41E4-9EA1-66AA57398186}" type="presOf" srcId="{50A8F3E4-F51A-4E67-BB1C-EFC8155DD776}" destId="{C5BE00BD-745C-43E7-912B-9157D7920E0A}" srcOrd="0" destOrd="0" presId="urn:microsoft.com/office/officeart/2005/8/layout/process2"/>
+    <dgm:cxn modelId="{BAA27956-6A5E-4829-BFFD-6D60B13C8EAC}" type="presOf" srcId="{0E522B13-F764-4BC6-83A0-CA4F5944C6E0}" destId="{BFBD83CE-AD3D-4B36-AFD4-F505FE96449E}" srcOrd="0" destOrd="0" presId="urn:microsoft.com/office/officeart/2005/8/layout/process2"/>
     <dgm:cxn modelId="{0F92CF51-8E61-460B-8E99-6FCFD7D21AC4}" type="presOf" srcId="{3ED2506A-D607-4A12-8A50-AC72420F3F00}" destId="{715D256F-02F7-4191-B84E-3A4C6CD8FFC5}" srcOrd="0" destOrd="0" presId="urn:microsoft.com/office/officeart/2005/8/layout/process2"/>
-    <dgm:cxn modelId="{BAA27956-6A5E-4829-BFFD-6D60B13C8EAC}" type="presOf" srcId="{0E522B13-F764-4BC6-83A0-CA4F5944C6E0}" destId="{BFBD83CE-AD3D-4B36-AFD4-F505FE96449E}" srcOrd="0" destOrd="0" presId="urn:microsoft.com/office/officeart/2005/8/layout/process2"/>
     <dgm:cxn modelId="{E8BC3270-1B78-42AA-98F0-9309B2A170EE}" type="presOf" srcId="{8CAA25DF-3B38-443D-A48F-CCAB7142450C}" destId="{4DA5EE49-8168-4D22-9537-7BE4A3708548}" srcOrd="0" destOrd="0" presId="urn:microsoft.com/office/officeart/2005/8/layout/process2"/>
     <dgm:cxn modelId="{B120A2B9-9B85-406D-954D-6713BD88FF5C}" srcId="{DC9B3652-DE2A-4335-B0FB-3045EDEEA6A8}" destId="{3ED2506A-D607-4A12-8A50-AC72420F3F00}" srcOrd="0" destOrd="0" parTransId="{E8D3A7A7-32F7-4A63-91CB-C04C53F7C046}" sibTransId="{50A8F3E4-F51A-4E67-BB1C-EFC8155DD776}"/>
     <dgm:cxn modelId="{442EB815-09F3-4564-824E-AF9A49E81176}" srcId="{DC9B3652-DE2A-4335-B0FB-3045EDEEA6A8}" destId="{0E522B13-F764-4BC6-83A0-CA4F5944C6E0}" srcOrd="1" destOrd="0" parTransId="{D0C64C9C-06C7-4696-B64E-72EB6765D37D}" sibTransId="{B7FC2DBC-2209-4B52-A6BB-A5B96B108E97}"/>
+    <dgm:cxn modelId="{B5133DE3-4354-4D03-B7CF-D23477E96DD9}" srcId="{DC9B3652-DE2A-4335-B0FB-3045EDEEA6A8}" destId="{8CAA25DF-3B38-443D-A48F-CCAB7142450C}" srcOrd="2" destOrd="0" parTransId="{4BD1F383-75F3-4570-947F-2F89081482BF}" sibTransId="{186EB40E-0379-4173-8900-E632C05B1B0B}"/>
     <dgm:cxn modelId="{1E76EC3B-6F04-4B8F-9B08-F745AF155804}" type="presOf" srcId="{B7FC2DBC-2209-4B52-A6BB-A5B96B108E97}" destId="{30F2A522-5361-42FD-BDF3-9AAF9B6E48CD}" srcOrd="0" destOrd="0" presId="urn:microsoft.com/office/officeart/2005/8/layout/process2"/>
-    <dgm:cxn modelId="{B5133DE3-4354-4D03-B7CF-D23477E96DD9}" srcId="{DC9B3652-DE2A-4335-B0FB-3045EDEEA6A8}" destId="{8CAA25DF-3B38-443D-A48F-CCAB7142450C}" srcOrd="2" destOrd="0" parTransId="{4BD1F383-75F3-4570-947F-2F89081482BF}" sibTransId="{186EB40E-0379-4173-8900-E632C05B1B0B}"/>
     <dgm:cxn modelId="{8181B420-CCBA-47B0-99DB-8B0F75FCFC67}" type="presOf" srcId="{50A8F3E4-F51A-4E67-BB1C-EFC8155DD776}" destId="{5EF98626-1B98-4F0E-B74A-248A9D343D4B}" srcOrd="1" destOrd="0" presId="urn:microsoft.com/office/officeart/2005/8/layout/process2"/>
     <dgm:cxn modelId="{801EFD6F-FC26-4BA6-AA03-29FB41AE3CC1}" type="presOf" srcId="{B7FC2DBC-2209-4B52-A6BB-A5B96B108E97}" destId="{D7B61D4E-81AD-4336-8A85-CB458552E574}" srcOrd="1" destOrd="0" presId="urn:microsoft.com/office/officeart/2005/8/layout/process2"/>
     <dgm:cxn modelId="{08C7413F-9BBB-42CA-B81C-A9C03F1F5B27}" type="presParOf" srcId="{40A287E9-C42B-4334-9643-572CE6DD897B}" destId="{715D256F-02F7-4191-B84E-3A4C6CD8FFC5}" srcOrd="0" destOrd="0" presId="urn:microsoft.com/office/officeart/2005/8/layout/process2"/>
@@ -3980,10 +4101,24 @@
     <dgm:pt modelId="{C5BE00BD-745C-43E7-912B-9157D7920E0A}" type="pres">
       <dgm:prSet presAssocID="{50A8F3E4-F51A-4E67-BB1C-EFC8155DD776}" presName="sibTrans" presStyleLbl="sibTrans2D1" presStyleIdx="0" presStyleCnt="2"/>
       <dgm:spPr/>
+      <dgm:t>
+        <a:bodyPr/>
+        <a:lstStyle/>
+        <a:p>
+          <a:endParaRPr lang="en-US"/>
+        </a:p>
+      </dgm:t>
     </dgm:pt>
     <dgm:pt modelId="{5EF98626-1B98-4F0E-B74A-248A9D343D4B}" type="pres">
       <dgm:prSet presAssocID="{50A8F3E4-F51A-4E67-BB1C-EFC8155DD776}" presName="connectorText" presStyleLbl="sibTrans2D1" presStyleIdx="0" presStyleCnt="2"/>
       <dgm:spPr/>
+      <dgm:t>
+        <a:bodyPr/>
+        <a:lstStyle/>
+        <a:p>
+          <a:endParaRPr lang="en-US"/>
+        </a:p>
+      </dgm:t>
     </dgm:pt>
     <dgm:pt modelId="{BFBD83CE-AD3D-4B36-AFD4-F505FE96449E}" type="pres">
       <dgm:prSet presAssocID="{0E522B13-F764-4BC6-83A0-CA4F5944C6E0}" presName="node" presStyleLbl="node1" presStyleIdx="1" presStyleCnt="3">
@@ -4003,10 +4138,24 @@
     <dgm:pt modelId="{30F2A522-5361-42FD-BDF3-9AAF9B6E48CD}" type="pres">
       <dgm:prSet presAssocID="{B7FC2DBC-2209-4B52-A6BB-A5B96B108E97}" presName="sibTrans" presStyleLbl="sibTrans2D1" presStyleIdx="1" presStyleCnt="2"/>
       <dgm:spPr/>
+      <dgm:t>
+        <a:bodyPr/>
+        <a:lstStyle/>
+        <a:p>
+          <a:endParaRPr lang="en-US"/>
+        </a:p>
+      </dgm:t>
     </dgm:pt>
     <dgm:pt modelId="{D7B61D4E-81AD-4336-8A85-CB458552E574}" type="pres">
       <dgm:prSet presAssocID="{B7FC2DBC-2209-4B52-A6BB-A5B96B108E97}" presName="connectorText" presStyleLbl="sibTrans2D1" presStyleIdx="1" presStyleCnt="2"/>
       <dgm:spPr/>
+      <dgm:t>
+        <a:bodyPr/>
+        <a:lstStyle/>
+        <a:p>
+          <a:endParaRPr lang="en-US"/>
+        </a:p>
+      </dgm:t>
     </dgm:pt>
     <dgm:pt modelId="{4DA5EE49-8168-4D22-9537-7BE4A3708548}" type="pres">
       <dgm:prSet presAssocID="{8CAA25DF-3B38-443D-A48F-CCAB7142450C}" presName="node" presStyleLbl="node1" presStyleIdx="2" presStyleCnt="3">
@@ -4025,17 +4174,17 @@
     </dgm:pt>
   </dgm:ptLst>
   <dgm:cxnLst>
+    <dgm:cxn modelId="{FCD099FA-4F06-4275-9DF4-7552D29FA9CB}" type="presOf" srcId="{3ED2506A-D607-4A12-8A50-AC72420F3F00}" destId="{715D256F-02F7-4191-B84E-3A4C6CD8FFC5}" srcOrd="0" destOrd="0" presId="urn:microsoft.com/office/officeart/2005/8/layout/process2"/>
+    <dgm:cxn modelId="{1417121F-BF3C-49F7-91CD-28895F1A9C54}" type="presOf" srcId="{50A8F3E4-F51A-4E67-BB1C-EFC8155DD776}" destId="{5EF98626-1B98-4F0E-B74A-248A9D343D4B}" srcOrd="1" destOrd="0" presId="urn:microsoft.com/office/officeart/2005/8/layout/process2"/>
+    <dgm:cxn modelId="{6811263B-3ADE-4806-BEED-B5669D3BD03F}" type="presOf" srcId="{50A8F3E4-F51A-4E67-BB1C-EFC8155DD776}" destId="{C5BE00BD-745C-43E7-912B-9157D7920E0A}" srcOrd="0" destOrd="0" presId="urn:microsoft.com/office/officeart/2005/8/layout/process2"/>
+    <dgm:cxn modelId="{3A49BE87-DDE8-4117-90E1-4D1F43716916}" type="presOf" srcId="{B7FC2DBC-2209-4B52-A6BB-A5B96B108E97}" destId="{30F2A522-5361-42FD-BDF3-9AAF9B6E48CD}" srcOrd="0" destOrd="0" presId="urn:microsoft.com/office/officeart/2005/8/layout/process2"/>
+    <dgm:cxn modelId="{3674EAE9-5C2E-4F0D-9BE7-5234E85DC312}" type="presOf" srcId="{8CAA25DF-3B38-443D-A48F-CCAB7142450C}" destId="{4DA5EE49-8168-4D22-9537-7BE4A3708548}" srcOrd="0" destOrd="0" presId="urn:microsoft.com/office/officeart/2005/8/layout/process2"/>
     <dgm:cxn modelId="{B120A2B9-9B85-406D-954D-6713BD88FF5C}" srcId="{DC9B3652-DE2A-4335-B0FB-3045EDEEA6A8}" destId="{3ED2506A-D607-4A12-8A50-AC72420F3F00}" srcOrd="0" destOrd="0" parTransId="{E8D3A7A7-32F7-4A63-91CB-C04C53F7C046}" sibTransId="{50A8F3E4-F51A-4E67-BB1C-EFC8155DD776}"/>
-    <dgm:cxn modelId="{FCD099FA-4F06-4275-9DF4-7552D29FA9CB}" type="presOf" srcId="{3ED2506A-D607-4A12-8A50-AC72420F3F00}" destId="{715D256F-02F7-4191-B84E-3A4C6CD8FFC5}" srcOrd="0" destOrd="0" presId="urn:microsoft.com/office/officeart/2005/8/layout/process2"/>
+    <dgm:cxn modelId="{1F632DDF-2108-42D1-8F30-E4933BE2547B}" type="presOf" srcId="{DC9B3652-DE2A-4335-B0FB-3045EDEEA6A8}" destId="{40A287E9-C42B-4334-9643-572CE6DD897B}" srcOrd="0" destOrd="0" presId="urn:microsoft.com/office/officeart/2005/8/layout/process2"/>
+    <dgm:cxn modelId="{442EB815-09F3-4564-824E-AF9A49E81176}" srcId="{DC9B3652-DE2A-4335-B0FB-3045EDEEA6A8}" destId="{0E522B13-F764-4BC6-83A0-CA4F5944C6E0}" srcOrd="1" destOrd="0" parTransId="{D0C64C9C-06C7-4696-B64E-72EB6765D37D}" sibTransId="{B7FC2DBC-2209-4B52-A6BB-A5B96B108E97}"/>
     <dgm:cxn modelId="{B5133DE3-4354-4D03-B7CF-D23477E96DD9}" srcId="{DC9B3652-DE2A-4335-B0FB-3045EDEEA6A8}" destId="{8CAA25DF-3B38-443D-A48F-CCAB7142450C}" srcOrd="2" destOrd="0" parTransId="{4BD1F383-75F3-4570-947F-2F89081482BF}" sibTransId="{186EB40E-0379-4173-8900-E632C05B1B0B}"/>
-    <dgm:cxn modelId="{442EB815-09F3-4564-824E-AF9A49E81176}" srcId="{DC9B3652-DE2A-4335-B0FB-3045EDEEA6A8}" destId="{0E522B13-F764-4BC6-83A0-CA4F5944C6E0}" srcOrd="1" destOrd="0" parTransId="{D0C64C9C-06C7-4696-B64E-72EB6765D37D}" sibTransId="{B7FC2DBC-2209-4B52-A6BB-A5B96B108E97}"/>
-    <dgm:cxn modelId="{1417121F-BF3C-49F7-91CD-28895F1A9C54}" type="presOf" srcId="{50A8F3E4-F51A-4E67-BB1C-EFC8155DD776}" destId="{5EF98626-1B98-4F0E-B74A-248A9D343D4B}" srcOrd="1" destOrd="0" presId="urn:microsoft.com/office/officeart/2005/8/layout/process2"/>
     <dgm:cxn modelId="{AEECC6F0-8467-4F89-8B15-DD935CF58F61}" type="presOf" srcId="{B7FC2DBC-2209-4B52-A6BB-A5B96B108E97}" destId="{D7B61D4E-81AD-4336-8A85-CB458552E574}" srcOrd="1" destOrd="0" presId="urn:microsoft.com/office/officeart/2005/8/layout/process2"/>
     <dgm:cxn modelId="{C028BE47-A9CE-4C17-A602-3B095B3FB67D}" type="presOf" srcId="{0E522B13-F764-4BC6-83A0-CA4F5944C6E0}" destId="{BFBD83CE-AD3D-4B36-AFD4-F505FE96449E}" srcOrd="0" destOrd="0" presId="urn:microsoft.com/office/officeart/2005/8/layout/process2"/>
-    <dgm:cxn modelId="{1F632DDF-2108-42D1-8F30-E4933BE2547B}" type="presOf" srcId="{DC9B3652-DE2A-4335-B0FB-3045EDEEA6A8}" destId="{40A287E9-C42B-4334-9643-572CE6DD897B}" srcOrd="0" destOrd="0" presId="urn:microsoft.com/office/officeart/2005/8/layout/process2"/>
-    <dgm:cxn modelId="{3A49BE87-DDE8-4117-90E1-4D1F43716916}" type="presOf" srcId="{B7FC2DBC-2209-4B52-A6BB-A5B96B108E97}" destId="{30F2A522-5361-42FD-BDF3-9AAF9B6E48CD}" srcOrd="0" destOrd="0" presId="urn:microsoft.com/office/officeart/2005/8/layout/process2"/>
-    <dgm:cxn modelId="{6811263B-3ADE-4806-BEED-B5669D3BD03F}" type="presOf" srcId="{50A8F3E4-F51A-4E67-BB1C-EFC8155DD776}" destId="{C5BE00BD-745C-43E7-912B-9157D7920E0A}" srcOrd="0" destOrd="0" presId="urn:microsoft.com/office/officeart/2005/8/layout/process2"/>
-    <dgm:cxn modelId="{3674EAE9-5C2E-4F0D-9BE7-5234E85DC312}" type="presOf" srcId="{8CAA25DF-3B38-443D-A48F-CCAB7142450C}" destId="{4DA5EE49-8168-4D22-9537-7BE4A3708548}" srcOrd="0" destOrd="0" presId="urn:microsoft.com/office/officeart/2005/8/layout/process2"/>
     <dgm:cxn modelId="{122CEEBD-C34A-4231-B9CB-A3E1F536048E}" type="presParOf" srcId="{40A287E9-C42B-4334-9643-572CE6DD897B}" destId="{715D256F-02F7-4191-B84E-3A4C6CD8FFC5}" srcOrd="0" destOrd="0" presId="urn:microsoft.com/office/officeart/2005/8/layout/process2"/>
     <dgm:cxn modelId="{F5362749-61C6-45FF-A9EB-47247277E8DC}" type="presParOf" srcId="{40A287E9-C42B-4334-9643-572CE6DD897B}" destId="{C5BE00BD-745C-43E7-912B-9157D7920E0A}" srcOrd="1" destOrd="0" presId="urn:microsoft.com/office/officeart/2005/8/layout/process2"/>
     <dgm:cxn modelId="{3890D6AB-0335-43DB-970C-C41282978FDA}" type="presParOf" srcId="{C5BE00BD-745C-43E7-912B-9157D7920E0A}" destId="{5EF98626-1B98-4F0E-B74A-248A9D343D4B}" srcOrd="0" destOrd="0" presId="urn:microsoft.com/office/officeart/2005/8/layout/process2"/>
@@ -4125,9 +4274,9 @@
     </dgm:pt>
   </dgm:ptLst>
   <dgm:cxnLst>
+    <dgm:cxn modelId="{9F31A86D-5448-46CD-B44D-6E6134C71B77}" type="presOf" srcId="{3ED2506A-D607-4A12-8A50-AC72420F3F00}" destId="{715D256F-02F7-4191-B84E-3A4C6CD8FFC5}" srcOrd="0" destOrd="0" presId="urn:microsoft.com/office/officeart/2005/8/layout/process2"/>
+    <dgm:cxn modelId="{B120A2B9-9B85-406D-954D-6713BD88FF5C}" srcId="{DC9B3652-DE2A-4335-B0FB-3045EDEEA6A8}" destId="{3ED2506A-D607-4A12-8A50-AC72420F3F00}" srcOrd="0" destOrd="0" parTransId="{E8D3A7A7-32F7-4A63-91CB-C04C53F7C046}" sibTransId="{50A8F3E4-F51A-4E67-BB1C-EFC8155DD776}"/>
     <dgm:cxn modelId="{F663E511-5DFC-4BD8-970E-E70320934F90}" type="presOf" srcId="{DC9B3652-DE2A-4335-B0FB-3045EDEEA6A8}" destId="{40A287E9-C42B-4334-9643-572CE6DD897B}" srcOrd="0" destOrd="0" presId="urn:microsoft.com/office/officeart/2005/8/layout/process2"/>
-    <dgm:cxn modelId="{B120A2B9-9B85-406D-954D-6713BD88FF5C}" srcId="{DC9B3652-DE2A-4335-B0FB-3045EDEEA6A8}" destId="{3ED2506A-D607-4A12-8A50-AC72420F3F00}" srcOrd="0" destOrd="0" parTransId="{E8D3A7A7-32F7-4A63-91CB-C04C53F7C046}" sibTransId="{50A8F3E4-F51A-4E67-BB1C-EFC8155DD776}"/>
-    <dgm:cxn modelId="{9F31A86D-5448-46CD-B44D-6E6134C71B77}" type="presOf" srcId="{3ED2506A-D607-4A12-8A50-AC72420F3F00}" destId="{715D256F-02F7-4191-B84E-3A4C6CD8FFC5}" srcOrd="0" destOrd="0" presId="urn:microsoft.com/office/officeart/2005/8/layout/process2"/>
     <dgm:cxn modelId="{F35D26CC-F60F-4E50-B760-AB6DE78F4123}" type="presParOf" srcId="{40A287E9-C42B-4334-9643-572CE6DD897B}" destId="{715D256F-02F7-4191-B84E-3A4C6CD8FFC5}" srcOrd="0" destOrd="0" presId="urn:microsoft.com/office/officeart/2005/8/layout/process2"/>
   </dgm:cxnLst>
   <dgm:bg/>
@@ -17968,46 +18117,50 @@
           <a:p>
             <a:r>
               <a:rPr lang="en-US" dirty="0" smtClean="0"/>
-              <a:t>High Level Architecture</a:t>
+              <a:t>High Level </a:t>
+            </a:r>
+            <a:r>
+              <a:rPr lang="en-US" dirty="0" smtClean="0"/>
+              <a:t>Architecture –Architecture Overview</a:t>
             </a:r>
             <a:endParaRPr lang="en-US" dirty="0"/>
           </a:p>
         </p:txBody>
       </p:sp>
-      <p:sp>
-        <p:nvSpPr>
-          <p:cNvPr id="16389" name="Rectangle 5"/>
-          <p:cNvSpPr>
-            <a:spLocks noGrp="1" noChangeArrowheads="1"/>
-          </p:cNvSpPr>
+      <p:pic>
+        <p:nvPicPr>
+          <p:cNvPr id="5" name="Picture 2"/>
+          <p:cNvPicPr>
+            <a:picLocks noGrp="1" noChangeAspect="1" noChangeArrowheads="1"/>
+          </p:cNvPicPr>
           <p:nvPr>
-            <p:ph type="body" idx="1"/>
+            <p:ph idx="1"/>
           </p:nvPr>
-        </p:nvSpPr>
-        <p:spPr/>
-        <p:txBody>
-          <a:bodyPr/>
-          <a:lstStyle/>
-          <a:p>
-            <a:r>
-              <a:rPr lang="en-US" i="1" dirty="0" smtClean="0">
-                <a:solidFill>
-                  <a:srgbClr val="FF0000"/>
-                </a:solidFill>
-              </a:rPr>
-              <a:t>Pending to insert high level architecture.</a:t>
-            </a:r>
-            <a:endParaRPr lang="en-US" i="1" dirty="0">
-              <a:solidFill>
-                <a:srgbClr val="FF0000"/>
-              </a:solidFill>
-            </a:endParaRPr>
-          </a:p>
-          <a:p>
-            <a:endParaRPr lang="en-US" dirty="0"/>
-          </a:p>
-        </p:txBody>
-      </p:sp>
+        </p:nvPicPr>
+        <p:blipFill>
+          <a:blip r:embed="rId2" cstate="print"/>
+          <a:srcRect/>
+          <a:stretch>
+            <a:fillRect/>
+          </a:stretch>
+        </p:blipFill>
+        <p:spPr bwMode="auto">
+          <a:xfrm>
+            <a:off x="1066800" y="1676400"/>
+            <a:ext cx="6400800" cy="4529640"/>
+          </a:xfrm>
+          <a:prstGeom prst="rect">
+            <a:avLst/>
+          </a:prstGeom>
+          <a:noFill/>
+          <a:ln w="9525">
+            <a:noFill/>
+            <a:miter lim="800000"/>
+            <a:headEnd/>
+            <a:tailEnd/>
+          </a:ln>
+        </p:spPr>
+      </p:pic>
     </p:spTree>
   </p:cSld>
   <p:clrMapOvr>
@@ -18042,9 +18195,9 @@
       </p:grpSpPr>
       <p:sp>
         <p:nvSpPr>
-          <p:cNvPr id="4" name="Title 3"/>
+          <p:cNvPr id="16388" name="Rectangle 4"/>
           <p:cNvSpPr>
-            <a:spLocks noGrp="1"/>
+            <a:spLocks noGrp="1" noChangeArrowheads="1"/>
           </p:cNvSpPr>
           <p:nvPr>
             <p:ph type="title"/>
@@ -18057,30 +18210,11 @@
           <a:p>
             <a:r>
               <a:rPr lang="en-US" dirty="0" smtClean="0"/>
-              <a:t>Project Risks</a:t>
+              <a:t>High Level </a:t>
             </a:r>
-            <a:endParaRPr lang="en-US" dirty="0"/>
-          </a:p>
-        </p:txBody>
-      </p:sp>
-      <p:sp>
-        <p:nvSpPr>
-          <p:cNvPr id="5" name="Text Placeholder 4"/>
-          <p:cNvSpPr>
-            <a:spLocks noGrp="1"/>
-          </p:cNvSpPr>
-          <p:nvPr>
-            <p:ph type="body" idx="1"/>
-          </p:nvPr>
-        </p:nvSpPr>
-        <p:spPr/>
-        <p:txBody>
-          <a:bodyPr/>
-          <a:lstStyle/>
-          <a:p>
             <a:r>
               <a:rPr lang="en-US" dirty="0" smtClean="0"/>
-              <a:t>Volunteer Management System</a:t>
+              <a:t>Architecture – Overview of Components</a:t>
             </a:r>
             <a:endParaRPr lang="en-US" dirty="0"/>
           </a:p>
@@ -18088,7 +18222,7 @@
       </p:sp>
       <p:pic>
         <p:nvPicPr>
-          <p:cNvPr id="8194" name="Picture 2"/>
+          <p:cNvPr id="4" name="Picture 3"/>
           <p:cNvPicPr>
             <a:picLocks noChangeAspect="1" noChangeArrowheads="1"/>
           </p:cNvPicPr>
@@ -18103,8 +18237,8 @@
         </p:blipFill>
         <p:spPr bwMode="auto">
           <a:xfrm>
-            <a:off x="838200" y="228600"/>
-            <a:ext cx="6791326" cy="3824118"/>
+            <a:off x="457200" y="2209800"/>
+            <a:ext cx="8284273" cy="2895600"/>
           </a:xfrm>
           <a:prstGeom prst="rect">
             <a:avLst/>
@@ -18116,7 +18250,6 @@
             <a:headEnd/>
             <a:tailEnd/>
           </a:ln>
-          <a:effectLst/>
         </p:spPr>
       </p:pic>
     </p:spTree>
@@ -18314,6 +18447,212 @@
       </p:grpSpPr>
       <p:sp>
         <p:nvSpPr>
+          <p:cNvPr id="16388" name="Rectangle 4"/>
+          <p:cNvSpPr>
+            <a:spLocks noGrp="1" noChangeArrowheads="1"/>
+          </p:cNvSpPr>
+          <p:nvPr>
+            <p:ph type="title"/>
+          </p:nvPr>
+        </p:nvSpPr>
+        <p:spPr/>
+        <p:txBody>
+          <a:bodyPr/>
+          <a:lstStyle/>
+          <a:p>
+            <a:r>
+              <a:rPr lang="en-US" dirty="0" smtClean="0"/>
+              <a:t>High Level </a:t>
+            </a:r>
+            <a:r>
+              <a:rPr lang="en-US" dirty="0" smtClean="0"/>
+              <a:t>Architecture – </a:t>
+            </a:r>
+            <a:r>
+              <a:rPr lang="en-US" smtClean="0"/>
+              <a:t>Framework Overview</a:t>
+            </a:r>
+            <a:endParaRPr lang="en-US" dirty="0"/>
+          </a:p>
+        </p:txBody>
+      </p:sp>
+      <p:pic>
+        <p:nvPicPr>
+          <p:cNvPr id="6" name="Picture 2"/>
+          <p:cNvPicPr>
+            <a:picLocks noChangeAspect="1" noChangeArrowheads="1"/>
+          </p:cNvPicPr>
+          <p:nvPr/>
+        </p:nvPicPr>
+        <p:blipFill>
+          <a:blip r:embed="rId2" cstate="print"/>
+          <a:srcRect/>
+          <a:stretch>
+            <a:fillRect/>
+          </a:stretch>
+        </p:blipFill>
+        <p:spPr bwMode="auto">
+          <a:xfrm>
+            <a:off x="393441" y="2057400"/>
+            <a:ext cx="8369559" cy="3429000"/>
+          </a:xfrm>
+          <a:prstGeom prst="rect">
+            <a:avLst/>
+          </a:prstGeom>
+          <a:noFill/>
+          <a:ln w="9525">
+            <a:noFill/>
+            <a:miter lim="800000"/>
+            <a:headEnd/>
+            <a:tailEnd/>
+          </a:ln>
+        </p:spPr>
+      </p:pic>
+    </p:spTree>
+  </p:cSld>
+  <p:clrMapOvr>
+    <a:masterClrMapping/>
+  </p:clrMapOvr>
+  <p:timing>
+    <p:tnLst>
+      <p:par>
+        <p:cTn id="1" dur="indefinite" restart="never" nodeType="tmRoot"/>
+      </p:par>
+    </p:tnLst>
+  </p:timing>
+</p:sld>
+</file>
+
+<file path=ppt/slides/slide21.xml><?xml version="1.0" encoding="utf-8"?>
+<p:sld xmlns:a="http://schemas.openxmlformats.org/drawingml/2006/main" xmlns:r="http://schemas.openxmlformats.org/officeDocument/2006/relationships" xmlns:p="http://schemas.openxmlformats.org/presentationml/2006/main">
+  <p:cSld>
+    <p:spTree>
+      <p:nvGrpSpPr>
+        <p:cNvPr id="1" name=""/>
+        <p:cNvGrpSpPr/>
+        <p:nvPr/>
+      </p:nvGrpSpPr>
+      <p:grpSpPr>
+        <a:xfrm>
+          <a:off x="0" y="0"/>
+          <a:ext cx="0" cy="0"/>
+          <a:chOff x="0" y="0"/>
+          <a:chExt cx="0" cy="0"/>
+        </a:xfrm>
+      </p:grpSpPr>
+      <p:sp>
+        <p:nvSpPr>
+          <p:cNvPr id="4" name="Title 3"/>
+          <p:cNvSpPr>
+            <a:spLocks noGrp="1"/>
+          </p:cNvSpPr>
+          <p:nvPr>
+            <p:ph type="title"/>
+          </p:nvPr>
+        </p:nvSpPr>
+        <p:spPr/>
+        <p:txBody>
+          <a:bodyPr/>
+          <a:lstStyle/>
+          <a:p>
+            <a:r>
+              <a:rPr lang="en-US" dirty="0" smtClean="0"/>
+              <a:t>Project Risks</a:t>
+            </a:r>
+            <a:endParaRPr lang="en-US" dirty="0"/>
+          </a:p>
+        </p:txBody>
+      </p:sp>
+      <p:sp>
+        <p:nvSpPr>
+          <p:cNvPr id="5" name="Text Placeholder 4"/>
+          <p:cNvSpPr>
+            <a:spLocks noGrp="1"/>
+          </p:cNvSpPr>
+          <p:nvPr>
+            <p:ph type="body" idx="1"/>
+          </p:nvPr>
+        </p:nvSpPr>
+        <p:spPr/>
+        <p:txBody>
+          <a:bodyPr/>
+          <a:lstStyle/>
+          <a:p>
+            <a:r>
+              <a:rPr lang="en-US" dirty="0" smtClean="0"/>
+              <a:t>Volunteer Management System</a:t>
+            </a:r>
+            <a:endParaRPr lang="en-US" dirty="0"/>
+          </a:p>
+        </p:txBody>
+      </p:sp>
+      <p:pic>
+        <p:nvPicPr>
+          <p:cNvPr id="8194" name="Picture 2"/>
+          <p:cNvPicPr>
+            <a:picLocks noChangeAspect="1" noChangeArrowheads="1"/>
+          </p:cNvPicPr>
+          <p:nvPr/>
+        </p:nvPicPr>
+        <p:blipFill>
+          <a:blip r:embed="rId2" cstate="print"/>
+          <a:srcRect/>
+          <a:stretch>
+            <a:fillRect/>
+          </a:stretch>
+        </p:blipFill>
+        <p:spPr bwMode="auto">
+          <a:xfrm>
+            <a:off x="838200" y="228600"/>
+            <a:ext cx="6791326" cy="3824118"/>
+          </a:xfrm>
+          <a:prstGeom prst="rect">
+            <a:avLst/>
+          </a:prstGeom>
+          <a:noFill/>
+          <a:ln w="9525">
+            <a:noFill/>
+            <a:miter lim="800000"/>
+            <a:headEnd/>
+            <a:tailEnd/>
+          </a:ln>
+          <a:effectLst/>
+        </p:spPr>
+      </p:pic>
+    </p:spTree>
+  </p:cSld>
+  <p:clrMapOvr>
+    <a:masterClrMapping/>
+  </p:clrMapOvr>
+  <p:timing>
+    <p:tnLst>
+      <p:par>
+        <p:cTn id="1" dur="indefinite" restart="never" nodeType="tmRoot"/>
+      </p:par>
+    </p:tnLst>
+  </p:timing>
+</p:sld>
+</file>
+
+<file path=ppt/slides/slide22.xml><?xml version="1.0" encoding="utf-8"?>
+<p:sld xmlns:a="http://schemas.openxmlformats.org/drawingml/2006/main" xmlns:r="http://schemas.openxmlformats.org/officeDocument/2006/relationships" xmlns:p="http://schemas.openxmlformats.org/presentationml/2006/main">
+  <p:cSld>
+    <p:spTree>
+      <p:nvGrpSpPr>
+        <p:cNvPr id="1" name=""/>
+        <p:cNvGrpSpPr/>
+        <p:nvPr/>
+      </p:nvGrpSpPr>
+      <p:grpSpPr>
+        <a:xfrm>
+          <a:off x="0" y="0"/>
+          <a:ext cx="0" cy="0"/>
+          <a:chOff x="0" y="0"/>
+          <a:chExt cx="0" cy="0"/>
+        </a:xfrm>
+      </p:grpSpPr>
+      <p:sp>
+        <p:nvSpPr>
           <p:cNvPr id="15364" name="Rectangle 4"/>
           <p:cNvSpPr>
             <a:spLocks noGrp="1" noChangeArrowheads="1"/>
@@ -18381,7 +18720,7 @@
 </p:sld>
 </file>
 
-<file path=ppt/slides/slide21.xml><?xml version="1.0" encoding="utf-8"?>
+<file path=ppt/slides/slide23.xml><?xml version="1.0" encoding="utf-8"?>
 <p:sld xmlns:a="http://schemas.openxmlformats.org/drawingml/2006/main" xmlns:r="http://schemas.openxmlformats.org/officeDocument/2006/relationships" xmlns:p="http://schemas.openxmlformats.org/presentationml/2006/main">
   <p:cSld>
     <p:spTree>
@@ -18492,7 +18831,7 @@
 </p:sld>
 </file>
 
-<file path=ppt/slides/slide22.xml><?xml version="1.0" encoding="utf-8"?>
+<file path=ppt/slides/slide24.xml><?xml version="1.0" encoding="utf-8"?>
 <p:sld xmlns:a="http://schemas.openxmlformats.org/drawingml/2006/main" xmlns:r="http://schemas.openxmlformats.org/officeDocument/2006/relationships" xmlns:p="http://schemas.openxmlformats.org/presentationml/2006/main">
   <p:cSld>
     <p:spTree>
@@ -18642,7 +18981,7 @@
 </p:sld>
 </file>
 
-<file path=ppt/slides/slide23.xml><?xml version="1.0" encoding="utf-8"?>
+<file path=ppt/slides/slide25.xml><?xml version="1.0" encoding="utf-8"?>
 <p:sld xmlns:a="http://schemas.openxmlformats.org/drawingml/2006/main" xmlns:r="http://schemas.openxmlformats.org/officeDocument/2006/relationships" xmlns:p="http://schemas.openxmlformats.org/presentationml/2006/main">
   <p:cSld>
     <p:spTree>
@@ -19402,7 +19741,7 @@
 </p:sld>
 </file>
 
-<file path=ppt/slides/slide24.xml><?xml version="1.0" encoding="utf-8"?>
+<file path=ppt/slides/slide26.xml><?xml version="1.0" encoding="utf-8"?>
 <p:sld xmlns:a="http://schemas.openxmlformats.org/drawingml/2006/main" xmlns:r="http://schemas.openxmlformats.org/officeDocument/2006/relationships" xmlns:p="http://schemas.openxmlformats.org/presentationml/2006/main">
   <p:cSld>
     <p:spTree>

--- a/trunk/docs/W-9 Working Document/W-9.3 Presentation Slides/Phase1/vms_first_presentation_v0.1a.pptx
+++ b/trunk/docs/W-9 Working Document/W-9.3 Presentation Slides/Phase1/vms_first_presentation_v0.1a.pptx
@@ -3929,8 +3929,8 @@
     <dgm:cxn modelId="{E8BC3270-1B78-42AA-98F0-9309B2A170EE}" type="presOf" srcId="{8CAA25DF-3B38-443D-A48F-CCAB7142450C}" destId="{4DA5EE49-8168-4D22-9537-7BE4A3708548}" srcOrd="0" destOrd="0" presId="urn:microsoft.com/office/officeart/2005/8/layout/process2"/>
     <dgm:cxn modelId="{B120A2B9-9B85-406D-954D-6713BD88FF5C}" srcId="{DC9B3652-DE2A-4335-B0FB-3045EDEEA6A8}" destId="{3ED2506A-D607-4A12-8A50-AC72420F3F00}" srcOrd="0" destOrd="0" parTransId="{E8D3A7A7-32F7-4A63-91CB-C04C53F7C046}" sibTransId="{50A8F3E4-F51A-4E67-BB1C-EFC8155DD776}"/>
     <dgm:cxn modelId="{442EB815-09F3-4564-824E-AF9A49E81176}" srcId="{DC9B3652-DE2A-4335-B0FB-3045EDEEA6A8}" destId="{0E522B13-F764-4BC6-83A0-CA4F5944C6E0}" srcOrd="1" destOrd="0" parTransId="{D0C64C9C-06C7-4696-B64E-72EB6765D37D}" sibTransId="{B7FC2DBC-2209-4B52-A6BB-A5B96B108E97}"/>
+    <dgm:cxn modelId="{1E76EC3B-6F04-4B8F-9B08-F745AF155804}" type="presOf" srcId="{B7FC2DBC-2209-4B52-A6BB-A5B96B108E97}" destId="{30F2A522-5361-42FD-BDF3-9AAF9B6E48CD}" srcOrd="0" destOrd="0" presId="urn:microsoft.com/office/officeart/2005/8/layout/process2"/>
     <dgm:cxn modelId="{B5133DE3-4354-4D03-B7CF-D23477E96DD9}" srcId="{DC9B3652-DE2A-4335-B0FB-3045EDEEA6A8}" destId="{8CAA25DF-3B38-443D-A48F-CCAB7142450C}" srcOrd="2" destOrd="0" parTransId="{4BD1F383-75F3-4570-947F-2F89081482BF}" sibTransId="{186EB40E-0379-4173-8900-E632C05B1B0B}"/>
-    <dgm:cxn modelId="{1E76EC3B-6F04-4B8F-9B08-F745AF155804}" type="presOf" srcId="{B7FC2DBC-2209-4B52-A6BB-A5B96B108E97}" destId="{30F2A522-5361-42FD-BDF3-9AAF9B6E48CD}" srcOrd="0" destOrd="0" presId="urn:microsoft.com/office/officeart/2005/8/layout/process2"/>
     <dgm:cxn modelId="{8181B420-CCBA-47B0-99DB-8B0F75FCFC67}" type="presOf" srcId="{50A8F3E4-F51A-4E67-BB1C-EFC8155DD776}" destId="{5EF98626-1B98-4F0E-B74A-248A9D343D4B}" srcOrd="1" destOrd="0" presId="urn:microsoft.com/office/officeart/2005/8/layout/process2"/>
     <dgm:cxn modelId="{801EFD6F-FC26-4BA6-AA03-29FB41AE3CC1}" type="presOf" srcId="{B7FC2DBC-2209-4B52-A6BB-A5B96B108E97}" destId="{D7B61D4E-81AD-4336-8A85-CB458552E574}" srcOrd="1" destOrd="0" presId="urn:microsoft.com/office/officeart/2005/8/layout/process2"/>
     <dgm:cxn modelId="{08C7413F-9BBB-42CA-B81C-A9C03F1F5B27}" type="presParOf" srcId="{40A287E9-C42B-4334-9643-572CE6DD897B}" destId="{715D256F-02F7-4191-B84E-3A4C6CD8FFC5}" srcOrd="0" destOrd="0" presId="urn:microsoft.com/office/officeart/2005/8/layout/process2"/>
@@ -4934,389 +4934,6 @@
       <dsp:cNvGrpSpPr/>
     </dsp:nvGrpSpPr>
     <dsp:grpSpPr/>
-    <dsp:sp modelId="{715D256F-02F7-4191-B84E-3A4C6CD8FFC5}">
-      <dsp:nvSpPr>
-        <dsp:cNvPr id="0" name=""/>
-        <dsp:cNvSpPr/>
-      </dsp:nvSpPr>
-      <dsp:spPr>
-        <a:xfrm>
-          <a:off x="228600" y="0"/>
-          <a:ext cx="1828800" cy="1016000"/>
-        </a:xfrm>
-        <a:prstGeom prst="roundRect">
-          <a:avLst>
-            <a:gd name="adj" fmla="val 10000"/>
-          </a:avLst>
-        </a:prstGeom>
-        <a:solidFill>
-          <a:schemeClr val="accent1">
-            <a:hueOff val="0"/>
-            <a:satOff val="0"/>
-            <a:lumOff val="0"/>
-            <a:alphaOff val="0"/>
-          </a:schemeClr>
-        </a:solidFill>
-        <a:ln w="25400" cap="flat" cmpd="sng" algn="ctr">
-          <a:solidFill>
-            <a:schemeClr val="lt1">
-              <a:hueOff val="0"/>
-              <a:satOff val="0"/>
-              <a:lumOff val="0"/>
-              <a:alphaOff val="0"/>
-            </a:schemeClr>
-          </a:solidFill>
-          <a:prstDash val="solid"/>
-        </a:ln>
-        <a:effectLst/>
-      </dsp:spPr>
-      <dsp:style>
-        <a:lnRef idx="2">
-          <a:scrgbClr r="0" g="0" b="0"/>
-        </a:lnRef>
-        <a:fillRef idx="1">
-          <a:scrgbClr r="0" g="0" b="0"/>
-        </a:fillRef>
-        <a:effectRef idx="0">
-          <a:scrgbClr r="0" g="0" b="0"/>
-        </a:effectRef>
-        <a:fontRef idx="minor">
-          <a:schemeClr val="lt1"/>
-        </a:fontRef>
-      </dsp:style>
-      <dsp:txBody>
-        <a:bodyPr spcFirstLastPara="0" vert="horz" wrap="square" lIns="76200" tIns="76200" rIns="76200" bIns="76200" numCol="1" spcCol="1270" anchor="ctr" anchorCtr="0">
-          <a:noAutofit/>
-        </a:bodyPr>
-        <a:lstStyle/>
-        <a:p>
-          <a:pPr lvl="0" algn="ctr" defTabSz="889000">
-            <a:lnSpc>
-              <a:spcPct val="90000"/>
-            </a:lnSpc>
-            <a:spcBef>
-              <a:spcPct val="0"/>
-            </a:spcBef>
-            <a:spcAft>
-              <a:spcPct val="35000"/>
-            </a:spcAft>
-          </a:pPr>
-          <a:r>
-            <a:rPr lang="en-US" sz="2000" kern="1200" dirty="0" smtClean="0"/>
-            <a:t>Prototyping</a:t>
-          </a:r>
-          <a:endParaRPr lang="en-US" sz="2000" kern="1200" dirty="0"/>
-        </a:p>
-      </dsp:txBody>
-      <dsp:txXfrm>
-        <a:off x="228600" y="0"/>
-        <a:ext cx="1828800" cy="1016000"/>
-      </dsp:txXfrm>
-    </dsp:sp>
-    <dsp:sp modelId="{C5BE00BD-745C-43E7-912B-9157D7920E0A}">
-      <dsp:nvSpPr>
-        <dsp:cNvPr id="0" name=""/>
-        <dsp:cNvSpPr/>
-      </dsp:nvSpPr>
-      <dsp:spPr>
-        <a:xfrm rot="5400000">
-          <a:off x="952500" y="1041399"/>
-          <a:ext cx="380999" cy="457200"/>
-        </a:xfrm>
-        <a:prstGeom prst="rightArrow">
-          <a:avLst>
-            <a:gd name="adj1" fmla="val 60000"/>
-            <a:gd name="adj2" fmla="val 50000"/>
-          </a:avLst>
-        </a:prstGeom>
-        <a:solidFill>
-          <a:schemeClr val="accent1">
-            <a:tint val="60000"/>
-            <a:hueOff val="0"/>
-            <a:satOff val="0"/>
-            <a:lumOff val="0"/>
-            <a:alphaOff val="0"/>
-          </a:schemeClr>
-        </a:solidFill>
-        <a:ln>
-          <a:noFill/>
-        </a:ln>
-        <a:effectLst/>
-      </dsp:spPr>
-      <dsp:style>
-        <a:lnRef idx="0">
-          <a:scrgbClr r="0" g="0" b="0"/>
-        </a:lnRef>
-        <a:fillRef idx="1">
-          <a:scrgbClr r="0" g="0" b="0"/>
-        </a:fillRef>
-        <a:effectRef idx="0">
-          <a:scrgbClr r="0" g="0" b="0"/>
-        </a:effectRef>
-        <a:fontRef idx="minor">
-          <a:schemeClr val="lt1"/>
-        </a:fontRef>
-      </dsp:style>
-      <dsp:txBody>
-        <a:bodyPr spcFirstLastPara="0" vert="horz" wrap="square" lIns="0" tIns="0" rIns="0" bIns="0" numCol="1" spcCol="1270" anchor="ctr" anchorCtr="0">
-          <a:noAutofit/>
-        </a:bodyPr>
-        <a:lstStyle/>
-        <a:p>
-          <a:pPr lvl="0" algn="ctr" defTabSz="711200">
-            <a:lnSpc>
-              <a:spcPct val="90000"/>
-            </a:lnSpc>
-            <a:spcBef>
-              <a:spcPct val="0"/>
-            </a:spcBef>
-            <a:spcAft>
-              <a:spcPct val="35000"/>
-            </a:spcAft>
-          </a:pPr>
-          <a:endParaRPr lang="en-US" sz="1600" kern="1200"/>
-        </a:p>
-      </dsp:txBody>
-      <dsp:txXfrm rot="5400000">
-        <a:off x="952500" y="1041399"/>
-        <a:ext cx="380999" cy="457200"/>
-      </dsp:txXfrm>
-    </dsp:sp>
-    <dsp:sp modelId="{BFBD83CE-AD3D-4B36-AFD4-F505FE96449E}">
-      <dsp:nvSpPr>
-        <dsp:cNvPr id="0" name=""/>
-        <dsp:cNvSpPr/>
-      </dsp:nvSpPr>
-      <dsp:spPr>
-        <a:xfrm>
-          <a:off x="228600" y="1523999"/>
-          <a:ext cx="1828800" cy="1016000"/>
-        </a:xfrm>
-        <a:prstGeom prst="roundRect">
-          <a:avLst>
-            <a:gd name="adj" fmla="val 10000"/>
-          </a:avLst>
-        </a:prstGeom>
-        <a:solidFill>
-          <a:schemeClr val="accent1">
-            <a:hueOff val="0"/>
-            <a:satOff val="0"/>
-            <a:lumOff val="0"/>
-            <a:alphaOff val="0"/>
-          </a:schemeClr>
-        </a:solidFill>
-        <a:ln w="25400" cap="flat" cmpd="sng" algn="ctr">
-          <a:solidFill>
-            <a:schemeClr val="lt1">
-              <a:hueOff val="0"/>
-              <a:satOff val="0"/>
-              <a:lumOff val="0"/>
-              <a:alphaOff val="0"/>
-            </a:schemeClr>
-          </a:solidFill>
-          <a:prstDash val="solid"/>
-        </a:ln>
-        <a:effectLst/>
-      </dsp:spPr>
-      <dsp:style>
-        <a:lnRef idx="2">
-          <a:scrgbClr r="0" g="0" b="0"/>
-        </a:lnRef>
-        <a:fillRef idx="1">
-          <a:scrgbClr r="0" g="0" b="0"/>
-        </a:fillRef>
-        <a:effectRef idx="0">
-          <a:scrgbClr r="0" g="0" b="0"/>
-        </a:effectRef>
-        <a:fontRef idx="minor">
-          <a:schemeClr val="lt1"/>
-        </a:fontRef>
-      </dsp:style>
-      <dsp:txBody>
-        <a:bodyPr spcFirstLastPara="0" vert="horz" wrap="square" lIns="76200" tIns="76200" rIns="76200" bIns="76200" numCol="1" spcCol="1270" anchor="ctr" anchorCtr="0">
-          <a:noAutofit/>
-        </a:bodyPr>
-        <a:lstStyle/>
-        <a:p>
-          <a:pPr lvl="0" algn="ctr" defTabSz="889000">
-            <a:lnSpc>
-              <a:spcPct val="90000"/>
-            </a:lnSpc>
-            <a:spcBef>
-              <a:spcPct val="0"/>
-            </a:spcBef>
-            <a:spcAft>
-              <a:spcPct val="35000"/>
-            </a:spcAft>
-          </a:pPr>
-          <a:r>
-            <a:rPr lang="en-US" sz="2000" kern="1200" dirty="0" smtClean="0"/>
-            <a:t>Use Case Modeling</a:t>
-          </a:r>
-          <a:endParaRPr lang="en-US" sz="2000" kern="1200" dirty="0"/>
-        </a:p>
-      </dsp:txBody>
-      <dsp:txXfrm>
-        <a:off x="228600" y="1523999"/>
-        <a:ext cx="1828800" cy="1016000"/>
-      </dsp:txXfrm>
-    </dsp:sp>
-    <dsp:sp modelId="{30F2A522-5361-42FD-BDF3-9AAF9B6E48CD}">
-      <dsp:nvSpPr>
-        <dsp:cNvPr id="0" name=""/>
-        <dsp:cNvSpPr/>
-      </dsp:nvSpPr>
-      <dsp:spPr>
-        <a:xfrm rot="5400000">
-          <a:off x="952500" y="2565399"/>
-          <a:ext cx="381000" cy="457200"/>
-        </a:xfrm>
-        <a:prstGeom prst="rightArrow">
-          <a:avLst>
-            <a:gd name="adj1" fmla="val 60000"/>
-            <a:gd name="adj2" fmla="val 50000"/>
-          </a:avLst>
-        </a:prstGeom>
-        <a:solidFill>
-          <a:schemeClr val="accent1">
-            <a:tint val="60000"/>
-            <a:hueOff val="0"/>
-            <a:satOff val="0"/>
-            <a:lumOff val="0"/>
-            <a:alphaOff val="0"/>
-          </a:schemeClr>
-        </a:solidFill>
-        <a:ln>
-          <a:noFill/>
-        </a:ln>
-        <a:effectLst/>
-      </dsp:spPr>
-      <dsp:style>
-        <a:lnRef idx="0">
-          <a:scrgbClr r="0" g="0" b="0"/>
-        </a:lnRef>
-        <a:fillRef idx="1">
-          <a:scrgbClr r="0" g="0" b="0"/>
-        </a:fillRef>
-        <a:effectRef idx="0">
-          <a:scrgbClr r="0" g="0" b="0"/>
-        </a:effectRef>
-        <a:fontRef idx="minor">
-          <a:schemeClr val="lt1"/>
-        </a:fontRef>
-      </dsp:style>
-      <dsp:txBody>
-        <a:bodyPr spcFirstLastPara="0" vert="horz" wrap="square" lIns="0" tIns="0" rIns="0" bIns="0" numCol="1" spcCol="1270" anchor="ctr" anchorCtr="0">
-          <a:noAutofit/>
-        </a:bodyPr>
-        <a:lstStyle/>
-        <a:p>
-          <a:pPr lvl="0" algn="ctr" defTabSz="711200">
-            <a:lnSpc>
-              <a:spcPct val="90000"/>
-            </a:lnSpc>
-            <a:spcBef>
-              <a:spcPct val="0"/>
-            </a:spcBef>
-            <a:spcAft>
-              <a:spcPct val="35000"/>
-            </a:spcAft>
-          </a:pPr>
-          <a:endParaRPr lang="en-US" sz="1600" kern="1200"/>
-        </a:p>
-      </dsp:txBody>
-      <dsp:txXfrm rot="5400000">
-        <a:off x="952500" y="2565399"/>
-        <a:ext cx="381000" cy="457200"/>
-      </dsp:txXfrm>
-    </dsp:sp>
-    <dsp:sp modelId="{4DA5EE49-8168-4D22-9537-7BE4A3708548}">
-      <dsp:nvSpPr>
-        <dsp:cNvPr id="0" name=""/>
-        <dsp:cNvSpPr/>
-      </dsp:nvSpPr>
-      <dsp:spPr>
-        <a:xfrm>
-          <a:off x="228600" y="3047999"/>
-          <a:ext cx="1828800" cy="1016000"/>
-        </a:xfrm>
-        <a:prstGeom prst="roundRect">
-          <a:avLst>
-            <a:gd name="adj" fmla="val 10000"/>
-          </a:avLst>
-        </a:prstGeom>
-        <a:solidFill>
-          <a:schemeClr val="accent1">
-            <a:hueOff val="0"/>
-            <a:satOff val="0"/>
-            <a:lumOff val="0"/>
-            <a:alphaOff val="0"/>
-          </a:schemeClr>
-        </a:solidFill>
-        <a:ln w="25400" cap="flat" cmpd="sng" algn="ctr">
-          <a:solidFill>
-            <a:schemeClr val="lt1">
-              <a:hueOff val="0"/>
-              <a:satOff val="0"/>
-              <a:lumOff val="0"/>
-              <a:alphaOff val="0"/>
-            </a:schemeClr>
-          </a:solidFill>
-          <a:prstDash val="solid"/>
-        </a:ln>
-        <a:effectLst/>
-      </dsp:spPr>
-      <dsp:style>
-        <a:lnRef idx="2">
-          <a:scrgbClr r="0" g="0" b="0"/>
-        </a:lnRef>
-        <a:fillRef idx="1">
-          <a:scrgbClr r="0" g="0" b="0"/>
-        </a:fillRef>
-        <a:effectRef idx="0">
-          <a:scrgbClr r="0" g="0" b="0"/>
-        </a:effectRef>
-        <a:fontRef idx="minor">
-          <a:schemeClr val="lt1"/>
-        </a:fontRef>
-      </dsp:style>
-      <dsp:txBody>
-        <a:bodyPr spcFirstLastPara="0" vert="horz" wrap="square" lIns="76200" tIns="76200" rIns="76200" bIns="76200" numCol="1" spcCol="1270" anchor="ctr" anchorCtr="0">
-          <a:noAutofit/>
-        </a:bodyPr>
-        <a:lstStyle/>
-        <a:p>
-          <a:pPr lvl="0" algn="ctr" defTabSz="889000">
-            <a:lnSpc>
-              <a:spcPct val="90000"/>
-            </a:lnSpc>
-            <a:spcBef>
-              <a:spcPct val="0"/>
-            </a:spcBef>
-            <a:spcAft>
-              <a:spcPct val="35000"/>
-            </a:spcAft>
-          </a:pPr>
-          <a:r>
-            <a:rPr lang="en-US" sz="2000" kern="1200" dirty="0" smtClean="0"/>
-            <a:t>Use Case </a:t>
-          </a:r>
-          <a:r>
-            <a:rPr lang="en-US" sz="2000" kern="1200" dirty="0" err="1" smtClean="0"/>
-            <a:t>Realisation</a:t>
-          </a:r>
-          <a:r>
-            <a:rPr lang="en-US" sz="2000" kern="1200" dirty="0" smtClean="0"/>
-            <a:t> Report</a:t>
-          </a:r>
-          <a:endParaRPr lang="en-US" sz="2000" kern="1200" dirty="0"/>
-        </a:p>
-      </dsp:txBody>
-      <dsp:txXfrm>
-        <a:off x="228600" y="3047999"/>
-        <a:ext cx="1828800" cy="1016000"/>
-      </dsp:txXfrm>
-    </dsp:sp>
   </dsp:spTree>
 </dsp:drawing>
 </file>
@@ -5329,387 +4946,6 @@
       <dsp:cNvGrpSpPr/>
     </dsp:nvGrpSpPr>
     <dsp:grpSpPr/>
-    <dsp:sp modelId="{715D256F-02F7-4191-B84E-3A4C6CD8FFC5}">
-      <dsp:nvSpPr>
-        <dsp:cNvPr id="0" name=""/>
-        <dsp:cNvSpPr/>
-      </dsp:nvSpPr>
-      <dsp:spPr>
-        <a:xfrm>
-          <a:off x="307974" y="0"/>
-          <a:ext cx="1898649" cy="1016000"/>
-        </a:xfrm>
-        <a:prstGeom prst="roundRect">
-          <a:avLst>
-            <a:gd name="adj" fmla="val 10000"/>
-          </a:avLst>
-        </a:prstGeom>
-        <a:solidFill>
-          <a:schemeClr val="accent1">
-            <a:hueOff val="0"/>
-            <a:satOff val="0"/>
-            <a:lumOff val="0"/>
-            <a:alphaOff val="0"/>
-          </a:schemeClr>
-        </a:solidFill>
-        <a:ln w="25400" cap="flat" cmpd="sng" algn="ctr">
-          <a:solidFill>
-            <a:schemeClr val="lt1">
-              <a:hueOff val="0"/>
-              <a:satOff val="0"/>
-              <a:lumOff val="0"/>
-              <a:alphaOff val="0"/>
-            </a:schemeClr>
-          </a:solidFill>
-          <a:prstDash val="solid"/>
-        </a:ln>
-        <a:effectLst/>
-      </dsp:spPr>
-      <dsp:style>
-        <a:lnRef idx="2">
-          <a:scrgbClr r="0" g="0" b="0"/>
-        </a:lnRef>
-        <a:fillRef idx="1">
-          <a:scrgbClr r="0" g="0" b="0"/>
-        </a:fillRef>
-        <a:effectRef idx="0">
-          <a:scrgbClr r="0" g="0" b="0"/>
-        </a:effectRef>
-        <a:fontRef idx="minor">
-          <a:schemeClr val="lt1"/>
-        </a:fontRef>
-      </dsp:style>
-      <dsp:txBody>
-        <a:bodyPr spcFirstLastPara="0" vert="horz" wrap="square" lIns="68580" tIns="68580" rIns="68580" bIns="68580" numCol="1" spcCol="1270" anchor="ctr" anchorCtr="0">
-          <a:noAutofit/>
-        </a:bodyPr>
-        <a:lstStyle/>
-        <a:p>
-          <a:pPr lvl="0" algn="ctr" defTabSz="800100">
-            <a:lnSpc>
-              <a:spcPct val="90000"/>
-            </a:lnSpc>
-            <a:spcBef>
-              <a:spcPct val="0"/>
-            </a:spcBef>
-            <a:spcAft>
-              <a:spcPct val="35000"/>
-            </a:spcAft>
-          </a:pPr>
-          <a:r>
-            <a:rPr lang="en-US" sz="1800" kern="1200" dirty="0" smtClean="0">
-              <a:latin typeface="Calibri" pitchFamily="34" charset="0"/>
-            </a:rPr>
-            <a:t>High-level System Design</a:t>
-          </a:r>
-          <a:endParaRPr lang="en-US" sz="1800" kern="1200" dirty="0"/>
-        </a:p>
-      </dsp:txBody>
-      <dsp:txXfrm>
-        <a:off x="307974" y="0"/>
-        <a:ext cx="1898649" cy="1016000"/>
-      </dsp:txXfrm>
-    </dsp:sp>
-    <dsp:sp modelId="{C5BE00BD-745C-43E7-912B-9157D7920E0A}">
-      <dsp:nvSpPr>
-        <dsp:cNvPr id="0" name=""/>
-        <dsp:cNvSpPr/>
-      </dsp:nvSpPr>
-      <dsp:spPr>
-        <a:xfrm rot="5400000">
-          <a:off x="1066800" y="1041399"/>
-          <a:ext cx="380999" cy="457200"/>
-        </a:xfrm>
-        <a:prstGeom prst="rightArrow">
-          <a:avLst>
-            <a:gd name="adj1" fmla="val 60000"/>
-            <a:gd name="adj2" fmla="val 50000"/>
-          </a:avLst>
-        </a:prstGeom>
-        <a:solidFill>
-          <a:schemeClr val="accent1">
-            <a:tint val="60000"/>
-            <a:hueOff val="0"/>
-            <a:satOff val="0"/>
-            <a:lumOff val="0"/>
-            <a:alphaOff val="0"/>
-          </a:schemeClr>
-        </a:solidFill>
-        <a:ln>
-          <a:noFill/>
-        </a:ln>
-        <a:effectLst/>
-      </dsp:spPr>
-      <dsp:style>
-        <a:lnRef idx="0">
-          <a:scrgbClr r="0" g="0" b="0"/>
-        </a:lnRef>
-        <a:fillRef idx="1">
-          <a:scrgbClr r="0" g="0" b="0"/>
-        </a:fillRef>
-        <a:effectRef idx="0">
-          <a:scrgbClr r="0" g="0" b="0"/>
-        </a:effectRef>
-        <a:fontRef idx="minor">
-          <a:schemeClr val="lt1"/>
-        </a:fontRef>
-      </dsp:style>
-      <dsp:txBody>
-        <a:bodyPr spcFirstLastPara="0" vert="horz" wrap="square" lIns="0" tIns="0" rIns="0" bIns="0" numCol="1" spcCol="1270" anchor="ctr" anchorCtr="0">
-          <a:noAutofit/>
-        </a:bodyPr>
-        <a:lstStyle/>
-        <a:p>
-          <a:pPr lvl="0" algn="ctr" defTabSz="622300">
-            <a:lnSpc>
-              <a:spcPct val="90000"/>
-            </a:lnSpc>
-            <a:spcBef>
-              <a:spcPct val="0"/>
-            </a:spcBef>
-            <a:spcAft>
-              <a:spcPct val="35000"/>
-            </a:spcAft>
-          </a:pPr>
-          <a:endParaRPr lang="en-US" sz="1400" kern="1200"/>
-        </a:p>
-      </dsp:txBody>
-      <dsp:txXfrm rot="5400000">
-        <a:off x="1066800" y="1041399"/>
-        <a:ext cx="380999" cy="457200"/>
-      </dsp:txXfrm>
-    </dsp:sp>
-    <dsp:sp modelId="{BFBD83CE-AD3D-4B36-AFD4-F505FE96449E}">
-      <dsp:nvSpPr>
-        <dsp:cNvPr id="0" name=""/>
-        <dsp:cNvSpPr/>
-      </dsp:nvSpPr>
-      <dsp:spPr>
-        <a:xfrm>
-          <a:off x="307974" y="1523999"/>
-          <a:ext cx="1898649" cy="1016000"/>
-        </a:xfrm>
-        <a:prstGeom prst="roundRect">
-          <a:avLst>
-            <a:gd name="adj" fmla="val 10000"/>
-          </a:avLst>
-        </a:prstGeom>
-        <a:solidFill>
-          <a:schemeClr val="accent1">
-            <a:hueOff val="0"/>
-            <a:satOff val="0"/>
-            <a:lumOff val="0"/>
-            <a:alphaOff val="0"/>
-          </a:schemeClr>
-        </a:solidFill>
-        <a:ln w="25400" cap="flat" cmpd="sng" algn="ctr">
-          <a:solidFill>
-            <a:schemeClr val="lt1">
-              <a:hueOff val="0"/>
-              <a:satOff val="0"/>
-              <a:lumOff val="0"/>
-              <a:alphaOff val="0"/>
-            </a:schemeClr>
-          </a:solidFill>
-          <a:prstDash val="solid"/>
-        </a:ln>
-        <a:effectLst/>
-      </dsp:spPr>
-      <dsp:style>
-        <a:lnRef idx="2">
-          <a:scrgbClr r="0" g="0" b="0"/>
-        </a:lnRef>
-        <a:fillRef idx="1">
-          <a:scrgbClr r="0" g="0" b="0"/>
-        </a:fillRef>
-        <a:effectRef idx="0">
-          <a:scrgbClr r="0" g="0" b="0"/>
-        </a:effectRef>
-        <a:fontRef idx="minor">
-          <a:schemeClr val="lt1"/>
-        </a:fontRef>
-      </dsp:style>
-      <dsp:txBody>
-        <a:bodyPr spcFirstLastPara="0" vert="horz" wrap="square" lIns="68580" tIns="68580" rIns="68580" bIns="68580" numCol="1" spcCol="1270" anchor="ctr" anchorCtr="0">
-          <a:noAutofit/>
-        </a:bodyPr>
-        <a:lstStyle/>
-        <a:p>
-          <a:pPr lvl="0" algn="ctr" defTabSz="800100">
-            <a:lnSpc>
-              <a:spcPct val="90000"/>
-            </a:lnSpc>
-            <a:spcBef>
-              <a:spcPct val="0"/>
-            </a:spcBef>
-            <a:spcAft>
-              <a:spcPct val="35000"/>
-            </a:spcAft>
-          </a:pPr>
-          <a:r>
-            <a:rPr lang="en-US" sz="1800" kern="1200" dirty="0" smtClean="0">
-              <a:latin typeface="Calibri" pitchFamily="34" charset="0"/>
-            </a:rPr>
-            <a:t>Software Architecture</a:t>
-          </a:r>
-          <a:endParaRPr lang="en-US" sz="1800" kern="1200" dirty="0"/>
-        </a:p>
-      </dsp:txBody>
-      <dsp:txXfrm>
-        <a:off x="307974" y="1523999"/>
-        <a:ext cx="1898649" cy="1016000"/>
-      </dsp:txXfrm>
-    </dsp:sp>
-    <dsp:sp modelId="{30F2A522-5361-42FD-BDF3-9AAF9B6E48CD}">
-      <dsp:nvSpPr>
-        <dsp:cNvPr id="0" name=""/>
-        <dsp:cNvSpPr/>
-      </dsp:nvSpPr>
-      <dsp:spPr>
-        <a:xfrm rot="5400000">
-          <a:off x="1066799" y="2565399"/>
-          <a:ext cx="381000" cy="457200"/>
-        </a:xfrm>
-        <a:prstGeom prst="rightArrow">
-          <a:avLst>
-            <a:gd name="adj1" fmla="val 60000"/>
-            <a:gd name="adj2" fmla="val 50000"/>
-          </a:avLst>
-        </a:prstGeom>
-        <a:solidFill>
-          <a:schemeClr val="accent1">
-            <a:tint val="60000"/>
-            <a:hueOff val="0"/>
-            <a:satOff val="0"/>
-            <a:lumOff val="0"/>
-            <a:alphaOff val="0"/>
-          </a:schemeClr>
-        </a:solidFill>
-        <a:ln>
-          <a:noFill/>
-        </a:ln>
-        <a:effectLst/>
-      </dsp:spPr>
-      <dsp:style>
-        <a:lnRef idx="0">
-          <a:scrgbClr r="0" g="0" b="0"/>
-        </a:lnRef>
-        <a:fillRef idx="1">
-          <a:scrgbClr r="0" g="0" b="0"/>
-        </a:fillRef>
-        <a:effectRef idx="0">
-          <a:scrgbClr r="0" g="0" b="0"/>
-        </a:effectRef>
-        <a:fontRef idx="minor">
-          <a:schemeClr val="lt1"/>
-        </a:fontRef>
-      </dsp:style>
-      <dsp:txBody>
-        <a:bodyPr spcFirstLastPara="0" vert="horz" wrap="square" lIns="0" tIns="0" rIns="0" bIns="0" numCol="1" spcCol="1270" anchor="ctr" anchorCtr="0">
-          <a:noAutofit/>
-        </a:bodyPr>
-        <a:lstStyle/>
-        <a:p>
-          <a:pPr lvl="0" algn="ctr" defTabSz="622300">
-            <a:lnSpc>
-              <a:spcPct val="90000"/>
-            </a:lnSpc>
-            <a:spcBef>
-              <a:spcPct val="0"/>
-            </a:spcBef>
-            <a:spcAft>
-              <a:spcPct val="35000"/>
-            </a:spcAft>
-          </a:pPr>
-          <a:endParaRPr lang="en-US" sz="1400" kern="1200"/>
-        </a:p>
-      </dsp:txBody>
-      <dsp:txXfrm rot="5400000">
-        <a:off x="1066799" y="2565399"/>
-        <a:ext cx="381000" cy="457200"/>
-      </dsp:txXfrm>
-    </dsp:sp>
-    <dsp:sp modelId="{4DA5EE49-8168-4D22-9537-7BE4A3708548}">
-      <dsp:nvSpPr>
-        <dsp:cNvPr id="0" name=""/>
-        <dsp:cNvSpPr/>
-      </dsp:nvSpPr>
-      <dsp:spPr>
-        <a:xfrm>
-          <a:off x="307974" y="3047999"/>
-          <a:ext cx="1898649" cy="1016000"/>
-        </a:xfrm>
-        <a:prstGeom prst="roundRect">
-          <a:avLst>
-            <a:gd name="adj" fmla="val 10000"/>
-          </a:avLst>
-        </a:prstGeom>
-        <a:solidFill>
-          <a:schemeClr val="accent1">
-            <a:hueOff val="0"/>
-            <a:satOff val="0"/>
-            <a:lumOff val="0"/>
-            <a:alphaOff val="0"/>
-          </a:schemeClr>
-        </a:solidFill>
-        <a:ln w="25400" cap="flat" cmpd="sng" algn="ctr">
-          <a:solidFill>
-            <a:schemeClr val="lt1">
-              <a:hueOff val="0"/>
-              <a:satOff val="0"/>
-              <a:lumOff val="0"/>
-              <a:alphaOff val="0"/>
-            </a:schemeClr>
-          </a:solidFill>
-          <a:prstDash val="solid"/>
-        </a:ln>
-        <a:effectLst/>
-      </dsp:spPr>
-      <dsp:style>
-        <a:lnRef idx="2">
-          <a:scrgbClr r="0" g="0" b="0"/>
-        </a:lnRef>
-        <a:fillRef idx="1">
-          <a:scrgbClr r="0" g="0" b="0"/>
-        </a:fillRef>
-        <a:effectRef idx="0">
-          <a:scrgbClr r="0" g="0" b="0"/>
-        </a:effectRef>
-        <a:fontRef idx="minor">
-          <a:schemeClr val="lt1"/>
-        </a:fontRef>
-      </dsp:style>
-      <dsp:txBody>
-        <a:bodyPr spcFirstLastPara="0" vert="horz" wrap="square" lIns="68580" tIns="68580" rIns="68580" bIns="68580" numCol="1" spcCol="1270" anchor="ctr" anchorCtr="0">
-          <a:noAutofit/>
-        </a:bodyPr>
-        <a:lstStyle/>
-        <a:p>
-          <a:pPr lvl="0" algn="ctr" defTabSz="800100">
-            <a:lnSpc>
-              <a:spcPct val="90000"/>
-            </a:lnSpc>
-            <a:spcBef>
-              <a:spcPct val="0"/>
-            </a:spcBef>
-            <a:spcAft>
-              <a:spcPct val="35000"/>
-            </a:spcAft>
-          </a:pPr>
-          <a:r>
-            <a:rPr lang="en-US" sz="1800" kern="1200" dirty="0" smtClean="0">
-              <a:latin typeface="Calibri" pitchFamily="34" charset="0"/>
-            </a:rPr>
-            <a:t>Transition Strategy from Analysis to Design</a:t>
-          </a:r>
-          <a:endParaRPr lang="en-US" sz="1800" kern="1200" dirty="0"/>
-        </a:p>
-      </dsp:txBody>
-      <dsp:txXfrm>
-        <a:off x="307974" y="3047999"/>
-        <a:ext cx="1898649" cy="1016000"/>
-      </dsp:txXfrm>
-    </dsp:sp>
   </dsp:spTree>
 </dsp:drawing>
 </file>
@@ -5722,87 +4958,6 @@
       <dsp:cNvGrpSpPr/>
     </dsp:nvGrpSpPr>
     <dsp:grpSpPr/>
-    <dsp:sp modelId="{715D256F-02F7-4191-B84E-3A4C6CD8FFC5}">
-      <dsp:nvSpPr>
-        <dsp:cNvPr id="0" name=""/>
-        <dsp:cNvSpPr/>
-      </dsp:nvSpPr>
-      <dsp:spPr>
-        <a:xfrm>
-          <a:off x="0" y="1984"/>
-          <a:ext cx="2438400" cy="4060031"/>
-        </a:xfrm>
-        <a:prstGeom prst="roundRect">
-          <a:avLst>
-            <a:gd name="adj" fmla="val 10000"/>
-          </a:avLst>
-        </a:prstGeom>
-        <a:solidFill>
-          <a:schemeClr val="accent1">
-            <a:hueOff val="0"/>
-            <a:satOff val="0"/>
-            <a:lumOff val="0"/>
-            <a:alphaOff val="0"/>
-          </a:schemeClr>
-        </a:solidFill>
-        <a:ln w="25400" cap="flat" cmpd="sng" algn="ctr">
-          <a:solidFill>
-            <a:schemeClr val="lt1">
-              <a:hueOff val="0"/>
-              <a:satOff val="0"/>
-              <a:lumOff val="0"/>
-              <a:alphaOff val="0"/>
-            </a:schemeClr>
-          </a:solidFill>
-          <a:prstDash val="solid"/>
-        </a:ln>
-        <a:effectLst/>
-      </dsp:spPr>
-      <dsp:style>
-        <a:lnRef idx="2">
-          <a:scrgbClr r="0" g="0" b="0"/>
-        </a:lnRef>
-        <a:fillRef idx="1">
-          <a:scrgbClr r="0" g="0" b="0"/>
-        </a:fillRef>
-        <a:effectRef idx="0">
-          <a:scrgbClr r="0" g="0" b="0"/>
-        </a:effectRef>
-        <a:fontRef idx="minor">
-          <a:schemeClr val="lt1"/>
-        </a:fontRef>
-      </dsp:style>
-      <dsp:txBody>
-        <a:bodyPr spcFirstLastPara="0" vert="horz" wrap="square" lIns="110490" tIns="110490" rIns="110490" bIns="110490" numCol="1" spcCol="1270" anchor="ctr" anchorCtr="0">
-          <a:noAutofit/>
-        </a:bodyPr>
-        <a:lstStyle/>
-        <a:p>
-          <a:pPr lvl="0" algn="ctr" defTabSz="1289050">
-            <a:lnSpc>
-              <a:spcPct val="90000"/>
-            </a:lnSpc>
-            <a:spcBef>
-              <a:spcPct val="0"/>
-            </a:spcBef>
-            <a:spcAft>
-              <a:spcPct val="35000"/>
-            </a:spcAft>
-          </a:pPr>
-          <a:r>
-            <a:rPr lang="en-US" sz="2900" kern="1200" dirty="0" smtClean="0">
-              <a:latin typeface="Calibri" pitchFamily="34" charset="0"/>
-            </a:rPr>
-            <a:t>Project Management</a:t>
-          </a:r>
-          <a:endParaRPr lang="en-US" sz="2900" kern="1200" dirty="0"/>
-        </a:p>
-      </dsp:txBody>
-      <dsp:txXfrm>
-        <a:off x="0" y="1984"/>
-        <a:ext cx="2438400" cy="4060031"/>
-      </dsp:txXfrm>
-    </dsp:sp>
   </dsp:spTree>
 </dsp:drawing>
 </file>
@@ -17945,7 +17100,15 @@
                       </a:r>
                       <a:r>
                         <a:rPr lang="en-US" baseline="0" dirty="0" smtClean="0"/>
-                        <a:t> briefing on required items</a:t>
+                        <a:t> briefing </a:t>
+                      </a:r>
+                      <a:r>
+                        <a:rPr lang="en-US" baseline="0" dirty="0" smtClean="0"/>
+                        <a:t>and demo on </a:t>
+                      </a:r>
+                      <a:r>
+                        <a:rPr lang="en-US" baseline="0" dirty="0" smtClean="0"/>
+                        <a:t>required items</a:t>
                       </a:r>
                       <a:endParaRPr lang="en-US" dirty="0"/>
                     </a:p>
@@ -18117,11 +17280,7 @@
           <a:p>
             <a:r>
               <a:rPr lang="en-US" dirty="0" smtClean="0"/>
-              <a:t>High Level </a:t>
-            </a:r>
-            <a:r>
-              <a:rPr lang="en-US" dirty="0" smtClean="0"/>
-              <a:t>Architecture –Architecture Overview</a:t>
+              <a:t>High Level Architecture –Architecture Overview</a:t>
             </a:r>
             <a:endParaRPr lang="en-US" dirty="0"/>
           </a:p>
@@ -18210,11 +17369,7 @@
           <a:p>
             <a:r>
               <a:rPr lang="en-US" dirty="0" smtClean="0"/>
-              <a:t>High Level </a:t>
-            </a:r>
-            <a:r>
-              <a:rPr lang="en-US" dirty="0" smtClean="0"/>
-              <a:t>Architecture – Overview of Components</a:t>
+              <a:t>High Level Architecture – Overview of Components</a:t>
             </a:r>
             <a:endParaRPr lang="en-US" dirty="0"/>
           </a:p>
@@ -18462,11 +17617,7 @@
           <a:p>
             <a:r>
               <a:rPr lang="en-US" dirty="0" smtClean="0"/>
-              <a:t>High Level </a:t>
-            </a:r>
-            <a:r>
-              <a:rPr lang="en-US" dirty="0" smtClean="0"/>
-              <a:t>Architecture – </a:t>
+              <a:t>High Level Architecture – </a:t>
             </a:r>
             <a:r>
               <a:rPr lang="en-US" smtClean="0"/>

--- a/trunk/docs/W-9 Working Document/W-9.3 Presentation Slides/Phase1/vms_first_presentation_v0.1a.pptx
+++ b/trunk/docs/W-9 Working Document/W-9.3 Presentation Slides/Phase1/vms_first_presentation_v0.1a.pptx
@@ -3649,22 +3649,22 @@
     </dgm:pt>
   </dgm:ptLst>
   <dgm:cxnLst>
-    <dgm:cxn modelId="{D6122ACD-1685-43B1-9C5B-E1326B60B129}" type="presOf" srcId="{EF1F78ED-E9D5-44E4-97D4-B3FEFD902986}" destId="{DD69F0F8-C7C4-4EF4-8C1C-51E0155113CE}" srcOrd="0" destOrd="0" presId="urn:microsoft.com/office/officeart/2005/8/layout/list1"/>
+    <dgm:cxn modelId="{A3C9F58B-A2EE-444B-90C0-FC02C3F66175}" type="presOf" srcId="{885613C5-7A76-4AA0-92F0-EEDD9B446661}" destId="{81666E97-5860-45F1-88A5-99FAA589A582}" srcOrd="0" destOrd="0" presId="urn:microsoft.com/office/officeart/2005/8/layout/list1"/>
+    <dgm:cxn modelId="{26E52850-E159-4B84-9BAE-D590FD1CD455}" type="presOf" srcId="{4209E399-DA0C-42D5-962A-8276C02AA8EC}" destId="{44B548FB-45D5-465C-AA05-763364E65BC9}" srcOrd="1" destOrd="0" presId="urn:microsoft.com/office/officeart/2005/8/layout/list1"/>
     <dgm:cxn modelId="{FFD1B7FF-14F9-4CBB-8E58-FD9C5F7FEADE}" type="presOf" srcId="{68CDD154-F438-49AE-AED8-77DB9EC9D634}" destId="{66C22AF7-7E37-41D2-944C-F904CFD2965B}" srcOrd="1" destOrd="0" presId="urn:microsoft.com/office/officeart/2005/8/layout/list1"/>
-    <dgm:cxn modelId="{9797B96C-17EB-46FB-9167-2BD4C6C8E8B2}" type="presOf" srcId="{BF9A83B9-8111-4B78-8600-312D1688C140}" destId="{8ED20E6A-F08F-4955-95AA-301A4ACB2F6E}" srcOrd="0" destOrd="0" presId="urn:microsoft.com/office/officeart/2005/8/layout/list1"/>
-    <dgm:cxn modelId="{A3C9F58B-A2EE-444B-90C0-FC02C3F66175}" type="presOf" srcId="{885613C5-7A76-4AA0-92F0-EEDD9B446661}" destId="{81666E97-5860-45F1-88A5-99FAA589A582}" srcOrd="0" destOrd="0" presId="urn:microsoft.com/office/officeart/2005/8/layout/list1"/>
-    <dgm:cxn modelId="{F60FB540-C952-4949-8589-E734F5994257}" type="presOf" srcId="{89B52B6D-D82C-42B0-BE38-A3B3D68F9C27}" destId="{0BB3654B-9C6D-4A61-87CC-E802B5686BC1}" srcOrd="0" destOrd="0" presId="urn:microsoft.com/office/officeart/2005/8/layout/list1"/>
-    <dgm:cxn modelId="{CB57BA4F-ABA8-48A9-9D26-B1279D4664BC}" srcId="{EF1F78ED-E9D5-44E4-97D4-B3FEFD902986}" destId="{BF9A83B9-8111-4B78-8600-312D1688C140}" srcOrd="4" destOrd="0" parTransId="{8FA8D553-4648-4D63-9876-6E7449F8F18A}" sibTransId="{9D0571FA-F277-43A1-BCD9-ED2072122346}"/>
-    <dgm:cxn modelId="{26E52850-E159-4B84-9BAE-D590FD1CD455}" type="presOf" srcId="{4209E399-DA0C-42D5-962A-8276C02AA8EC}" destId="{44B548FB-45D5-465C-AA05-763364E65BC9}" srcOrd="1" destOrd="0" presId="urn:microsoft.com/office/officeart/2005/8/layout/list1"/>
-    <dgm:cxn modelId="{C99778AD-4EA2-413E-988E-63DB77468AE8}" srcId="{EF1F78ED-E9D5-44E4-97D4-B3FEFD902986}" destId="{68CDD154-F438-49AE-AED8-77DB9EC9D634}" srcOrd="1" destOrd="0" parTransId="{80147D89-2F73-4A3C-8D2E-F94C278F0084}" sibTransId="{8E8D4616-98CD-450E-B33D-2C9FC2B13B55}"/>
     <dgm:cxn modelId="{60E6AA33-A858-4310-A69D-E844E3184D77}" type="presOf" srcId="{4209E399-DA0C-42D5-962A-8276C02AA8EC}" destId="{C6C87D8D-4034-4397-984C-9BF8EEE0A79B}" srcOrd="0" destOrd="0" presId="urn:microsoft.com/office/officeart/2005/8/layout/list1"/>
     <dgm:cxn modelId="{FDB03FEE-AFCB-4EB7-9D72-88B81A1DCBC1}" srcId="{EF1F78ED-E9D5-44E4-97D4-B3FEFD902986}" destId="{4209E399-DA0C-42D5-962A-8276C02AA8EC}" srcOrd="3" destOrd="0" parTransId="{7ED4465C-CF67-468F-ABD7-F54F46BB659F}" sibTransId="{F7F538C6-58F2-4EB2-9D5A-112410F40135}"/>
+    <dgm:cxn modelId="{C99778AD-4EA2-413E-988E-63DB77468AE8}" srcId="{EF1F78ED-E9D5-44E4-97D4-B3FEFD902986}" destId="{68CDD154-F438-49AE-AED8-77DB9EC9D634}" srcOrd="1" destOrd="0" parTransId="{80147D89-2F73-4A3C-8D2E-F94C278F0084}" sibTransId="{8E8D4616-98CD-450E-B33D-2C9FC2B13B55}"/>
+    <dgm:cxn modelId="{F60FB540-C952-4949-8589-E734F5994257}" type="presOf" srcId="{89B52B6D-D82C-42B0-BE38-A3B3D68F9C27}" destId="{0BB3654B-9C6D-4A61-87CC-E802B5686BC1}" srcOrd="0" destOrd="0" presId="urn:microsoft.com/office/officeart/2005/8/layout/list1"/>
+    <dgm:cxn modelId="{04B3E604-C413-457E-B68C-5144C6DC9915}" srcId="{EF1F78ED-E9D5-44E4-97D4-B3FEFD902986}" destId="{89B52B6D-D82C-42B0-BE38-A3B3D68F9C27}" srcOrd="2" destOrd="0" parTransId="{A5642D67-0660-487A-A1E2-D092914AC2EB}" sibTransId="{86F3C531-528D-49DB-9EB7-8C6D718BDBE9}"/>
     <dgm:cxn modelId="{EAD8F820-CBC1-48D7-A8A9-64A6FBEB2CD0}" type="presOf" srcId="{68CDD154-F438-49AE-AED8-77DB9EC9D634}" destId="{21C03DFF-8234-4BBD-95B9-2622D999B6CC}" srcOrd="0" destOrd="0" presId="urn:microsoft.com/office/officeart/2005/8/layout/list1"/>
-    <dgm:cxn modelId="{04B3E604-C413-457E-B68C-5144C6DC9915}" srcId="{EF1F78ED-E9D5-44E4-97D4-B3FEFD902986}" destId="{89B52B6D-D82C-42B0-BE38-A3B3D68F9C27}" srcOrd="2" destOrd="0" parTransId="{A5642D67-0660-487A-A1E2-D092914AC2EB}" sibTransId="{86F3C531-528D-49DB-9EB7-8C6D718BDBE9}"/>
+    <dgm:cxn modelId="{48EEECB1-3112-4C42-87DF-4BFE0EF38A24}" type="presOf" srcId="{BF9A83B9-8111-4B78-8600-312D1688C140}" destId="{25B48118-6B58-4064-9C50-F7B4852148FC}" srcOrd="1" destOrd="0" presId="urn:microsoft.com/office/officeart/2005/8/layout/list1"/>
     <dgm:cxn modelId="{C9E4C59F-1A71-4E66-84D4-AE84CE96437F}" type="presOf" srcId="{885613C5-7A76-4AA0-92F0-EEDD9B446661}" destId="{E1A9A929-FEE8-4155-9F48-FAC5EE533310}" srcOrd="1" destOrd="0" presId="urn:microsoft.com/office/officeart/2005/8/layout/list1"/>
-    <dgm:cxn modelId="{48EEECB1-3112-4C42-87DF-4BFE0EF38A24}" type="presOf" srcId="{BF9A83B9-8111-4B78-8600-312D1688C140}" destId="{25B48118-6B58-4064-9C50-F7B4852148FC}" srcOrd="1" destOrd="0" presId="urn:microsoft.com/office/officeart/2005/8/layout/list1"/>
+    <dgm:cxn modelId="{8F58D411-B0D3-49B8-8DB2-4EA8C96091D5}" type="presOf" srcId="{89B52B6D-D82C-42B0-BE38-A3B3D68F9C27}" destId="{FB899ED4-0995-40A2-A345-468203D60C81}" srcOrd="1" destOrd="0" presId="urn:microsoft.com/office/officeart/2005/8/layout/list1"/>
+    <dgm:cxn modelId="{D6122ACD-1685-43B1-9C5B-E1326B60B129}" type="presOf" srcId="{EF1F78ED-E9D5-44E4-97D4-B3FEFD902986}" destId="{DD69F0F8-C7C4-4EF4-8C1C-51E0155113CE}" srcOrd="0" destOrd="0" presId="urn:microsoft.com/office/officeart/2005/8/layout/list1"/>
+    <dgm:cxn modelId="{CB57BA4F-ABA8-48A9-9D26-B1279D4664BC}" srcId="{EF1F78ED-E9D5-44E4-97D4-B3FEFD902986}" destId="{BF9A83B9-8111-4B78-8600-312D1688C140}" srcOrd="4" destOrd="0" parTransId="{8FA8D553-4648-4D63-9876-6E7449F8F18A}" sibTransId="{9D0571FA-F277-43A1-BCD9-ED2072122346}"/>
     <dgm:cxn modelId="{41B59570-FE80-4E7F-9E79-0C4F1EE64B49}" srcId="{EF1F78ED-E9D5-44E4-97D4-B3FEFD902986}" destId="{885613C5-7A76-4AA0-92F0-EEDD9B446661}" srcOrd="0" destOrd="0" parTransId="{A964CD41-1FAB-4DC7-BFB1-8EFFD3ADEC73}" sibTransId="{6C21FB75-BC17-41CC-880D-0FB92EFFD8D8}"/>
-    <dgm:cxn modelId="{8F58D411-B0D3-49B8-8DB2-4EA8C96091D5}" type="presOf" srcId="{89B52B6D-D82C-42B0-BE38-A3B3D68F9C27}" destId="{FB899ED4-0995-40A2-A345-468203D60C81}" srcOrd="1" destOrd="0" presId="urn:microsoft.com/office/officeart/2005/8/layout/list1"/>
+    <dgm:cxn modelId="{9797B96C-17EB-46FB-9167-2BD4C6C8E8B2}" type="presOf" srcId="{BF9A83B9-8111-4B78-8600-312D1688C140}" destId="{8ED20E6A-F08F-4955-95AA-301A4ACB2F6E}" srcOrd="0" destOrd="0" presId="urn:microsoft.com/office/officeart/2005/8/layout/list1"/>
     <dgm:cxn modelId="{FE8DE26B-BE19-4828-A822-C5FFD39F086C}" type="presParOf" srcId="{DD69F0F8-C7C4-4EF4-8C1C-51E0155113CE}" destId="{2AC9D863-F73C-450B-9D85-60B005DA622F}" srcOrd="0" destOrd="0" presId="urn:microsoft.com/office/officeart/2005/8/layout/list1"/>
     <dgm:cxn modelId="{D99899A1-5174-4AE1-B68C-888903C0F203}" type="presParOf" srcId="{2AC9D863-F73C-450B-9D85-60B005DA622F}" destId="{81666E97-5860-45F1-88A5-99FAA589A582}" srcOrd="0" destOrd="0" presId="urn:microsoft.com/office/officeart/2005/8/layout/list1"/>
     <dgm:cxn modelId="{8E54FAD1-7DFD-4CAB-B580-2BCDC72E2854}" type="presParOf" srcId="{2AC9D863-F73C-450B-9D85-60B005DA622F}" destId="{E1A9A929-FEE8-4155-9F48-FAC5EE533310}" srcOrd="1" destOrd="0" presId="urn:microsoft.com/office/officeart/2005/8/layout/list1"/>
@@ -3699,7 +3699,7 @@
   <dgm:whole/>
   <dgm:extLst>
     <a:ext uri="http://schemas.microsoft.com/office/drawing/2008/diagram">
-      <dsp:dataModelExt xmlns:dsp="http://schemas.microsoft.com/office/drawing/2008/diagram" relId="rId6" minVer="http://schemas.openxmlformats.org/drawingml/2006/diagram"/>
+      <dsp:dataModelExt xmlns:dsp="http://schemas.microsoft.com/office/drawing/2008/diagram" xmlns="" relId="rId6" minVer="http://schemas.openxmlformats.org/drawingml/2006/diagram"/>
     </a:ext>
   </dgm:extLst>
 </dgm:dataModel>
@@ -3930,17 +3930,17 @@
     </dgm:pt>
   </dgm:ptLst>
   <dgm:cxnLst>
+    <dgm:cxn modelId="{F18AB1FE-0025-496D-BE04-40DF17B8D59D}" type="presOf" srcId="{DC9B3652-DE2A-4335-B0FB-3045EDEEA6A8}" destId="{40A287E9-C42B-4334-9643-572CE6DD897B}" srcOrd="0" destOrd="0" presId="urn:microsoft.com/office/officeart/2005/8/layout/process2"/>
+    <dgm:cxn modelId="{5BC899BC-FAF8-41E4-9EA1-66AA57398186}" type="presOf" srcId="{50A8F3E4-F51A-4E67-BB1C-EFC8155DD776}" destId="{C5BE00BD-745C-43E7-912B-9157D7920E0A}" srcOrd="0" destOrd="0" presId="urn:microsoft.com/office/officeart/2005/8/layout/process2"/>
     <dgm:cxn modelId="{0F92CF51-8E61-460B-8E99-6FCFD7D21AC4}" type="presOf" srcId="{3ED2506A-D607-4A12-8A50-AC72420F3F00}" destId="{715D256F-02F7-4191-B84E-3A4C6CD8FFC5}" srcOrd="0" destOrd="0" presId="urn:microsoft.com/office/officeart/2005/8/layout/process2"/>
+    <dgm:cxn modelId="{BAA27956-6A5E-4829-BFFD-6D60B13C8EAC}" type="presOf" srcId="{0E522B13-F764-4BC6-83A0-CA4F5944C6E0}" destId="{BFBD83CE-AD3D-4B36-AFD4-F505FE96449E}" srcOrd="0" destOrd="0" presId="urn:microsoft.com/office/officeart/2005/8/layout/process2"/>
+    <dgm:cxn modelId="{E8BC3270-1B78-42AA-98F0-9309B2A170EE}" type="presOf" srcId="{8CAA25DF-3B38-443D-A48F-CCAB7142450C}" destId="{4DA5EE49-8168-4D22-9537-7BE4A3708548}" srcOrd="0" destOrd="0" presId="urn:microsoft.com/office/officeart/2005/8/layout/process2"/>
+    <dgm:cxn modelId="{B120A2B9-9B85-406D-954D-6713BD88FF5C}" srcId="{DC9B3652-DE2A-4335-B0FB-3045EDEEA6A8}" destId="{3ED2506A-D607-4A12-8A50-AC72420F3F00}" srcOrd="0" destOrd="0" parTransId="{E8D3A7A7-32F7-4A63-91CB-C04C53F7C046}" sibTransId="{50A8F3E4-F51A-4E67-BB1C-EFC8155DD776}"/>
+    <dgm:cxn modelId="{442EB815-09F3-4564-824E-AF9A49E81176}" srcId="{DC9B3652-DE2A-4335-B0FB-3045EDEEA6A8}" destId="{0E522B13-F764-4BC6-83A0-CA4F5944C6E0}" srcOrd="1" destOrd="0" parTransId="{D0C64C9C-06C7-4696-B64E-72EB6765D37D}" sibTransId="{B7FC2DBC-2209-4B52-A6BB-A5B96B108E97}"/>
+    <dgm:cxn modelId="{B5133DE3-4354-4D03-B7CF-D23477E96DD9}" srcId="{DC9B3652-DE2A-4335-B0FB-3045EDEEA6A8}" destId="{8CAA25DF-3B38-443D-A48F-CCAB7142450C}" srcOrd="2" destOrd="0" parTransId="{4BD1F383-75F3-4570-947F-2F89081482BF}" sibTransId="{186EB40E-0379-4173-8900-E632C05B1B0B}"/>
+    <dgm:cxn modelId="{1E76EC3B-6F04-4B8F-9B08-F745AF155804}" type="presOf" srcId="{B7FC2DBC-2209-4B52-A6BB-A5B96B108E97}" destId="{30F2A522-5361-42FD-BDF3-9AAF9B6E48CD}" srcOrd="0" destOrd="0" presId="urn:microsoft.com/office/officeart/2005/8/layout/process2"/>
     <dgm:cxn modelId="{8181B420-CCBA-47B0-99DB-8B0F75FCFC67}" type="presOf" srcId="{50A8F3E4-F51A-4E67-BB1C-EFC8155DD776}" destId="{5EF98626-1B98-4F0E-B74A-248A9D343D4B}" srcOrd="1" destOrd="0" presId="urn:microsoft.com/office/officeart/2005/8/layout/process2"/>
-    <dgm:cxn modelId="{B5133DE3-4354-4D03-B7CF-D23477E96DD9}" srcId="{DC9B3652-DE2A-4335-B0FB-3045EDEEA6A8}" destId="{8CAA25DF-3B38-443D-A48F-CCAB7142450C}" srcOrd="2" destOrd="0" parTransId="{4BD1F383-75F3-4570-947F-2F89081482BF}" sibTransId="{186EB40E-0379-4173-8900-E632C05B1B0B}"/>
-    <dgm:cxn modelId="{442EB815-09F3-4564-824E-AF9A49E81176}" srcId="{DC9B3652-DE2A-4335-B0FB-3045EDEEA6A8}" destId="{0E522B13-F764-4BC6-83A0-CA4F5944C6E0}" srcOrd="1" destOrd="0" parTransId="{D0C64C9C-06C7-4696-B64E-72EB6765D37D}" sibTransId="{B7FC2DBC-2209-4B52-A6BB-A5B96B108E97}"/>
-    <dgm:cxn modelId="{E8BC3270-1B78-42AA-98F0-9309B2A170EE}" type="presOf" srcId="{8CAA25DF-3B38-443D-A48F-CCAB7142450C}" destId="{4DA5EE49-8168-4D22-9537-7BE4A3708548}" srcOrd="0" destOrd="0" presId="urn:microsoft.com/office/officeart/2005/8/layout/process2"/>
-    <dgm:cxn modelId="{F18AB1FE-0025-496D-BE04-40DF17B8D59D}" type="presOf" srcId="{DC9B3652-DE2A-4335-B0FB-3045EDEEA6A8}" destId="{40A287E9-C42B-4334-9643-572CE6DD897B}" srcOrd="0" destOrd="0" presId="urn:microsoft.com/office/officeart/2005/8/layout/process2"/>
     <dgm:cxn modelId="{801EFD6F-FC26-4BA6-AA03-29FB41AE3CC1}" type="presOf" srcId="{B7FC2DBC-2209-4B52-A6BB-A5B96B108E97}" destId="{D7B61D4E-81AD-4336-8A85-CB458552E574}" srcOrd="1" destOrd="0" presId="urn:microsoft.com/office/officeart/2005/8/layout/process2"/>
-    <dgm:cxn modelId="{1E76EC3B-6F04-4B8F-9B08-F745AF155804}" type="presOf" srcId="{B7FC2DBC-2209-4B52-A6BB-A5B96B108E97}" destId="{30F2A522-5361-42FD-BDF3-9AAF9B6E48CD}" srcOrd="0" destOrd="0" presId="urn:microsoft.com/office/officeart/2005/8/layout/process2"/>
-    <dgm:cxn modelId="{B120A2B9-9B85-406D-954D-6713BD88FF5C}" srcId="{DC9B3652-DE2A-4335-B0FB-3045EDEEA6A8}" destId="{3ED2506A-D607-4A12-8A50-AC72420F3F00}" srcOrd="0" destOrd="0" parTransId="{E8D3A7A7-32F7-4A63-91CB-C04C53F7C046}" sibTransId="{50A8F3E4-F51A-4E67-BB1C-EFC8155DD776}"/>
-    <dgm:cxn modelId="{BAA27956-6A5E-4829-BFFD-6D60B13C8EAC}" type="presOf" srcId="{0E522B13-F764-4BC6-83A0-CA4F5944C6E0}" destId="{BFBD83CE-AD3D-4B36-AFD4-F505FE96449E}" srcOrd="0" destOrd="0" presId="urn:microsoft.com/office/officeart/2005/8/layout/process2"/>
-    <dgm:cxn modelId="{5BC899BC-FAF8-41E4-9EA1-66AA57398186}" type="presOf" srcId="{50A8F3E4-F51A-4E67-BB1C-EFC8155DD776}" destId="{C5BE00BD-745C-43E7-912B-9157D7920E0A}" srcOrd="0" destOrd="0" presId="urn:microsoft.com/office/officeart/2005/8/layout/process2"/>
     <dgm:cxn modelId="{08C7413F-9BBB-42CA-B81C-A9C03F1F5B27}" type="presParOf" srcId="{40A287E9-C42B-4334-9643-572CE6DD897B}" destId="{715D256F-02F7-4191-B84E-3A4C6CD8FFC5}" srcOrd="0" destOrd="0" presId="urn:microsoft.com/office/officeart/2005/8/layout/process2"/>
     <dgm:cxn modelId="{990F8155-4613-4776-AD5A-E5F243E154A7}" type="presParOf" srcId="{40A287E9-C42B-4334-9643-572CE6DD897B}" destId="{C5BE00BD-745C-43E7-912B-9157D7920E0A}" srcOrd="1" destOrd="0" presId="urn:microsoft.com/office/officeart/2005/8/layout/process2"/>
     <dgm:cxn modelId="{543C2B9E-731F-4B2F-B780-7C67A2CFC07B}" type="presParOf" srcId="{C5BE00BD-745C-43E7-912B-9157D7920E0A}" destId="{5EF98626-1B98-4F0E-B74A-248A9D343D4B}" srcOrd="0" destOrd="0" presId="urn:microsoft.com/office/officeart/2005/8/layout/process2"/>
@@ -3953,7 +3953,7 @@
   <dgm:whole/>
   <dgm:extLst>
     <a:ext uri="http://schemas.microsoft.com/office/drawing/2008/diagram">
-      <dsp:dataModelExt xmlns:dsp="http://schemas.microsoft.com/office/drawing/2008/diagram" relId="rId6" minVer="http://schemas.openxmlformats.org/drawingml/2006/diagram"/>
+      <dsp:dataModelExt xmlns:dsp="http://schemas.microsoft.com/office/drawing/2008/diagram" xmlns="" relId="rId6" minVer="http://schemas.openxmlformats.org/drawingml/2006/diagram"/>
     </a:ext>
   </dgm:extLst>
 </dgm:dataModel>
@@ -4182,17 +4182,17 @@
     </dgm:pt>
   </dgm:ptLst>
   <dgm:cxnLst>
+    <dgm:cxn modelId="{FCD099FA-4F06-4275-9DF4-7552D29FA9CB}" type="presOf" srcId="{3ED2506A-D607-4A12-8A50-AC72420F3F00}" destId="{715D256F-02F7-4191-B84E-3A4C6CD8FFC5}" srcOrd="0" destOrd="0" presId="urn:microsoft.com/office/officeart/2005/8/layout/process2"/>
+    <dgm:cxn modelId="{1417121F-BF3C-49F7-91CD-28895F1A9C54}" type="presOf" srcId="{50A8F3E4-F51A-4E67-BB1C-EFC8155DD776}" destId="{5EF98626-1B98-4F0E-B74A-248A9D343D4B}" srcOrd="1" destOrd="0" presId="urn:microsoft.com/office/officeart/2005/8/layout/process2"/>
+    <dgm:cxn modelId="{6811263B-3ADE-4806-BEED-B5669D3BD03F}" type="presOf" srcId="{50A8F3E4-F51A-4E67-BB1C-EFC8155DD776}" destId="{C5BE00BD-745C-43E7-912B-9157D7920E0A}" srcOrd="0" destOrd="0" presId="urn:microsoft.com/office/officeart/2005/8/layout/process2"/>
+    <dgm:cxn modelId="{3A49BE87-DDE8-4117-90E1-4D1F43716916}" type="presOf" srcId="{B7FC2DBC-2209-4B52-A6BB-A5B96B108E97}" destId="{30F2A522-5361-42FD-BDF3-9AAF9B6E48CD}" srcOrd="0" destOrd="0" presId="urn:microsoft.com/office/officeart/2005/8/layout/process2"/>
+    <dgm:cxn modelId="{3674EAE9-5C2E-4F0D-9BE7-5234E85DC312}" type="presOf" srcId="{8CAA25DF-3B38-443D-A48F-CCAB7142450C}" destId="{4DA5EE49-8168-4D22-9537-7BE4A3708548}" srcOrd="0" destOrd="0" presId="urn:microsoft.com/office/officeart/2005/8/layout/process2"/>
     <dgm:cxn modelId="{B120A2B9-9B85-406D-954D-6713BD88FF5C}" srcId="{DC9B3652-DE2A-4335-B0FB-3045EDEEA6A8}" destId="{3ED2506A-D607-4A12-8A50-AC72420F3F00}" srcOrd="0" destOrd="0" parTransId="{E8D3A7A7-32F7-4A63-91CB-C04C53F7C046}" sibTransId="{50A8F3E4-F51A-4E67-BB1C-EFC8155DD776}"/>
-    <dgm:cxn modelId="{FCD099FA-4F06-4275-9DF4-7552D29FA9CB}" type="presOf" srcId="{3ED2506A-D607-4A12-8A50-AC72420F3F00}" destId="{715D256F-02F7-4191-B84E-3A4C6CD8FFC5}" srcOrd="0" destOrd="0" presId="urn:microsoft.com/office/officeart/2005/8/layout/process2"/>
+    <dgm:cxn modelId="{1F632DDF-2108-42D1-8F30-E4933BE2547B}" type="presOf" srcId="{DC9B3652-DE2A-4335-B0FB-3045EDEEA6A8}" destId="{40A287E9-C42B-4334-9643-572CE6DD897B}" srcOrd="0" destOrd="0" presId="urn:microsoft.com/office/officeart/2005/8/layout/process2"/>
+    <dgm:cxn modelId="{442EB815-09F3-4564-824E-AF9A49E81176}" srcId="{DC9B3652-DE2A-4335-B0FB-3045EDEEA6A8}" destId="{0E522B13-F764-4BC6-83A0-CA4F5944C6E0}" srcOrd="1" destOrd="0" parTransId="{D0C64C9C-06C7-4696-B64E-72EB6765D37D}" sibTransId="{B7FC2DBC-2209-4B52-A6BB-A5B96B108E97}"/>
     <dgm:cxn modelId="{B5133DE3-4354-4D03-B7CF-D23477E96DD9}" srcId="{DC9B3652-DE2A-4335-B0FB-3045EDEEA6A8}" destId="{8CAA25DF-3B38-443D-A48F-CCAB7142450C}" srcOrd="2" destOrd="0" parTransId="{4BD1F383-75F3-4570-947F-2F89081482BF}" sibTransId="{186EB40E-0379-4173-8900-E632C05B1B0B}"/>
-    <dgm:cxn modelId="{442EB815-09F3-4564-824E-AF9A49E81176}" srcId="{DC9B3652-DE2A-4335-B0FB-3045EDEEA6A8}" destId="{0E522B13-F764-4BC6-83A0-CA4F5944C6E0}" srcOrd="1" destOrd="0" parTransId="{D0C64C9C-06C7-4696-B64E-72EB6765D37D}" sibTransId="{B7FC2DBC-2209-4B52-A6BB-A5B96B108E97}"/>
-    <dgm:cxn modelId="{1417121F-BF3C-49F7-91CD-28895F1A9C54}" type="presOf" srcId="{50A8F3E4-F51A-4E67-BB1C-EFC8155DD776}" destId="{5EF98626-1B98-4F0E-B74A-248A9D343D4B}" srcOrd="1" destOrd="0" presId="urn:microsoft.com/office/officeart/2005/8/layout/process2"/>
     <dgm:cxn modelId="{AEECC6F0-8467-4F89-8B15-DD935CF58F61}" type="presOf" srcId="{B7FC2DBC-2209-4B52-A6BB-A5B96B108E97}" destId="{D7B61D4E-81AD-4336-8A85-CB458552E574}" srcOrd="1" destOrd="0" presId="urn:microsoft.com/office/officeart/2005/8/layout/process2"/>
     <dgm:cxn modelId="{C028BE47-A9CE-4C17-A602-3B095B3FB67D}" type="presOf" srcId="{0E522B13-F764-4BC6-83A0-CA4F5944C6E0}" destId="{BFBD83CE-AD3D-4B36-AFD4-F505FE96449E}" srcOrd="0" destOrd="0" presId="urn:microsoft.com/office/officeart/2005/8/layout/process2"/>
-    <dgm:cxn modelId="{1F632DDF-2108-42D1-8F30-E4933BE2547B}" type="presOf" srcId="{DC9B3652-DE2A-4335-B0FB-3045EDEEA6A8}" destId="{40A287E9-C42B-4334-9643-572CE6DD897B}" srcOrd="0" destOrd="0" presId="urn:microsoft.com/office/officeart/2005/8/layout/process2"/>
-    <dgm:cxn modelId="{3A49BE87-DDE8-4117-90E1-4D1F43716916}" type="presOf" srcId="{B7FC2DBC-2209-4B52-A6BB-A5B96B108E97}" destId="{30F2A522-5361-42FD-BDF3-9AAF9B6E48CD}" srcOrd="0" destOrd="0" presId="urn:microsoft.com/office/officeart/2005/8/layout/process2"/>
-    <dgm:cxn modelId="{6811263B-3ADE-4806-BEED-B5669D3BD03F}" type="presOf" srcId="{50A8F3E4-F51A-4E67-BB1C-EFC8155DD776}" destId="{C5BE00BD-745C-43E7-912B-9157D7920E0A}" srcOrd="0" destOrd="0" presId="urn:microsoft.com/office/officeart/2005/8/layout/process2"/>
-    <dgm:cxn modelId="{3674EAE9-5C2E-4F0D-9BE7-5234E85DC312}" type="presOf" srcId="{8CAA25DF-3B38-443D-A48F-CCAB7142450C}" destId="{4DA5EE49-8168-4D22-9537-7BE4A3708548}" srcOrd="0" destOrd="0" presId="urn:microsoft.com/office/officeart/2005/8/layout/process2"/>
     <dgm:cxn modelId="{122CEEBD-C34A-4231-B9CB-A3E1F536048E}" type="presParOf" srcId="{40A287E9-C42B-4334-9643-572CE6DD897B}" destId="{715D256F-02F7-4191-B84E-3A4C6CD8FFC5}" srcOrd="0" destOrd="0" presId="urn:microsoft.com/office/officeart/2005/8/layout/process2"/>
     <dgm:cxn modelId="{F5362749-61C6-45FF-A9EB-47247277E8DC}" type="presParOf" srcId="{40A287E9-C42B-4334-9643-572CE6DD897B}" destId="{C5BE00BD-745C-43E7-912B-9157D7920E0A}" srcOrd="1" destOrd="0" presId="urn:microsoft.com/office/officeart/2005/8/layout/process2"/>
     <dgm:cxn modelId="{3890D6AB-0335-43DB-970C-C41282978FDA}" type="presParOf" srcId="{C5BE00BD-745C-43E7-912B-9157D7920E0A}" destId="{5EF98626-1B98-4F0E-B74A-248A9D343D4B}" srcOrd="0" destOrd="0" presId="urn:microsoft.com/office/officeart/2005/8/layout/process2"/>
@@ -4205,7 +4205,7 @@
   <dgm:whole/>
   <dgm:extLst>
     <a:ext uri="http://schemas.microsoft.com/office/drawing/2008/diagram">
-      <dsp:dataModelExt xmlns:dsp="http://schemas.microsoft.com/office/drawing/2008/diagram" relId="rId11" minVer="http://schemas.openxmlformats.org/drawingml/2006/diagram"/>
+      <dsp:dataModelExt xmlns:dsp="http://schemas.microsoft.com/office/drawing/2008/diagram" xmlns="" relId="rId11" minVer="http://schemas.openxmlformats.org/drawingml/2006/diagram"/>
     </a:ext>
   </dgm:extLst>
 </dgm:dataModel>
@@ -4291,14 +4291,14 @@
   <dgm:whole/>
   <dgm:extLst>
     <a:ext uri="http://schemas.microsoft.com/office/drawing/2008/diagram">
-      <dsp:dataModelExt xmlns:dsp="http://schemas.microsoft.com/office/drawing/2008/diagram" relId="rId16" minVer="http://schemas.openxmlformats.org/drawingml/2006/diagram"/>
+      <dsp:dataModelExt xmlns:dsp="http://schemas.microsoft.com/office/drawing/2008/diagram" xmlns="" relId="rId16" minVer="http://schemas.openxmlformats.org/drawingml/2006/diagram"/>
     </a:ext>
   </dgm:extLst>
 </dgm:dataModel>
 </file>
 
 <file path=ppt/diagrams/drawing1.xml><?xml version="1.0" encoding="utf-8"?>
-<dsp:drawing xmlns:dgm="http://schemas.openxmlformats.org/drawingml/2006/diagram" xmlns:dsp="http://schemas.microsoft.com/office/drawing/2008/diagram" xmlns:a="http://schemas.openxmlformats.org/drawingml/2006/main">
+<dsp:drawing xmlns:dgm="http://schemas.openxmlformats.org/drawingml/2006/diagram" xmlns:a="http://schemas.openxmlformats.org/drawingml/2006/main" xmlns:dsp="http://schemas.microsoft.com/office/drawing/2008/diagram">
   <dsp:spTree>
     <dsp:nvGrpSpPr>
       <dsp:cNvPr id="0" name=""/>
@@ -4426,8 +4426,8 @@
         </a:p>
       </dsp:txBody>
       <dsp:txXfrm>
-        <a:off x="396950" y="129911"/>
-        <a:ext cx="5119220" cy="506120"/>
+        <a:off x="369570" y="102531"/>
+        <a:ext cx="5173980" cy="560880"/>
       </dsp:txXfrm>
     </dsp:sp>
     <dsp:sp modelId="{F6B0ED51-C4BD-4727-BD27-53060818C439}">
@@ -4551,8 +4551,8 @@
         </a:p>
       </dsp:txBody>
       <dsp:txXfrm>
-        <a:off x="396950" y="991751"/>
-        <a:ext cx="5119220" cy="506120"/>
+        <a:off x="369570" y="964371"/>
+        <a:ext cx="5173980" cy="560880"/>
       </dsp:txXfrm>
     </dsp:sp>
     <dsp:sp modelId="{6F1F44CC-2CF6-4D1F-9380-EB8B891F3B87}">
@@ -4676,8 +4676,8 @@
         </a:p>
       </dsp:txBody>
       <dsp:txXfrm>
-        <a:off x="396950" y="1853591"/>
-        <a:ext cx="5119220" cy="506120"/>
+        <a:off x="369570" y="1826211"/>
+        <a:ext cx="5173980" cy="560880"/>
       </dsp:txXfrm>
     </dsp:sp>
     <dsp:sp modelId="{1B040495-5579-4301-BCA9-162DC725BE9B}">
@@ -4801,8 +4801,8 @@
         </a:p>
       </dsp:txBody>
       <dsp:txXfrm>
-        <a:off x="396950" y="2715431"/>
-        <a:ext cx="5119220" cy="506120"/>
+        <a:off x="369570" y="2688051"/>
+        <a:ext cx="5173980" cy="560880"/>
       </dsp:txXfrm>
     </dsp:sp>
     <dsp:sp modelId="{40AFF034-79FB-446D-A396-A1D78C5E83DA}">
@@ -4926,8 +4926,8 @@
         </a:p>
       </dsp:txBody>
       <dsp:txXfrm>
-        <a:off x="396950" y="3577271"/>
-        <a:ext cx="5119220" cy="506120"/>
+        <a:off x="369570" y="3549891"/>
+        <a:ext cx="5173980" cy="560880"/>
       </dsp:txXfrm>
     </dsp:sp>
   </dsp:spTree>
@@ -4935,882 +4935,37 @@
 </file>
 
 <file path=ppt/diagrams/drawing2.xml><?xml version="1.0" encoding="utf-8"?>
-<dsp:drawing xmlns:dgm="http://schemas.openxmlformats.org/drawingml/2006/diagram" xmlns:dsp="http://schemas.microsoft.com/office/drawing/2008/diagram" xmlns:a="http://schemas.openxmlformats.org/drawingml/2006/main">
+<dsp:drawing xmlns:dgm="http://schemas.openxmlformats.org/drawingml/2006/diagram" xmlns:a="http://schemas.openxmlformats.org/drawingml/2006/main" xmlns:dsp="http://schemas.microsoft.com/office/drawing/2008/diagram">
   <dsp:spTree>
     <dsp:nvGrpSpPr>
       <dsp:cNvPr id="0" name=""/>
       <dsp:cNvGrpSpPr/>
     </dsp:nvGrpSpPr>
     <dsp:grpSpPr/>
-    <dsp:sp modelId="{715D256F-02F7-4191-B84E-3A4C6CD8FFC5}">
-      <dsp:nvSpPr>
-        <dsp:cNvPr id="0" name=""/>
-        <dsp:cNvSpPr/>
-      </dsp:nvSpPr>
-      <dsp:spPr>
-        <a:xfrm>
-          <a:off x="228600" y="0"/>
-          <a:ext cx="1828800" cy="1016000"/>
-        </a:xfrm>
-        <a:prstGeom prst="roundRect">
-          <a:avLst>
-            <a:gd name="adj" fmla="val 10000"/>
-          </a:avLst>
-        </a:prstGeom>
-        <a:solidFill>
-          <a:schemeClr val="accent1">
-            <a:hueOff val="0"/>
-            <a:satOff val="0"/>
-            <a:lumOff val="0"/>
-            <a:alphaOff val="0"/>
-          </a:schemeClr>
-        </a:solidFill>
-        <a:ln w="25400" cap="flat" cmpd="sng" algn="ctr">
-          <a:solidFill>
-            <a:schemeClr val="lt1">
-              <a:hueOff val="0"/>
-              <a:satOff val="0"/>
-              <a:lumOff val="0"/>
-              <a:alphaOff val="0"/>
-            </a:schemeClr>
-          </a:solidFill>
-          <a:prstDash val="solid"/>
-        </a:ln>
-        <a:effectLst/>
-      </dsp:spPr>
-      <dsp:style>
-        <a:lnRef idx="2">
-          <a:scrgbClr r="0" g="0" b="0"/>
-        </a:lnRef>
-        <a:fillRef idx="1">
-          <a:scrgbClr r="0" g="0" b="0"/>
-        </a:fillRef>
-        <a:effectRef idx="0">
-          <a:scrgbClr r="0" g="0" b="0"/>
-        </a:effectRef>
-        <a:fontRef idx="minor">
-          <a:schemeClr val="lt1"/>
-        </a:fontRef>
-      </dsp:style>
-      <dsp:txBody>
-        <a:bodyPr spcFirstLastPara="0" vert="horz" wrap="square" lIns="76200" tIns="76200" rIns="76200" bIns="76200" numCol="1" spcCol="1270" anchor="ctr" anchorCtr="0">
-          <a:noAutofit/>
-        </a:bodyPr>
-        <a:lstStyle/>
-        <a:p>
-          <a:pPr lvl="0" algn="ctr" defTabSz="889000">
-            <a:lnSpc>
-              <a:spcPct val="90000"/>
-            </a:lnSpc>
-            <a:spcBef>
-              <a:spcPct val="0"/>
-            </a:spcBef>
-            <a:spcAft>
-              <a:spcPct val="35000"/>
-            </a:spcAft>
-          </a:pPr>
-          <a:r>
-            <a:rPr lang="en-US" sz="2000" kern="1200" dirty="0" smtClean="0"/>
-            <a:t>Prototyping</a:t>
-          </a:r>
-          <a:endParaRPr lang="en-US" sz="2000" kern="1200" dirty="0"/>
-        </a:p>
-      </dsp:txBody>
-      <dsp:txXfrm>
-        <a:off x="258358" y="29758"/>
-        <a:ext cx="1769284" cy="956484"/>
-      </dsp:txXfrm>
-    </dsp:sp>
-    <dsp:sp modelId="{C5BE00BD-745C-43E7-912B-9157D7920E0A}">
-      <dsp:nvSpPr>
-        <dsp:cNvPr id="0" name=""/>
-        <dsp:cNvSpPr/>
-      </dsp:nvSpPr>
-      <dsp:spPr>
-        <a:xfrm rot="5400000">
-          <a:off x="952500" y="1041399"/>
-          <a:ext cx="380999" cy="457200"/>
-        </a:xfrm>
-        <a:prstGeom prst="rightArrow">
-          <a:avLst>
-            <a:gd name="adj1" fmla="val 60000"/>
-            <a:gd name="adj2" fmla="val 50000"/>
-          </a:avLst>
-        </a:prstGeom>
-        <a:solidFill>
-          <a:schemeClr val="accent1">
-            <a:tint val="60000"/>
-            <a:hueOff val="0"/>
-            <a:satOff val="0"/>
-            <a:lumOff val="0"/>
-            <a:alphaOff val="0"/>
-          </a:schemeClr>
-        </a:solidFill>
-        <a:ln>
-          <a:noFill/>
-        </a:ln>
-        <a:effectLst/>
-      </dsp:spPr>
-      <dsp:style>
-        <a:lnRef idx="0">
-          <a:scrgbClr r="0" g="0" b="0"/>
-        </a:lnRef>
-        <a:fillRef idx="1">
-          <a:scrgbClr r="0" g="0" b="0"/>
-        </a:fillRef>
-        <a:effectRef idx="0">
-          <a:scrgbClr r="0" g="0" b="0"/>
-        </a:effectRef>
-        <a:fontRef idx="minor">
-          <a:schemeClr val="lt1"/>
-        </a:fontRef>
-      </dsp:style>
-      <dsp:txBody>
-        <a:bodyPr spcFirstLastPara="0" vert="horz" wrap="square" lIns="0" tIns="0" rIns="0" bIns="0" numCol="1" spcCol="1270" anchor="ctr" anchorCtr="0">
-          <a:noAutofit/>
-        </a:bodyPr>
-        <a:lstStyle/>
-        <a:p>
-          <a:pPr lvl="0" algn="ctr" defTabSz="711200">
-            <a:lnSpc>
-              <a:spcPct val="90000"/>
-            </a:lnSpc>
-            <a:spcBef>
-              <a:spcPct val="0"/>
-            </a:spcBef>
-            <a:spcAft>
-              <a:spcPct val="35000"/>
-            </a:spcAft>
-          </a:pPr>
-          <a:endParaRPr lang="en-US" sz="1600" kern="1200"/>
-        </a:p>
-      </dsp:txBody>
-      <dsp:txXfrm rot="-5400000">
-        <a:off x="1005840" y="1079499"/>
-        <a:ext cx="274320" cy="266699"/>
-      </dsp:txXfrm>
-    </dsp:sp>
-    <dsp:sp modelId="{BFBD83CE-AD3D-4B36-AFD4-F505FE96449E}">
-      <dsp:nvSpPr>
-        <dsp:cNvPr id="0" name=""/>
-        <dsp:cNvSpPr/>
-      </dsp:nvSpPr>
-      <dsp:spPr>
-        <a:xfrm>
-          <a:off x="228600" y="1523999"/>
-          <a:ext cx="1828800" cy="1016000"/>
-        </a:xfrm>
-        <a:prstGeom prst="roundRect">
-          <a:avLst>
-            <a:gd name="adj" fmla="val 10000"/>
-          </a:avLst>
-        </a:prstGeom>
-        <a:solidFill>
-          <a:schemeClr val="accent1">
-            <a:hueOff val="0"/>
-            <a:satOff val="0"/>
-            <a:lumOff val="0"/>
-            <a:alphaOff val="0"/>
-          </a:schemeClr>
-        </a:solidFill>
-        <a:ln w="25400" cap="flat" cmpd="sng" algn="ctr">
-          <a:solidFill>
-            <a:schemeClr val="lt1">
-              <a:hueOff val="0"/>
-              <a:satOff val="0"/>
-              <a:lumOff val="0"/>
-              <a:alphaOff val="0"/>
-            </a:schemeClr>
-          </a:solidFill>
-          <a:prstDash val="solid"/>
-        </a:ln>
-        <a:effectLst/>
-      </dsp:spPr>
-      <dsp:style>
-        <a:lnRef idx="2">
-          <a:scrgbClr r="0" g="0" b="0"/>
-        </a:lnRef>
-        <a:fillRef idx="1">
-          <a:scrgbClr r="0" g="0" b="0"/>
-        </a:fillRef>
-        <a:effectRef idx="0">
-          <a:scrgbClr r="0" g="0" b="0"/>
-        </a:effectRef>
-        <a:fontRef idx="minor">
-          <a:schemeClr val="lt1"/>
-        </a:fontRef>
-      </dsp:style>
-      <dsp:txBody>
-        <a:bodyPr spcFirstLastPara="0" vert="horz" wrap="square" lIns="76200" tIns="76200" rIns="76200" bIns="76200" numCol="1" spcCol="1270" anchor="ctr" anchorCtr="0">
-          <a:noAutofit/>
-        </a:bodyPr>
-        <a:lstStyle/>
-        <a:p>
-          <a:pPr lvl="0" algn="ctr" defTabSz="889000">
-            <a:lnSpc>
-              <a:spcPct val="90000"/>
-            </a:lnSpc>
-            <a:spcBef>
-              <a:spcPct val="0"/>
-            </a:spcBef>
-            <a:spcAft>
-              <a:spcPct val="35000"/>
-            </a:spcAft>
-          </a:pPr>
-          <a:r>
-            <a:rPr lang="en-US" sz="2000" kern="1200" dirty="0" smtClean="0"/>
-            <a:t>Use Case Modeling</a:t>
-          </a:r>
-          <a:endParaRPr lang="en-US" sz="2000" kern="1200" dirty="0"/>
-        </a:p>
-      </dsp:txBody>
-      <dsp:txXfrm>
-        <a:off x="258358" y="1553757"/>
-        <a:ext cx="1769284" cy="956484"/>
-      </dsp:txXfrm>
-    </dsp:sp>
-    <dsp:sp modelId="{30F2A522-5361-42FD-BDF3-9AAF9B6E48CD}">
-      <dsp:nvSpPr>
-        <dsp:cNvPr id="0" name=""/>
-        <dsp:cNvSpPr/>
-      </dsp:nvSpPr>
-      <dsp:spPr>
-        <a:xfrm rot="5400000">
-          <a:off x="952500" y="2565399"/>
-          <a:ext cx="381000" cy="457200"/>
-        </a:xfrm>
-        <a:prstGeom prst="rightArrow">
-          <a:avLst>
-            <a:gd name="adj1" fmla="val 60000"/>
-            <a:gd name="adj2" fmla="val 50000"/>
-          </a:avLst>
-        </a:prstGeom>
-        <a:solidFill>
-          <a:schemeClr val="accent1">
-            <a:tint val="60000"/>
-            <a:hueOff val="0"/>
-            <a:satOff val="0"/>
-            <a:lumOff val="0"/>
-            <a:alphaOff val="0"/>
-          </a:schemeClr>
-        </a:solidFill>
-        <a:ln>
-          <a:noFill/>
-        </a:ln>
-        <a:effectLst/>
-      </dsp:spPr>
-      <dsp:style>
-        <a:lnRef idx="0">
-          <a:scrgbClr r="0" g="0" b="0"/>
-        </a:lnRef>
-        <a:fillRef idx="1">
-          <a:scrgbClr r="0" g="0" b="0"/>
-        </a:fillRef>
-        <a:effectRef idx="0">
-          <a:scrgbClr r="0" g="0" b="0"/>
-        </a:effectRef>
-        <a:fontRef idx="minor">
-          <a:schemeClr val="lt1"/>
-        </a:fontRef>
-      </dsp:style>
-      <dsp:txBody>
-        <a:bodyPr spcFirstLastPara="0" vert="horz" wrap="square" lIns="0" tIns="0" rIns="0" bIns="0" numCol="1" spcCol="1270" anchor="ctr" anchorCtr="0">
-          <a:noAutofit/>
-        </a:bodyPr>
-        <a:lstStyle/>
-        <a:p>
-          <a:pPr lvl="0" algn="ctr" defTabSz="711200">
-            <a:lnSpc>
-              <a:spcPct val="90000"/>
-            </a:lnSpc>
-            <a:spcBef>
-              <a:spcPct val="0"/>
-            </a:spcBef>
-            <a:spcAft>
-              <a:spcPct val="35000"/>
-            </a:spcAft>
-          </a:pPr>
-          <a:endParaRPr lang="en-US" sz="1600" kern="1200"/>
-        </a:p>
-      </dsp:txBody>
-      <dsp:txXfrm rot="-5400000">
-        <a:off x="1005840" y="2603499"/>
-        <a:ext cx="274320" cy="266700"/>
-      </dsp:txXfrm>
-    </dsp:sp>
-    <dsp:sp modelId="{4DA5EE49-8168-4D22-9537-7BE4A3708548}">
-      <dsp:nvSpPr>
-        <dsp:cNvPr id="0" name=""/>
-        <dsp:cNvSpPr/>
-      </dsp:nvSpPr>
-      <dsp:spPr>
-        <a:xfrm>
-          <a:off x="228600" y="3047999"/>
-          <a:ext cx="1828800" cy="1016000"/>
-        </a:xfrm>
-        <a:prstGeom prst="roundRect">
-          <a:avLst>
-            <a:gd name="adj" fmla="val 10000"/>
-          </a:avLst>
-        </a:prstGeom>
-        <a:solidFill>
-          <a:schemeClr val="accent1">
-            <a:hueOff val="0"/>
-            <a:satOff val="0"/>
-            <a:lumOff val="0"/>
-            <a:alphaOff val="0"/>
-          </a:schemeClr>
-        </a:solidFill>
-        <a:ln w="25400" cap="flat" cmpd="sng" algn="ctr">
-          <a:solidFill>
-            <a:schemeClr val="lt1">
-              <a:hueOff val="0"/>
-              <a:satOff val="0"/>
-              <a:lumOff val="0"/>
-              <a:alphaOff val="0"/>
-            </a:schemeClr>
-          </a:solidFill>
-          <a:prstDash val="solid"/>
-        </a:ln>
-        <a:effectLst/>
-      </dsp:spPr>
-      <dsp:style>
-        <a:lnRef idx="2">
-          <a:scrgbClr r="0" g="0" b="0"/>
-        </a:lnRef>
-        <a:fillRef idx="1">
-          <a:scrgbClr r="0" g="0" b="0"/>
-        </a:fillRef>
-        <a:effectRef idx="0">
-          <a:scrgbClr r="0" g="0" b="0"/>
-        </a:effectRef>
-        <a:fontRef idx="minor">
-          <a:schemeClr val="lt1"/>
-        </a:fontRef>
-      </dsp:style>
-      <dsp:txBody>
-        <a:bodyPr spcFirstLastPara="0" vert="horz" wrap="square" lIns="76200" tIns="76200" rIns="76200" bIns="76200" numCol="1" spcCol="1270" anchor="ctr" anchorCtr="0">
-          <a:noAutofit/>
-        </a:bodyPr>
-        <a:lstStyle/>
-        <a:p>
-          <a:pPr lvl="0" algn="ctr" defTabSz="889000">
-            <a:lnSpc>
-              <a:spcPct val="90000"/>
-            </a:lnSpc>
-            <a:spcBef>
-              <a:spcPct val="0"/>
-            </a:spcBef>
-            <a:spcAft>
-              <a:spcPct val="35000"/>
-            </a:spcAft>
-          </a:pPr>
-          <a:r>
-            <a:rPr lang="en-US" sz="2000" kern="1200" dirty="0" smtClean="0"/>
-            <a:t>Use Case </a:t>
-          </a:r>
-          <a:r>
-            <a:rPr lang="en-US" sz="2000" kern="1200" dirty="0" err="1" smtClean="0"/>
-            <a:t>Realisation</a:t>
-          </a:r>
-          <a:r>
-            <a:rPr lang="en-US" sz="2000" kern="1200" dirty="0" smtClean="0"/>
-            <a:t> Report</a:t>
-          </a:r>
-          <a:endParaRPr lang="en-US" sz="2000" kern="1200" dirty="0"/>
-        </a:p>
-      </dsp:txBody>
-      <dsp:txXfrm>
-        <a:off x="258358" y="3077757"/>
-        <a:ext cx="1769284" cy="956484"/>
-      </dsp:txXfrm>
-    </dsp:sp>
   </dsp:spTree>
 </dsp:drawing>
 </file>
 
 <file path=ppt/diagrams/drawing3.xml><?xml version="1.0" encoding="utf-8"?>
-<dsp:drawing xmlns:dgm="http://schemas.openxmlformats.org/drawingml/2006/diagram" xmlns:dsp="http://schemas.microsoft.com/office/drawing/2008/diagram" xmlns:a="http://schemas.openxmlformats.org/drawingml/2006/main">
+<dsp:drawing xmlns:dgm="http://schemas.openxmlformats.org/drawingml/2006/diagram" xmlns:a="http://schemas.openxmlformats.org/drawingml/2006/main" xmlns:dsp="http://schemas.microsoft.com/office/drawing/2008/diagram">
   <dsp:spTree>
     <dsp:nvGrpSpPr>
       <dsp:cNvPr id="0" name=""/>
       <dsp:cNvGrpSpPr/>
     </dsp:nvGrpSpPr>
     <dsp:grpSpPr/>
-    <dsp:sp modelId="{715D256F-02F7-4191-B84E-3A4C6CD8FFC5}">
-      <dsp:nvSpPr>
-        <dsp:cNvPr id="0" name=""/>
-        <dsp:cNvSpPr/>
-      </dsp:nvSpPr>
-      <dsp:spPr>
-        <a:xfrm>
-          <a:off x="307974" y="0"/>
-          <a:ext cx="1898649" cy="1016000"/>
-        </a:xfrm>
-        <a:prstGeom prst="roundRect">
-          <a:avLst>
-            <a:gd name="adj" fmla="val 10000"/>
-          </a:avLst>
-        </a:prstGeom>
-        <a:solidFill>
-          <a:schemeClr val="accent1">
-            <a:hueOff val="0"/>
-            <a:satOff val="0"/>
-            <a:lumOff val="0"/>
-            <a:alphaOff val="0"/>
-          </a:schemeClr>
-        </a:solidFill>
-        <a:ln w="25400" cap="flat" cmpd="sng" algn="ctr">
-          <a:solidFill>
-            <a:schemeClr val="lt1">
-              <a:hueOff val="0"/>
-              <a:satOff val="0"/>
-              <a:lumOff val="0"/>
-              <a:alphaOff val="0"/>
-            </a:schemeClr>
-          </a:solidFill>
-          <a:prstDash val="solid"/>
-        </a:ln>
-        <a:effectLst/>
-      </dsp:spPr>
-      <dsp:style>
-        <a:lnRef idx="2">
-          <a:scrgbClr r="0" g="0" b="0"/>
-        </a:lnRef>
-        <a:fillRef idx="1">
-          <a:scrgbClr r="0" g="0" b="0"/>
-        </a:fillRef>
-        <a:effectRef idx="0">
-          <a:scrgbClr r="0" g="0" b="0"/>
-        </a:effectRef>
-        <a:fontRef idx="minor">
-          <a:schemeClr val="lt1"/>
-        </a:fontRef>
-      </dsp:style>
-      <dsp:txBody>
-        <a:bodyPr spcFirstLastPara="0" vert="horz" wrap="square" lIns="68580" tIns="68580" rIns="68580" bIns="68580" numCol="1" spcCol="1270" anchor="ctr" anchorCtr="0">
-          <a:noAutofit/>
-        </a:bodyPr>
-        <a:lstStyle/>
-        <a:p>
-          <a:pPr lvl="0" algn="ctr" defTabSz="800100">
-            <a:lnSpc>
-              <a:spcPct val="90000"/>
-            </a:lnSpc>
-            <a:spcBef>
-              <a:spcPct val="0"/>
-            </a:spcBef>
-            <a:spcAft>
-              <a:spcPct val="35000"/>
-            </a:spcAft>
-          </a:pPr>
-          <a:r>
-            <a:rPr lang="en-US" sz="1800" kern="1200" dirty="0" smtClean="0">
-              <a:latin typeface="Calibri" pitchFamily="34" charset="0"/>
-            </a:rPr>
-            <a:t>High-level System Design</a:t>
-          </a:r>
-          <a:endParaRPr lang="en-US" sz="1800" kern="1200" dirty="0"/>
-        </a:p>
-      </dsp:txBody>
-      <dsp:txXfrm>
-        <a:off x="337732" y="29758"/>
-        <a:ext cx="1839133" cy="956484"/>
-      </dsp:txXfrm>
-    </dsp:sp>
-    <dsp:sp modelId="{C5BE00BD-745C-43E7-912B-9157D7920E0A}">
-      <dsp:nvSpPr>
-        <dsp:cNvPr id="0" name=""/>
-        <dsp:cNvSpPr/>
-      </dsp:nvSpPr>
-      <dsp:spPr>
-        <a:xfrm rot="5400000">
-          <a:off x="1066800" y="1041399"/>
-          <a:ext cx="380999" cy="457200"/>
-        </a:xfrm>
-        <a:prstGeom prst="rightArrow">
-          <a:avLst>
-            <a:gd name="adj1" fmla="val 60000"/>
-            <a:gd name="adj2" fmla="val 50000"/>
-          </a:avLst>
-        </a:prstGeom>
-        <a:solidFill>
-          <a:schemeClr val="accent1">
-            <a:tint val="60000"/>
-            <a:hueOff val="0"/>
-            <a:satOff val="0"/>
-            <a:lumOff val="0"/>
-            <a:alphaOff val="0"/>
-          </a:schemeClr>
-        </a:solidFill>
-        <a:ln>
-          <a:noFill/>
-        </a:ln>
-        <a:effectLst/>
-      </dsp:spPr>
-      <dsp:style>
-        <a:lnRef idx="0">
-          <a:scrgbClr r="0" g="0" b="0"/>
-        </a:lnRef>
-        <a:fillRef idx="1">
-          <a:scrgbClr r="0" g="0" b="0"/>
-        </a:fillRef>
-        <a:effectRef idx="0">
-          <a:scrgbClr r="0" g="0" b="0"/>
-        </a:effectRef>
-        <a:fontRef idx="minor">
-          <a:schemeClr val="lt1"/>
-        </a:fontRef>
-      </dsp:style>
-      <dsp:txBody>
-        <a:bodyPr spcFirstLastPara="0" vert="horz" wrap="square" lIns="0" tIns="0" rIns="0" bIns="0" numCol="1" spcCol="1270" anchor="ctr" anchorCtr="0">
-          <a:noAutofit/>
-        </a:bodyPr>
-        <a:lstStyle/>
-        <a:p>
-          <a:pPr lvl="0" algn="ctr" defTabSz="622300">
-            <a:lnSpc>
-              <a:spcPct val="90000"/>
-            </a:lnSpc>
-            <a:spcBef>
-              <a:spcPct val="0"/>
-            </a:spcBef>
-            <a:spcAft>
-              <a:spcPct val="35000"/>
-            </a:spcAft>
-          </a:pPr>
-          <a:endParaRPr lang="en-US" sz="1400" kern="1200"/>
-        </a:p>
-      </dsp:txBody>
-      <dsp:txXfrm rot="-5400000">
-        <a:off x="1120140" y="1079499"/>
-        <a:ext cx="274320" cy="266699"/>
-      </dsp:txXfrm>
-    </dsp:sp>
-    <dsp:sp modelId="{BFBD83CE-AD3D-4B36-AFD4-F505FE96449E}">
-      <dsp:nvSpPr>
-        <dsp:cNvPr id="0" name=""/>
-        <dsp:cNvSpPr/>
-      </dsp:nvSpPr>
-      <dsp:spPr>
-        <a:xfrm>
-          <a:off x="307974" y="1523999"/>
-          <a:ext cx="1898649" cy="1016000"/>
-        </a:xfrm>
-        <a:prstGeom prst="roundRect">
-          <a:avLst>
-            <a:gd name="adj" fmla="val 10000"/>
-          </a:avLst>
-        </a:prstGeom>
-        <a:solidFill>
-          <a:schemeClr val="accent1">
-            <a:hueOff val="0"/>
-            <a:satOff val="0"/>
-            <a:lumOff val="0"/>
-            <a:alphaOff val="0"/>
-          </a:schemeClr>
-        </a:solidFill>
-        <a:ln w="25400" cap="flat" cmpd="sng" algn="ctr">
-          <a:solidFill>
-            <a:schemeClr val="lt1">
-              <a:hueOff val="0"/>
-              <a:satOff val="0"/>
-              <a:lumOff val="0"/>
-              <a:alphaOff val="0"/>
-            </a:schemeClr>
-          </a:solidFill>
-          <a:prstDash val="solid"/>
-        </a:ln>
-        <a:effectLst/>
-      </dsp:spPr>
-      <dsp:style>
-        <a:lnRef idx="2">
-          <a:scrgbClr r="0" g="0" b="0"/>
-        </a:lnRef>
-        <a:fillRef idx="1">
-          <a:scrgbClr r="0" g="0" b="0"/>
-        </a:fillRef>
-        <a:effectRef idx="0">
-          <a:scrgbClr r="0" g="0" b="0"/>
-        </a:effectRef>
-        <a:fontRef idx="minor">
-          <a:schemeClr val="lt1"/>
-        </a:fontRef>
-      </dsp:style>
-      <dsp:txBody>
-        <a:bodyPr spcFirstLastPara="0" vert="horz" wrap="square" lIns="68580" tIns="68580" rIns="68580" bIns="68580" numCol="1" spcCol="1270" anchor="ctr" anchorCtr="0">
-          <a:noAutofit/>
-        </a:bodyPr>
-        <a:lstStyle/>
-        <a:p>
-          <a:pPr lvl="0" algn="ctr" defTabSz="800100">
-            <a:lnSpc>
-              <a:spcPct val="90000"/>
-            </a:lnSpc>
-            <a:spcBef>
-              <a:spcPct val="0"/>
-            </a:spcBef>
-            <a:spcAft>
-              <a:spcPct val="35000"/>
-            </a:spcAft>
-          </a:pPr>
-          <a:r>
-            <a:rPr lang="en-US" sz="1800" kern="1200" dirty="0" smtClean="0">
-              <a:latin typeface="Calibri" pitchFamily="34" charset="0"/>
-            </a:rPr>
-            <a:t>Software Architecture</a:t>
-          </a:r>
-          <a:endParaRPr lang="en-US" sz="1800" kern="1200" dirty="0"/>
-        </a:p>
-      </dsp:txBody>
-      <dsp:txXfrm>
-        <a:off x="337732" y="1553757"/>
-        <a:ext cx="1839133" cy="956484"/>
-      </dsp:txXfrm>
-    </dsp:sp>
-    <dsp:sp modelId="{30F2A522-5361-42FD-BDF3-9AAF9B6E48CD}">
-      <dsp:nvSpPr>
-        <dsp:cNvPr id="0" name=""/>
-        <dsp:cNvSpPr/>
-      </dsp:nvSpPr>
-      <dsp:spPr>
-        <a:xfrm rot="5400000">
-          <a:off x="1066799" y="2565399"/>
-          <a:ext cx="381000" cy="457200"/>
-        </a:xfrm>
-        <a:prstGeom prst="rightArrow">
-          <a:avLst>
-            <a:gd name="adj1" fmla="val 60000"/>
-            <a:gd name="adj2" fmla="val 50000"/>
-          </a:avLst>
-        </a:prstGeom>
-        <a:solidFill>
-          <a:schemeClr val="accent1">
-            <a:tint val="60000"/>
-            <a:hueOff val="0"/>
-            <a:satOff val="0"/>
-            <a:lumOff val="0"/>
-            <a:alphaOff val="0"/>
-          </a:schemeClr>
-        </a:solidFill>
-        <a:ln>
-          <a:noFill/>
-        </a:ln>
-        <a:effectLst/>
-      </dsp:spPr>
-      <dsp:style>
-        <a:lnRef idx="0">
-          <a:scrgbClr r="0" g="0" b="0"/>
-        </a:lnRef>
-        <a:fillRef idx="1">
-          <a:scrgbClr r="0" g="0" b="0"/>
-        </a:fillRef>
-        <a:effectRef idx="0">
-          <a:scrgbClr r="0" g="0" b="0"/>
-        </a:effectRef>
-        <a:fontRef idx="minor">
-          <a:schemeClr val="lt1"/>
-        </a:fontRef>
-      </dsp:style>
-      <dsp:txBody>
-        <a:bodyPr spcFirstLastPara="0" vert="horz" wrap="square" lIns="0" tIns="0" rIns="0" bIns="0" numCol="1" spcCol="1270" anchor="ctr" anchorCtr="0">
-          <a:noAutofit/>
-        </a:bodyPr>
-        <a:lstStyle/>
-        <a:p>
-          <a:pPr lvl="0" algn="ctr" defTabSz="622300">
-            <a:lnSpc>
-              <a:spcPct val="90000"/>
-            </a:lnSpc>
-            <a:spcBef>
-              <a:spcPct val="0"/>
-            </a:spcBef>
-            <a:spcAft>
-              <a:spcPct val="35000"/>
-            </a:spcAft>
-          </a:pPr>
-          <a:endParaRPr lang="en-US" sz="1400" kern="1200"/>
-        </a:p>
-      </dsp:txBody>
-      <dsp:txXfrm rot="-5400000">
-        <a:off x="1120139" y="2603499"/>
-        <a:ext cx="274320" cy="266700"/>
-      </dsp:txXfrm>
-    </dsp:sp>
-    <dsp:sp modelId="{4DA5EE49-8168-4D22-9537-7BE4A3708548}">
-      <dsp:nvSpPr>
-        <dsp:cNvPr id="0" name=""/>
-        <dsp:cNvSpPr/>
-      </dsp:nvSpPr>
-      <dsp:spPr>
-        <a:xfrm>
-          <a:off x="307974" y="3047999"/>
-          <a:ext cx="1898649" cy="1016000"/>
-        </a:xfrm>
-        <a:prstGeom prst="roundRect">
-          <a:avLst>
-            <a:gd name="adj" fmla="val 10000"/>
-          </a:avLst>
-        </a:prstGeom>
-        <a:solidFill>
-          <a:schemeClr val="accent1">
-            <a:hueOff val="0"/>
-            <a:satOff val="0"/>
-            <a:lumOff val="0"/>
-            <a:alphaOff val="0"/>
-          </a:schemeClr>
-        </a:solidFill>
-        <a:ln w="25400" cap="flat" cmpd="sng" algn="ctr">
-          <a:solidFill>
-            <a:schemeClr val="lt1">
-              <a:hueOff val="0"/>
-              <a:satOff val="0"/>
-              <a:lumOff val="0"/>
-              <a:alphaOff val="0"/>
-            </a:schemeClr>
-          </a:solidFill>
-          <a:prstDash val="solid"/>
-        </a:ln>
-        <a:effectLst/>
-      </dsp:spPr>
-      <dsp:style>
-        <a:lnRef idx="2">
-          <a:scrgbClr r="0" g="0" b="0"/>
-        </a:lnRef>
-        <a:fillRef idx="1">
-          <a:scrgbClr r="0" g="0" b="0"/>
-        </a:fillRef>
-        <a:effectRef idx="0">
-          <a:scrgbClr r="0" g="0" b="0"/>
-        </a:effectRef>
-        <a:fontRef idx="minor">
-          <a:schemeClr val="lt1"/>
-        </a:fontRef>
-      </dsp:style>
-      <dsp:txBody>
-        <a:bodyPr spcFirstLastPara="0" vert="horz" wrap="square" lIns="68580" tIns="68580" rIns="68580" bIns="68580" numCol="1" spcCol="1270" anchor="ctr" anchorCtr="0">
-          <a:noAutofit/>
-        </a:bodyPr>
-        <a:lstStyle/>
-        <a:p>
-          <a:pPr lvl="0" algn="ctr" defTabSz="800100">
-            <a:lnSpc>
-              <a:spcPct val="90000"/>
-            </a:lnSpc>
-            <a:spcBef>
-              <a:spcPct val="0"/>
-            </a:spcBef>
-            <a:spcAft>
-              <a:spcPct val="35000"/>
-            </a:spcAft>
-          </a:pPr>
-          <a:r>
-            <a:rPr lang="en-US" sz="1800" kern="1200" dirty="0" smtClean="0">
-              <a:latin typeface="Calibri" pitchFamily="34" charset="0"/>
-            </a:rPr>
-            <a:t>Transition Strategy from Analysis to Design</a:t>
-          </a:r>
-          <a:endParaRPr lang="en-US" sz="1800" kern="1200" dirty="0"/>
-        </a:p>
-      </dsp:txBody>
-      <dsp:txXfrm>
-        <a:off x="337732" y="3077757"/>
-        <a:ext cx="1839133" cy="956484"/>
-      </dsp:txXfrm>
-    </dsp:sp>
   </dsp:spTree>
 </dsp:drawing>
 </file>
 
 <file path=ppt/diagrams/drawing4.xml><?xml version="1.0" encoding="utf-8"?>
-<dsp:drawing xmlns:dgm="http://schemas.openxmlformats.org/drawingml/2006/diagram" xmlns:dsp="http://schemas.microsoft.com/office/drawing/2008/diagram" xmlns:a="http://schemas.openxmlformats.org/drawingml/2006/main">
+<dsp:drawing xmlns:dgm="http://schemas.openxmlformats.org/drawingml/2006/diagram" xmlns:a="http://schemas.openxmlformats.org/drawingml/2006/main" xmlns:dsp="http://schemas.microsoft.com/office/drawing/2008/diagram">
   <dsp:spTree>
     <dsp:nvGrpSpPr>
       <dsp:cNvPr id="0" name=""/>
       <dsp:cNvGrpSpPr/>
     </dsp:nvGrpSpPr>
     <dsp:grpSpPr/>
-    <dsp:sp modelId="{715D256F-02F7-4191-B84E-3A4C6CD8FFC5}">
-      <dsp:nvSpPr>
-        <dsp:cNvPr id="0" name=""/>
-        <dsp:cNvSpPr/>
-      </dsp:nvSpPr>
-      <dsp:spPr>
-        <a:xfrm>
-          <a:off x="0" y="1984"/>
-          <a:ext cx="2438400" cy="4060031"/>
-        </a:xfrm>
-        <a:prstGeom prst="roundRect">
-          <a:avLst>
-            <a:gd name="adj" fmla="val 10000"/>
-          </a:avLst>
-        </a:prstGeom>
-        <a:solidFill>
-          <a:schemeClr val="accent1">
-            <a:hueOff val="0"/>
-            <a:satOff val="0"/>
-            <a:lumOff val="0"/>
-            <a:alphaOff val="0"/>
-          </a:schemeClr>
-        </a:solidFill>
-        <a:ln w="25400" cap="flat" cmpd="sng" algn="ctr">
-          <a:solidFill>
-            <a:schemeClr val="lt1">
-              <a:hueOff val="0"/>
-              <a:satOff val="0"/>
-              <a:lumOff val="0"/>
-              <a:alphaOff val="0"/>
-            </a:schemeClr>
-          </a:solidFill>
-          <a:prstDash val="solid"/>
-        </a:ln>
-        <a:effectLst/>
-      </dsp:spPr>
-      <dsp:style>
-        <a:lnRef idx="2">
-          <a:scrgbClr r="0" g="0" b="0"/>
-        </a:lnRef>
-        <a:fillRef idx="1">
-          <a:scrgbClr r="0" g="0" b="0"/>
-        </a:fillRef>
-        <a:effectRef idx="0">
-          <a:scrgbClr r="0" g="0" b="0"/>
-        </a:effectRef>
-        <a:fontRef idx="minor">
-          <a:schemeClr val="lt1"/>
-        </a:fontRef>
-      </dsp:style>
-      <dsp:txBody>
-        <a:bodyPr spcFirstLastPara="0" vert="horz" wrap="square" lIns="110490" tIns="110490" rIns="110490" bIns="110490" numCol="1" spcCol="1270" anchor="ctr" anchorCtr="0">
-          <a:noAutofit/>
-        </a:bodyPr>
-        <a:lstStyle/>
-        <a:p>
-          <a:pPr lvl="0" algn="ctr" defTabSz="1289050">
-            <a:lnSpc>
-              <a:spcPct val="90000"/>
-            </a:lnSpc>
-            <a:spcBef>
-              <a:spcPct val="0"/>
-            </a:spcBef>
-            <a:spcAft>
-              <a:spcPct val="35000"/>
-            </a:spcAft>
-          </a:pPr>
-          <a:r>
-            <a:rPr lang="en-US" sz="2900" kern="1200" dirty="0" smtClean="0">
-              <a:latin typeface="Calibri" pitchFamily="34" charset="0"/>
-            </a:rPr>
-            <a:t>Project Management</a:t>
-          </a:r>
-          <a:endParaRPr lang="en-US" sz="2900" kern="1200" dirty="0"/>
-        </a:p>
-      </dsp:txBody>
-      <dsp:txXfrm>
-        <a:off x="71418" y="73402"/>
-        <a:ext cx="2295564" cy="3917195"/>
-      </dsp:txXfrm>
-    </dsp:sp>
   </dsp:spTree>
 </dsp:drawing>
 </file>
@@ -10856,7 +10011,7 @@
     </p:spTree>
     <p:extLst>
       <p:ext uri="{BB962C8B-B14F-4D97-AF65-F5344CB8AC3E}">
-        <p14:creationId xmlns:p14="http://schemas.microsoft.com/office/powerpoint/2010/main" val="601875911"/>
+        <p14:creationId xmlns:p14="http://schemas.microsoft.com/office/powerpoint/2010/main" xmlns="" val="601875911"/>
       </p:ext>
     </p:extLst>
   </p:cSld>
@@ -11198,7 +10353,7 @@
     </p:spTree>
     <p:extLst>
       <p:ext uri="{BB962C8B-B14F-4D97-AF65-F5344CB8AC3E}">
-        <p14:creationId xmlns:p14="http://schemas.microsoft.com/office/powerpoint/2010/main" val="1461425486"/>
+        <p14:creationId xmlns:p14="http://schemas.microsoft.com/office/powerpoint/2010/main" xmlns="" val="1461425486"/>
       </p:ext>
     </p:extLst>
   </p:cSld>
@@ -16997,7 +16152,7 @@
             <p:ph idx="1"/>
             <p:extLst>
               <p:ext uri="{D42A27DB-BD31-4B8C-83A1-F6EECF244321}">
-                <p14:modId xmlns:p14="http://schemas.microsoft.com/office/powerpoint/2010/main" val="1995118765"/>
+                <p14:modId xmlns:p14="http://schemas.microsoft.com/office/powerpoint/2010/main" xmlns="" val="1995118765"/>
               </p:ext>
             </p:extLst>
           </p:nvPr>
@@ -18060,7 +17215,7 @@
     </p:spTree>
     <p:extLst>
       <p:ext uri="{BB962C8B-B14F-4D97-AF65-F5344CB8AC3E}">
-        <p14:creationId xmlns:p14="http://schemas.microsoft.com/office/powerpoint/2010/main" val="4078107953"/>
+        <p14:creationId xmlns:p14="http://schemas.microsoft.com/office/powerpoint/2010/main" xmlns="" val="4078107953"/>
       </p:ext>
     </p:extLst>
   </p:cSld>
@@ -18111,11 +17266,7 @@
           <a:p>
             <a:r>
               <a:rPr lang="en-US" dirty="0" smtClean="0"/>
-              <a:t>Project </a:t>
-            </a:r>
-            <a:r>
-              <a:rPr lang="en-US" dirty="0" smtClean="0"/>
-              <a:t>Strategies</a:t>
+              <a:t>Project Strategies</a:t>
             </a:r>
             <a:endParaRPr lang="en-US" dirty="0"/>
           </a:p>
@@ -18302,7 +17453,6 @@
               <a:rPr lang="en-US" dirty="0" smtClean="0"/>
               <a:t>Assign tasks to staff by capability and experience</a:t>
             </a:r>
-            <a:endParaRPr lang="en-US" dirty="0" smtClean="0"/>
           </a:p>
           <a:p>
             <a:pPr>
@@ -18350,7 +17500,7 @@
     </p:spTree>
     <p:extLst>
       <p:ext uri="{BB962C8B-B14F-4D97-AF65-F5344CB8AC3E}">
-        <p14:creationId xmlns:p14="http://schemas.microsoft.com/office/powerpoint/2010/main" val="3633776489"/>
+        <p14:creationId xmlns:p14="http://schemas.microsoft.com/office/powerpoint/2010/main" xmlns="" val="3633776489"/>
       </p:ext>
     </p:extLst>
   </p:cSld>
@@ -18460,7 +17610,7 @@
     </p:spTree>
     <p:extLst>
       <p:ext uri="{BB962C8B-B14F-4D97-AF65-F5344CB8AC3E}">
-        <p14:creationId xmlns:p14="http://schemas.microsoft.com/office/powerpoint/2010/main" val="1287513278"/>
+        <p14:creationId xmlns:p14="http://schemas.microsoft.com/office/powerpoint/2010/main" xmlns="" val="1287513278"/>
       </p:ext>
     </p:extLst>
   </p:cSld>
@@ -18542,7 +17692,7 @@
       </p:sp>
       <p:pic>
         <p:nvPicPr>
-          <p:cNvPr id="5122" name="Picture 2"/>
+          <p:cNvPr id="1026" name="Picture 2"/>
           <p:cNvPicPr>
             <a:picLocks noChangeAspect="1" noChangeArrowheads="1"/>
           </p:cNvPicPr>
@@ -18557,8 +17707,8 @@
         </p:blipFill>
         <p:spPr bwMode="auto">
           <a:xfrm>
-            <a:off x="838200" y="304800"/>
-            <a:ext cx="6619876" cy="3726009"/>
+            <a:off x="762000" y="195288"/>
+            <a:ext cx="6850000" cy="3855535"/>
           </a:xfrm>
           <a:prstGeom prst="rect">
             <a:avLst/>
@@ -18576,7 +17726,7 @@
     </p:spTree>
     <p:extLst>
       <p:ext uri="{BB962C8B-B14F-4D97-AF65-F5344CB8AC3E}">
-        <p14:creationId xmlns:p14="http://schemas.microsoft.com/office/powerpoint/2010/main" val="2330322691"/>
+        <p14:creationId xmlns:p14="http://schemas.microsoft.com/office/powerpoint/2010/main" xmlns="" val="2330322691"/>
       </p:ext>
     </p:extLst>
   </p:cSld>
@@ -19190,11 +18340,7 @@
           <a:p>
             <a:r>
               <a:rPr lang="en-US" dirty="0" smtClean="0"/>
-              <a:t>Project Plan – </a:t>
-            </a:r>
-            <a:r>
-              <a:rPr lang="en-US" dirty="0" smtClean="0"/>
-              <a:t>Milestones</a:t>
+              <a:t>Project Plan – Milestones</a:t>
             </a:r>
             <a:endParaRPr lang="en-US" dirty="0"/>
           </a:p>
@@ -19210,7 +18356,7 @@
             <p:ph idx="1"/>
             <p:extLst>
               <p:ext uri="{D42A27DB-BD31-4B8C-83A1-F6EECF244321}">
-                <p14:modId xmlns:p14="http://schemas.microsoft.com/office/powerpoint/2010/main" val="1960619568"/>
+                <p14:modId xmlns:p14="http://schemas.microsoft.com/office/powerpoint/2010/main" xmlns="" val="1960619568"/>
               </p:ext>
             </p:extLst>
           </p:nvPr>
@@ -20867,11 +20013,7 @@
           <a:p>
             <a:r>
               <a:rPr lang="en-US" dirty="0" smtClean="0"/>
-              <a:t>Project Plan – </a:t>
-            </a:r>
-            <a:r>
-              <a:rPr lang="en-US" dirty="0" smtClean="0"/>
-              <a:t>Gantt Chart</a:t>
+              <a:t>Project Plan – Gantt Chart</a:t>
             </a:r>
             <a:endParaRPr lang="en-US" dirty="0"/>
           </a:p>
@@ -20886,10 +20028,10 @@
           <p:nvPr/>
         </p:nvPicPr>
         <p:blipFill>
-          <a:blip r:embed="rId2">
+          <a:blip r:embed="rId2" cstate="print">
             <a:extLst>
               <a:ext uri="{28A0092B-C50C-407E-A947-70E740481C1C}">
-                <a14:useLocalDpi xmlns:a14="http://schemas.microsoft.com/office/drawing/2010/main" val="0"/>
+                <a14:useLocalDpi xmlns:a14="http://schemas.microsoft.com/office/drawing/2010/main" xmlns="" val="0"/>
               </a:ext>
             </a:extLst>
           </a:blip>
@@ -20913,14 +20055,14 @@
           <a:effectLst/>
           <a:extLst>
             <a:ext uri="{909E8E84-426E-40DD-AFC4-6F175D3DCCD1}">
-              <a14:hiddenFill xmlns:a14="http://schemas.microsoft.com/office/drawing/2010/main">
+              <a14:hiddenFill xmlns:a14="http://schemas.microsoft.com/office/drawing/2010/main" xmlns="">
                 <a:solidFill>
                   <a:schemeClr val="accent1"/>
                 </a:solidFill>
               </a14:hiddenFill>
             </a:ext>
             <a:ext uri="{91240B29-F687-4F45-9708-019B960494DF}">
-              <a14:hiddenLine xmlns:a14="http://schemas.microsoft.com/office/drawing/2010/main" w="9525">
+              <a14:hiddenLine xmlns:a14="http://schemas.microsoft.com/office/drawing/2010/main" xmlns="" w="9525">
                 <a:solidFill>
                   <a:schemeClr val="tx1"/>
                 </a:solidFill>
@@ -20930,7 +20072,7 @@
               </a14:hiddenLine>
             </a:ext>
             <a:ext uri="{AF507438-7753-43E0-B8FC-AC1667EBCBE1}">
-              <a14:hiddenEffects xmlns:a14="http://schemas.microsoft.com/office/drawing/2010/main">
+              <a14:hiddenEffects xmlns:a14="http://schemas.microsoft.com/office/drawing/2010/main" xmlns="">
                 <a:effectLst>
                   <a:outerShdw dist="35921" dir="2700000" algn="ctr" rotWithShape="0">
                     <a:schemeClr val="bg2"/>
@@ -21005,10 +20147,10 @@
           <p:nvPr/>
         </p:nvPicPr>
         <p:blipFill>
-          <a:blip r:embed="rId2">
+          <a:blip r:embed="rId2" cstate="print">
             <a:extLst>
               <a:ext uri="{28A0092B-C50C-407E-A947-70E740481C1C}">
-                <a14:useLocalDpi xmlns:a14="http://schemas.microsoft.com/office/drawing/2010/main" val="0"/>
+                <a14:useLocalDpi xmlns:a14="http://schemas.microsoft.com/office/drawing/2010/main" xmlns="" val="0"/>
               </a:ext>
             </a:extLst>
           </a:blip>
@@ -21032,14 +20174,14 @@
           <a:effectLst/>
           <a:extLst>
             <a:ext uri="{909E8E84-426E-40DD-AFC4-6F175D3DCCD1}">
-              <a14:hiddenFill xmlns:a14="http://schemas.microsoft.com/office/drawing/2010/main">
+              <a14:hiddenFill xmlns:a14="http://schemas.microsoft.com/office/drawing/2010/main" xmlns="">
                 <a:solidFill>
                   <a:schemeClr val="accent1"/>
                 </a:solidFill>
               </a14:hiddenFill>
             </a:ext>
             <a:ext uri="{91240B29-F687-4F45-9708-019B960494DF}">
-              <a14:hiddenLine xmlns:a14="http://schemas.microsoft.com/office/drawing/2010/main" w="9525">
+              <a14:hiddenLine xmlns:a14="http://schemas.microsoft.com/office/drawing/2010/main" xmlns="" w="9525">
                 <a:solidFill>
                   <a:schemeClr val="tx1"/>
                 </a:solidFill>
@@ -21049,7 +20191,7 @@
               </a14:hiddenLine>
             </a:ext>
             <a:ext uri="{AF507438-7753-43E0-B8FC-AC1667EBCBE1}">
-              <a14:hiddenEffects xmlns:a14="http://schemas.microsoft.com/office/drawing/2010/main">
+              <a14:hiddenEffects xmlns:a14="http://schemas.microsoft.com/office/drawing/2010/main" xmlns="">
                 <a:effectLst>
                   <a:outerShdw dist="35921" dir="2700000" algn="ctr" rotWithShape="0">
                     <a:schemeClr val="bg2"/>
@@ -21069,10 +20211,10 @@
           <p:nvPr/>
         </p:nvPicPr>
         <p:blipFill>
-          <a:blip r:embed="rId3">
+          <a:blip r:embed="rId3" cstate="print">
             <a:extLst>
               <a:ext uri="{28A0092B-C50C-407E-A947-70E740481C1C}">
-                <a14:useLocalDpi xmlns:a14="http://schemas.microsoft.com/office/drawing/2010/main" val="0"/>
+                <a14:useLocalDpi xmlns:a14="http://schemas.microsoft.com/office/drawing/2010/main" xmlns="" val="0"/>
               </a:ext>
             </a:extLst>
           </a:blip>
@@ -21096,14 +20238,14 @@
           <a:effectLst/>
           <a:extLst>
             <a:ext uri="{909E8E84-426E-40DD-AFC4-6F175D3DCCD1}">
-              <a14:hiddenFill xmlns:a14="http://schemas.microsoft.com/office/drawing/2010/main">
+              <a14:hiddenFill xmlns:a14="http://schemas.microsoft.com/office/drawing/2010/main" xmlns="">
                 <a:solidFill>
                   <a:schemeClr val="accent1"/>
                 </a:solidFill>
               </a14:hiddenFill>
             </a:ext>
             <a:ext uri="{91240B29-F687-4F45-9708-019B960494DF}">
-              <a14:hiddenLine xmlns:a14="http://schemas.microsoft.com/office/drawing/2010/main" w="9525">
+              <a14:hiddenLine xmlns:a14="http://schemas.microsoft.com/office/drawing/2010/main" xmlns="" w="9525">
                 <a:solidFill>
                   <a:schemeClr val="tx1"/>
                 </a:solidFill>
@@ -21113,7 +20255,7 @@
               </a14:hiddenLine>
             </a:ext>
             <a:ext uri="{AF507438-7753-43E0-B8FC-AC1667EBCBE1}">
-              <a14:hiddenEffects xmlns:a14="http://schemas.microsoft.com/office/drawing/2010/main">
+              <a14:hiddenEffects xmlns:a14="http://schemas.microsoft.com/office/drawing/2010/main" xmlns="">
                 <a:effectLst>
                   <a:outerShdw dist="35921" dir="2700000" algn="ctr" rotWithShape="0">
                     <a:schemeClr val="bg2"/>
@@ -21255,7 +20397,7 @@
     </p:spTree>
     <p:extLst>
       <p:ext uri="{BB962C8B-B14F-4D97-AF65-F5344CB8AC3E}">
-        <p14:creationId xmlns:p14="http://schemas.microsoft.com/office/powerpoint/2010/main" val="433802093"/>
+        <p14:creationId xmlns:p14="http://schemas.microsoft.com/office/powerpoint/2010/main" xmlns="" val="433802093"/>
       </p:ext>
     </p:extLst>
   </p:cSld>
@@ -21326,7 +20468,7 @@
           <p:nvPr>
             <p:extLst>
               <p:ext uri="{D42A27DB-BD31-4B8C-83A1-F6EECF244321}">
-                <p14:modId xmlns:p14="http://schemas.microsoft.com/office/powerpoint/2010/main" val="3185700600"/>
+                <p14:modId xmlns:p14="http://schemas.microsoft.com/office/powerpoint/2010/main" xmlns="" val="3185700600"/>
               </p:ext>
             </p:extLst>
           </p:nvPr>
@@ -22273,7 +21415,7 @@
           <p:nvPr>
             <p:extLst>
               <p:ext uri="{D42A27DB-BD31-4B8C-83A1-F6EECF244321}">
-                <p14:modId xmlns:p14="http://schemas.microsoft.com/office/powerpoint/2010/main" val="1721556399"/>
+                <p14:modId xmlns:p14="http://schemas.microsoft.com/office/powerpoint/2010/main" xmlns="" val="1721556399"/>
               </p:ext>
             </p:extLst>
           </p:nvPr>
@@ -22413,10 +21555,10 @@
           <p:nvPr/>
         </p:nvPicPr>
         <p:blipFill>
-          <a:blip r:embed="rId2">
+          <a:blip r:embed="rId2" cstate="print">
             <a:extLst>
               <a:ext uri="{28A0092B-C50C-407E-A947-70E740481C1C}">
-                <a14:useLocalDpi xmlns:a14="http://schemas.microsoft.com/office/drawing/2010/main" val="0"/>
+                <a14:useLocalDpi xmlns:a14="http://schemas.microsoft.com/office/drawing/2010/main" xmlns="" val="0"/>
               </a:ext>
             </a:extLst>
           </a:blip>
@@ -22440,14 +21582,14 @@
           <a:effectLst/>
           <a:extLst>
             <a:ext uri="{909E8E84-426E-40DD-AFC4-6F175D3DCCD1}">
-              <a14:hiddenFill xmlns:a14="http://schemas.microsoft.com/office/drawing/2010/main">
+              <a14:hiddenFill xmlns:a14="http://schemas.microsoft.com/office/drawing/2010/main" xmlns="">
                 <a:solidFill>
                   <a:schemeClr val="accent1"/>
                 </a:solidFill>
               </a14:hiddenFill>
             </a:ext>
             <a:ext uri="{91240B29-F687-4F45-9708-019B960494DF}">
-              <a14:hiddenLine xmlns:a14="http://schemas.microsoft.com/office/drawing/2010/main" w="9525">
+              <a14:hiddenLine xmlns:a14="http://schemas.microsoft.com/office/drawing/2010/main" xmlns="" w="9525">
                 <a:solidFill>
                   <a:schemeClr val="tx1"/>
                 </a:solidFill>
@@ -22457,7 +21599,7 @@
               </a14:hiddenLine>
             </a:ext>
             <a:ext uri="{AF507438-7753-43E0-B8FC-AC1667EBCBE1}">
-              <a14:hiddenEffects xmlns:a14="http://schemas.microsoft.com/office/drawing/2010/main">
+              <a14:hiddenEffects xmlns:a14="http://schemas.microsoft.com/office/drawing/2010/main" xmlns="">
                 <a:effectLst>
                   <a:outerShdw dist="35921" dir="2700000" algn="ctr" rotWithShape="0">
                     <a:schemeClr val="bg2"/>
@@ -22507,7 +21649,7 @@
     </p:spTree>
     <p:extLst>
       <p:ext uri="{BB962C8B-B14F-4D97-AF65-F5344CB8AC3E}">
-        <p14:creationId xmlns:p14="http://schemas.microsoft.com/office/powerpoint/2010/main" val="2094844669"/>
+        <p14:creationId xmlns:p14="http://schemas.microsoft.com/office/powerpoint/2010/main" xmlns="" val="2094844669"/>
       </p:ext>
     </p:extLst>
   </p:cSld>
@@ -22632,7 +21774,6 @@
               <a:rPr lang="en-US" dirty="0" smtClean="0"/>
               <a:t>Project Plan</a:t>
             </a:r>
-            <a:endParaRPr lang="en-US" dirty="0" smtClean="0"/>
           </a:p>
           <a:p>
             <a:pPr>
@@ -22643,7 +21784,6 @@
               <a:rPr lang="en-US" dirty="0" smtClean="0"/>
               <a:t>Project Progress</a:t>
             </a:r>
-            <a:endParaRPr lang="en-US" dirty="0" smtClean="0"/>
           </a:p>
           <a:p>
             <a:pPr>
@@ -22654,7 +21794,6 @@
               <a:rPr lang="en-US" dirty="0" smtClean="0"/>
               <a:t>Management Challenges</a:t>
             </a:r>
-            <a:endParaRPr lang="en-US" dirty="0" smtClean="0"/>
           </a:p>
           <a:p>
             <a:pPr>
@@ -22673,11 +21812,7 @@
             </a:pPr>
             <a:r>
               <a:rPr lang="en-US" dirty="0" smtClean="0"/>
-              <a:t>Transition </a:t>
-            </a:r>
-            <a:r>
-              <a:rPr lang="en-US" dirty="0" smtClean="0"/>
-              <a:t>to Next Stage</a:t>
+              <a:t>Transition to Next Stage</a:t>
             </a:r>
           </a:p>
           <a:p>
@@ -22741,11 +21876,7 @@
           <a:p>
             <a:r>
               <a:rPr lang="en-US" dirty="0" smtClean="0"/>
-              <a:t>Project Plan – </a:t>
-            </a:r>
-            <a:r>
-              <a:rPr lang="en-US" dirty="0" smtClean="0"/>
-              <a:t>Effort estimation by COSTAR 7</a:t>
+              <a:t>Project Plan – Effort estimation by COSTAR 7</a:t>
             </a:r>
             <a:endParaRPr lang="en-US" dirty="0"/>
           </a:p>
@@ -22760,7 +21891,7 @@
           <p:nvPr>
             <p:extLst>
               <p:ext uri="{D42A27DB-BD31-4B8C-83A1-F6EECF244321}">
-                <p14:modId xmlns:p14="http://schemas.microsoft.com/office/powerpoint/2010/main" val="1890191891"/>
+                <p14:modId xmlns:p14="http://schemas.microsoft.com/office/powerpoint/2010/main" xmlns="" val="1890191891"/>
               </p:ext>
             </p:extLst>
           </p:nvPr>
@@ -26842,7 +25973,7 @@
     </p:spTree>
     <p:extLst>
       <p:ext uri="{BB962C8B-B14F-4D97-AF65-F5344CB8AC3E}">
-        <p14:creationId xmlns:p14="http://schemas.microsoft.com/office/powerpoint/2010/main" val="220635413"/>
+        <p14:creationId xmlns:p14="http://schemas.microsoft.com/office/powerpoint/2010/main" xmlns="" val="220635413"/>
       </p:ext>
     </p:extLst>
   </p:cSld>
@@ -28299,10 +27430,10 @@
           </p:nvPr>
         </p:nvPicPr>
         <p:blipFill>
-          <a:blip r:embed="rId2">
+          <a:blip r:embed="rId2" cstate="print">
             <a:extLst>
               <a:ext uri="{28A0092B-C50C-407E-A947-70E740481C1C}">
-                <a14:useLocalDpi xmlns:a14="http://schemas.microsoft.com/office/drawing/2010/main" val="0"/>
+                <a14:useLocalDpi xmlns:a14="http://schemas.microsoft.com/office/drawing/2010/main" xmlns="" val="0"/>
               </a:ext>
             </a:extLst>
           </a:blip>
@@ -28320,7 +27451,7 @@
     </p:spTree>
     <p:extLst>
       <p:ext uri="{BB962C8B-B14F-4D97-AF65-F5344CB8AC3E}">
-        <p14:creationId xmlns:p14="http://schemas.microsoft.com/office/powerpoint/2010/main" val="3415864990"/>
+        <p14:creationId xmlns:p14="http://schemas.microsoft.com/office/powerpoint/2010/main" xmlns="" val="3415864990"/>
       </p:ext>
     </p:extLst>
   </p:cSld>
@@ -28399,11 +27530,7 @@
             </a:pPr>
             <a:r>
               <a:rPr lang="en-US" dirty="0" smtClean="0"/>
-              <a:t>Objective of </a:t>
-            </a:r>
-            <a:r>
-              <a:rPr lang="en-US" dirty="0" smtClean="0"/>
-              <a:t>Non-Government </a:t>
+              <a:t>Objective of Non-Government </a:t>
             </a:r>
             <a:r>
               <a:rPr lang="en-US" dirty="0" err="1" smtClean="0"/>
@@ -28907,7 +28034,7 @@
     </p:spTree>
     <p:extLst>
       <p:ext uri="{BB962C8B-B14F-4D97-AF65-F5344CB8AC3E}">
-        <p14:creationId xmlns:p14="http://schemas.microsoft.com/office/powerpoint/2010/main" val="2779181314"/>
+        <p14:creationId xmlns:p14="http://schemas.microsoft.com/office/powerpoint/2010/main" xmlns="" val="2779181314"/>
       </p:ext>
     </p:extLst>
   </p:cSld>
@@ -28982,7 +28109,7 @@
             <p:ph idx="1"/>
             <p:extLst>
               <p:ext uri="{D42A27DB-BD31-4B8C-83A1-F6EECF244321}">
-                <p14:modId xmlns:p14="http://schemas.microsoft.com/office/powerpoint/2010/main" val="2659460819"/>
+                <p14:modId xmlns:p14="http://schemas.microsoft.com/office/powerpoint/2010/main" xmlns="" val="2659460819"/>
               </p:ext>
             </p:extLst>
           </p:nvPr>
@@ -30073,10 +29200,10 @@
           <p:nvPr/>
         </p:nvPicPr>
         <p:blipFill>
-          <a:blip r:embed="rId2">
+          <a:blip r:embed="rId2" cstate="print">
             <a:extLst>
               <a:ext uri="{28A0092B-C50C-407E-A947-70E740481C1C}">
-                <a14:useLocalDpi xmlns:a14="http://schemas.microsoft.com/office/drawing/2010/main" val="0"/>
+                <a14:useLocalDpi xmlns:a14="http://schemas.microsoft.com/office/drawing/2010/main" xmlns="" val="0"/>
               </a:ext>
             </a:extLst>
           </a:blip>
@@ -30104,7 +29231,7 @@
           </a:ln>
           <a:extLst>
             <a:ext uri="{909E8E84-426E-40DD-AFC4-6F175D3DCCD1}">
-              <a14:hiddenFill xmlns:a14="http://schemas.microsoft.com/office/drawing/2010/main">
+              <a14:hiddenFill xmlns:a14="http://schemas.microsoft.com/office/drawing/2010/main" xmlns="">
                 <a:solidFill>
                   <a:srgbClr val="FFFFFF"/>
                 </a:solidFill>
@@ -30116,7 +29243,7 @@
     </p:spTree>
     <p:extLst>
       <p:ext uri="{BB962C8B-B14F-4D97-AF65-F5344CB8AC3E}">
-        <p14:creationId xmlns:p14="http://schemas.microsoft.com/office/powerpoint/2010/main" val="1648571582"/>
+        <p14:creationId xmlns:p14="http://schemas.microsoft.com/office/powerpoint/2010/main" xmlns="" val="1648571582"/>
       </p:ext>
     </p:extLst>
   </p:cSld>

--- a/trunk/docs/W-9 Working Document/W-9.3 Presentation Slides/Phase1/vms_first_presentation_v0.1a.pptx
+++ b/trunk/docs/W-9 Working Document/W-9.3 Presentation Slides/Phase1/vms_first_presentation_v0.1a.pptx
@@ -5,10 +5,10 @@
     <p:sldMasterId id="2147483652" r:id="rId1"/>
   </p:sldMasterIdLst>
   <p:notesMasterIdLst>
-    <p:notesMasterId r:id="rId36"/>
+    <p:notesMasterId r:id="rId35"/>
   </p:notesMasterIdLst>
   <p:handoutMasterIdLst>
-    <p:handoutMasterId r:id="rId37"/>
+    <p:handoutMasterId r:id="rId36"/>
   </p:handoutMasterIdLst>
   <p:sldIdLst>
     <p:sldId id="256" r:id="rId2"/>
@@ -38,13 +38,12 @@
     <p:sldId id="279" r:id="rId26"/>
     <p:sldId id="265" r:id="rId27"/>
     <p:sldId id="292" r:id="rId28"/>
-    <p:sldId id="286" r:id="rId29"/>
-    <p:sldId id="285" r:id="rId30"/>
+    <p:sldId id="285" r:id="rId29"/>
+    <p:sldId id="286" r:id="rId30"/>
     <p:sldId id="281" r:id="rId31"/>
     <p:sldId id="284" r:id="rId32"/>
     <p:sldId id="283" r:id="rId33"/>
     <p:sldId id="282" r:id="rId34"/>
-    <p:sldId id="288" r:id="rId35"/>
   </p:sldIdLst>
   <p:sldSz cx="9144000" cy="6858000" type="screen4x3"/>
   <p:notesSz cx="7010400" cy="9296400"/>
@@ -3649,22 +3648,22 @@
     </dgm:pt>
   </dgm:ptLst>
   <dgm:cxnLst>
+    <dgm:cxn modelId="{D6122ACD-1685-43B1-9C5B-E1326B60B129}" type="presOf" srcId="{EF1F78ED-E9D5-44E4-97D4-B3FEFD902986}" destId="{DD69F0F8-C7C4-4EF4-8C1C-51E0155113CE}" srcOrd="0" destOrd="0" presId="urn:microsoft.com/office/officeart/2005/8/layout/list1"/>
+    <dgm:cxn modelId="{FFD1B7FF-14F9-4CBB-8E58-FD9C5F7FEADE}" type="presOf" srcId="{68CDD154-F438-49AE-AED8-77DB9EC9D634}" destId="{66C22AF7-7E37-41D2-944C-F904CFD2965B}" srcOrd="1" destOrd="0" presId="urn:microsoft.com/office/officeart/2005/8/layout/list1"/>
+    <dgm:cxn modelId="{9797B96C-17EB-46FB-9167-2BD4C6C8E8B2}" type="presOf" srcId="{BF9A83B9-8111-4B78-8600-312D1688C140}" destId="{8ED20E6A-F08F-4955-95AA-301A4ACB2F6E}" srcOrd="0" destOrd="0" presId="urn:microsoft.com/office/officeart/2005/8/layout/list1"/>
     <dgm:cxn modelId="{A3C9F58B-A2EE-444B-90C0-FC02C3F66175}" type="presOf" srcId="{885613C5-7A76-4AA0-92F0-EEDD9B446661}" destId="{81666E97-5860-45F1-88A5-99FAA589A582}" srcOrd="0" destOrd="0" presId="urn:microsoft.com/office/officeart/2005/8/layout/list1"/>
+    <dgm:cxn modelId="{F60FB540-C952-4949-8589-E734F5994257}" type="presOf" srcId="{89B52B6D-D82C-42B0-BE38-A3B3D68F9C27}" destId="{0BB3654B-9C6D-4A61-87CC-E802B5686BC1}" srcOrd="0" destOrd="0" presId="urn:microsoft.com/office/officeart/2005/8/layout/list1"/>
+    <dgm:cxn modelId="{CB57BA4F-ABA8-48A9-9D26-B1279D4664BC}" srcId="{EF1F78ED-E9D5-44E4-97D4-B3FEFD902986}" destId="{BF9A83B9-8111-4B78-8600-312D1688C140}" srcOrd="4" destOrd="0" parTransId="{8FA8D553-4648-4D63-9876-6E7449F8F18A}" sibTransId="{9D0571FA-F277-43A1-BCD9-ED2072122346}"/>
     <dgm:cxn modelId="{26E52850-E159-4B84-9BAE-D590FD1CD455}" type="presOf" srcId="{4209E399-DA0C-42D5-962A-8276C02AA8EC}" destId="{44B548FB-45D5-465C-AA05-763364E65BC9}" srcOrd="1" destOrd="0" presId="urn:microsoft.com/office/officeart/2005/8/layout/list1"/>
-    <dgm:cxn modelId="{FFD1B7FF-14F9-4CBB-8E58-FD9C5F7FEADE}" type="presOf" srcId="{68CDD154-F438-49AE-AED8-77DB9EC9D634}" destId="{66C22AF7-7E37-41D2-944C-F904CFD2965B}" srcOrd="1" destOrd="0" presId="urn:microsoft.com/office/officeart/2005/8/layout/list1"/>
+    <dgm:cxn modelId="{C99778AD-4EA2-413E-988E-63DB77468AE8}" srcId="{EF1F78ED-E9D5-44E4-97D4-B3FEFD902986}" destId="{68CDD154-F438-49AE-AED8-77DB9EC9D634}" srcOrd="1" destOrd="0" parTransId="{80147D89-2F73-4A3C-8D2E-F94C278F0084}" sibTransId="{8E8D4616-98CD-450E-B33D-2C9FC2B13B55}"/>
     <dgm:cxn modelId="{60E6AA33-A858-4310-A69D-E844E3184D77}" type="presOf" srcId="{4209E399-DA0C-42D5-962A-8276C02AA8EC}" destId="{C6C87D8D-4034-4397-984C-9BF8EEE0A79B}" srcOrd="0" destOrd="0" presId="urn:microsoft.com/office/officeart/2005/8/layout/list1"/>
     <dgm:cxn modelId="{FDB03FEE-AFCB-4EB7-9D72-88B81A1DCBC1}" srcId="{EF1F78ED-E9D5-44E4-97D4-B3FEFD902986}" destId="{4209E399-DA0C-42D5-962A-8276C02AA8EC}" srcOrd="3" destOrd="0" parTransId="{7ED4465C-CF67-468F-ABD7-F54F46BB659F}" sibTransId="{F7F538C6-58F2-4EB2-9D5A-112410F40135}"/>
-    <dgm:cxn modelId="{C99778AD-4EA2-413E-988E-63DB77468AE8}" srcId="{EF1F78ED-E9D5-44E4-97D4-B3FEFD902986}" destId="{68CDD154-F438-49AE-AED8-77DB9EC9D634}" srcOrd="1" destOrd="0" parTransId="{80147D89-2F73-4A3C-8D2E-F94C278F0084}" sibTransId="{8E8D4616-98CD-450E-B33D-2C9FC2B13B55}"/>
-    <dgm:cxn modelId="{F60FB540-C952-4949-8589-E734F5994257}" type="presOf" srcId="{89B52B6D-D82C-42B0-BE38-A3B3D68F9C27}" destId="{0BB3654B-9C6D-4A61-87CC-E802B5686BC1}" srcOrd="0" destOrd="0" presId="urn:microsoft.com/office/officeart/2005/8/layout/list1"/>
+    <dgm:cxn modelId="{EAD8F820-CBC1-48D7-A8A9-64A6FBEB2CD0}" type="presOf" srcId="{68CDD154-F438-49AE-AED8-77DB9EC9D634}" destId="{21C03DFF-8234-4BBD-95B9-2622D999B6CC}" srcOrd="0" destOrd="0" presId="urn:microsoft.com/office/officeart/2005/8/layout/list1"/>
     <dgm:cxn modelId="{04B3E604-C413-457E-B68C-5144C6DC9915}" srcId="{EF1F78ED-E9D5-44E4-97D4-B3FEFD902986}" destId="{89B52B6D-D82C-42B0-BE38-A3B3D68F9C27}" srcOrd="2" destOrd="0" parTransId="{A5642D67-0660-487A-A1E2-D092914AC2EB}" sibTransId="{86F3C531-528D-49DB-9EB7-8C6D718BDBE9}"/>
-    <dgm:cxn modelId="{EAD8F820-CBC1-48D7-A8A9-64A6FBEB2CD0}" type="presOf" srcId="{68CDD154-F438-49AE-AED8-77DB9EC9D634}" destId="{21C03DFF-8234-4BBD-95B9-2622D999B6CC}" srcOrd="0" destOrd="0" presId="urn:microsoft.com/office/officeart/2005/8/layout/list1"/>
+    <dgm:cxn modelId="{C9E4C59F-1A71-4E66-84D4-AE84CE96437F}" type="presOf" srcId="{885613C5-7A76-4AA0-92F0-EEDD9B446661}" destId="{E1A9A929-FEE8-4155-9F48-FAC5EE533310}" srcOrd="1" destOrd="0" presId="urn:microsoft.com/office/officeart/2005/8/layout/list1"/>
     <dgm:cxn modelId="{48EEECB1-3112-4C42-87DF-4BFE0EF38A24}" type="presOf" srcId="{BF9A83B9-8111-4B78-8600-312D1688C140}" destId="{25B48118-6B58-4064-9C50-F7B4852148FC}" srcOrd="1" destOrd="0" presId="urn:microsoft.com/office/officeart/2005/8/layout/list1"/>
-    <dgm:cxn modelId="{C9E4C59F-1A71-4E66-84D4-AE84CE96437F}" type="presOf" srcId="{885613C5-7A76-4AA0-92F0-EEDD9B446661}" destId="{E1A9A929-FEE8-4155-9F48-FAC5EE533310}" srcOrd="1" destOrd="0" presId="urn:microsoft.com/office/officeart/2005/8/layout/list1"/>
+    <dgm:cxn modelId="{41B59570-FE80-4E7F-9E79-0C4F1EE64B49}" srcId="{EF1F78ED-E9D5-44E4-97D4-B3FEFD902986}" destId="{885613C5-7A76-4AA0-92F0-EEDD9B446661}" srcOrd="0" destOrd="0" parTransId="{A964CD41-1FAB-4DC7-BFB1-8EFFD3ADEC73}" sibTransId="{6C21FB75-BC17-41CC-880D-0FB92EFFD8D8}"/>
     <dgm:cxn modelId="{8F58D411-B0D3-49B8-8DB2-4EA8C96091D5}" type="presOf" srcId="{89B52B6D-D82C-42B0-BE38-A3B3D68F9C27}" destId="{FB899ED4-0995-40A2-A345-468203D60C81}" srcOrd="1" destOrd="0" presId="urn:microsoft.com/office/officeart/2005/8/layout/list1"/>
-    <dgm:cxn modelId="{D6122ACD-1685-43B1-9C5B-E1326B60B129}" type="presOf" srcId="{EF1F78ED-E9D5-44E4-97D4-B3FEFD902986}" destId="{DD69F0F8-C7C4-4EF4-8C1C-51E0155113CE}" srcOrd="0" destOrd="0" presId="urn:microsoft.com/office/officeart/2005/8/layout/list1"/>
-    <dgm:cxn modelId="{CB57BA4F-ABA8-48A9-9D26-B1279D4664BC}" srcId="{EF1F78ED-E9D5-44E4-97D4-B3FEFD902986}" destId="{BF9A83B9-8111-4B78-8600-312D1688C140}" srcOrd="4" destOrd="0" parTransId="{8FA8D553-4648-4D63-9876-6E7449F8F18A}" sibTransId="{9D0571FA-F277-43A1-BCD9-ED2072122346}"/>
-    <dgm:cxn modelId="{41B59570-FE80-4E7F-9E79-0C4F1EE64B49}" srcId="{EF1F78ED-E9D5-44E4-97D4-B3FEFD902986}" destId="{885613C5-7A76-4AA0-92F0-EEDD9B446661}" srcOrd="0" destOrd="0" parTransId="{A964CD41-1FAB-4DC7-BFB1-8EFFD3ADEC73}" sibTransId="{6C21FB75-BC17-41CC-880D-0FB92EFFD8D8}"/>
-    <dgm:cxn modelId="{9797B96C-17EB-46FB-9167-2BD4C6C8E8B2}" type="presOf" srcId="{BF9A83B9-8111-4B78-8600-312D1688C140}" destId="{8ED20E6A-F08F-4955-95AA-301A4ACB2F6E}" srcOrd="0" destOrd="0" presId="urn:microsoft.com/office/officeart/2005/8/layout/list1"/>
     <dgm:cxn modelId="{FE8DE26B-BE19-4828-A822-C5FFD39F086C}" type="presParOf" srcId="{DD69F0F8-C7C4-4EF4-8C1C-51E0155113CE}" destId="{2AC9D863-F73C-450B-9D85-60B005DA622F}" srcOrd="0" destOrd="0" presId="urn:microsoft.com/office/officeart/2005/8/layout/list1"/>
     <dgm:cxn modelId="{D99899A1-5174-4AE1-B68C-888903C0F203}" type="presParOf" srcId="{2AC9D863-F73C-450B-9D85-60B005DA622F}" destId="{81666E97-5860-45F1-88A5-99FAA589A582}" srcOrd="0" destOrd="0" presId="urn:microsoft.com/office/officeart/2005/8/layout/list1"/>
     <dgm:cxn modelId="{8E54FAD1-7DFD-4CAB-B580-2BCDC72E2854}" type="presParOf" srcId="{2AC9D863-F73C-450B-9D85-60B005DA622F}" destId="{E1A9A929-FEE8-4155-9F48-FAC5EE533310}" srcOrd="1" destOrd="0" presId="urn:microsoft.com/office/officeart/2005/8/layout/list1"/>
@@ -3699,7 +3698,7 @@
   <dgm:whole/>
   <dgm:extLst>
     <a:ext uri="http://schemas.microsoft.com/office/drawing/2008/diagram">
-      <dsp:dataModelExt xmlns:dsp="http://schemas.microsoft.com/office/drawing/2008/diagram" xmlns="" relId="rId6" minVer="http://schemas.openxmlformats.org/drawingml/2006/diagram"/>
+      <dsp:dataModelExt xmlns:dsp="http://schemas.microsoft.com/office/drawing/2008/diagram" relId="rId6" minVer="http://schemas.openxmlformats.org/drawingml/2006/diagram"/>
     </a:ext>
   </dgm:extLst>
 </dgm:dataModel>
@@ -3930,17 +3929,17 @@
     </dgm:pt>
   </dgm:ptLst>
   <dgm:cxnLst>
+    <dgm:cxn modelId="{0F92CF51-8E61-460B-8E99-6FCFD7D21AC4}" type="presOf" srcId="{3ED2506A-D607-4A12-8A50-AC72420F3F00}" destId="{715D256F-02F7-4191-B84E-3A4C6CD8FFC5}" srcOrd="0" destOrd="0" presId="urn:microsoft.com/office/officeart/2005/8/layout/process2"/>
+    <dgm:cxn modelId="{8181B420-CCBA-47B0-99DB-8B0F75FCFC67}" type="presOf" srcId="{50A8F3E4-F51A-4E67-BB1C-EFC8155DD776}" destId="{5EF98626-1B98-4F0E-B74A-248A9D343D4B}" srcOrd="1" destOrd="0" presId="urn:microsoft.com/office/officeart/2005/8/layout/process2"/>
+    <dgm:cxn modelId="{B5133DE3-4354-4D03-B7CF-D23477E96DD9}" srcId="{DC9B3652-DE2A-4335-B0FB-3045EDEEA6A8}" destId="{8CAA25DF-3B38-443D-A48F-CCAB7142450C}" srcOrd="2" destOrd="0" parTransId="{4BD1F383-75F3-4570-947F-2F89081482BF}" sibTransId="{186EB40E-0379-4173-8900-E632C05B1B0B}"/>
+    <dgm:cxn modelId="{442EB815-09F3-4564-824E-AF9A49E81176}" srcId="{DC9B3652-DE2A-4335-B0FB-3045EDEEA6A8}" destId="{0E522B13-F764-4BC6-83A0-CA4F5944C6E0}" srcOrd="1" destOrd="0" parTransId="{D0C64C9C-06C7-4696-B64E-72EB6765D37D}" sibTransId="{B7FC2DBC-2209-4B52-A6BB-A5B96B108E97}"/>
+    <dgm:cxn modelId="{E8BC3270-1B78-42AA-98F0-9309B2A170EE}" type="presOf" srcId="{8CAA25DF-3B38-443D-A48F-CCAB7142450C}" destId="{4DA5EE49-8168-4D22-9537-7BE4A3708548}" srcOrd="0" destOrd="0" presId="urn:microsoft.com/office/officeart/2005/8/layout/process2"/>
     <dgm:cxn modelId="{F18AB1FE-0025-496D-BE04-40DF17B8D59D}" type="presOf" srcId="{DC9B3652-DE2A-4335-B0FB-3045EDEEA6A8}" destId="{40A287E9-C42B-4334-9643-572CE6DD897B}" srcOrd="0" destOrd="0" presId="urn:microsoft.com/office/officeart/2005/8/layout/process2"/>
+    <dgm:cxn modelId="{801EFD6F-FC26-4BA6-AA03-29FB41AE3CC1}" type="presOf" srcId="{B7FC2DBC-2209-4B52-A6BB-A5B96B108E97}" destId="{D7B61D4E-81AD-4336-8A85-CB458552E574}" srcOrd="1" destOrd="0" presId="urn:microsoft.com/office/officeart/2005/8/layout/process2"/>
+    <dgm:cxn modelId="{1E76EC3B-6F04-4B8F-9B08-F745AF155804}" type="presOf" srcId="{B7FC2DBC-2209-4B52-A6BB-A5B96B108E97}" destId="{30F2A522-5361-42FD-BDF3-9AAF9B6E48CD}" srcOrd="0" destOrd="0" presId="urn:microsoft.com/office/officeart/2005/8/layout/process2"/>
+    <dgm:cxn modelId="{B120A2B9-9B85-406D-954D-6713BD88FF5C}" srcId="{DC9B3652-DE2A-4335-B0FB-3045EDEEA6A8}" destId="{3ED2506A-D607-4A12-8A50-AC72420F3F00}" srcOrd="0" destOrd="0" parTransId="{E8D3A7A7-32F7-4A63-91CB-C04C53F7C046}" sibTransId="{50A8F3E4-F51A-4E67-BB1C-EFC8155DD776}"/>
+    <dgm:cxn modelId="{BAA27956-6A5E-4829-BFFD-6D60B13C8EAC}" type="presOf" srcId="{0E522B13-F764-4BC6-83A0-CA4F5944C6E0}" destId="{BFBD83CE-AD3D-4B36-AFD4-F505FE96449E}" srcOrd="0" destOrd="0" presId="urn:microsoft.com/office/officeart/2005/8/layout/process2"/>
     <dgm:cxn modelId="{5BC899BC-FAF8-41E4-9EA1-66AA57398186}" type="presOf" srcId="{50A8F3E4-F51A-4E67-BB1C-EFC8155DD776}" destId="{C5BE00BD-745C-43E7-912B-9157D7920E0A}" srcOrd="0" destOrd="0" presId="urn:microsoft.com/office/officeart/2005/8/layout/process2"/>
-    <dgm:cxn modelId="{0F92CF51-8E61-460B-8E99-6FCFD7D21AC4}" type="presOf" srcId="{3ED2506A-D607-4A12-8A50-AC72420F3F00}" destId="{715D256F-02F7-4191-B84E-3A4C6CD8FFC5}" srcOrd="0" destOrd="0" presId="urn:microsoft.com/office/officeart/2005/8/layout/process2"/>
-    <dgm:cxn modelId="{BAA27956-6A5E-4829-BFFD-6D60B13C8EAC}" type="presOf" srcId="{0E522B13-F764-4BC6-83A0-CA4F5944C6E0}" destId="{BFBD83CE-AD3D-4B36-AFD4-F505FE96449E}" srcOrd="0" destOrd="0" presId="urn:microsoft.com/office/officeart/2005/8/layout/process2"/>
-    <dgm:cxn modelId="{E8BC3270-1B78-42AA-98F0-9309B2A170EE}" type="presOf" srcId="{8CAA25DF-3B38-443D-A48F-CCAB7142450C}" destId="{4DA5EE49-8168-4D22-9537-7BE4A3708548}" srcOrd="0" destOrd="0" presId="urn:microsoft.com/office/officeart/2005/8/layout/process2"/>
-    <dgm:cxn modelId="{B120A2B9-9B85-406D-954D-6713BD88FF5C}" srcId="{DC9B3652-DE2A-4335-B0FB-3045EDEEA6A8}" destId="{3ED2506A-D607-4A12-8A50-AC72420F3F00}" srcOrd="0" destOrd="0" parTransId="{E8D3A7A7-32F7-4A63-91CB-C04C53F7C046}" sibTransId="{50A8F3E4-F51A-4E67-BB1C-EFC8155DD776}"/>
-    <dgm:cxn modelId="{442EB815-09F3-4564-824E-AF9A49E81176}" srcId="{DC9B3652-DE2A-4335-B0FB-3045EDEEA6A8}" destId="{0E522B13-F764-4BC6-83A0-CA4F5944C6E0}" srcOrd="1" destOrd="0" parTransId="{D0C64C9C-06C7-4696-B64E-72EB6765D37D}" sibTransId="{B7FC2DBC-2209-4B52-A6BB-A5B96B108E97}"/>
-    <dgm:cxn modelId="{B5133DE3-4354-4D03-B7CF-D23477E96DD9}" srcId="{DC9B3652-DE2A-4335-B0FB-3045EDEEA6A8}" destId="{8CAA25DF-3B38-443D-A48F-CCAB7142450C}" srcOrd="2" destOrd="0" parTransId="{4BD1F383-75F3-4570-947F-2F89081482BF}" sibTransId="{186EB40E-0379-4173-8900-E632C05B1B0B}"/>
-    <dgm:cxn modelId="{1E76EC3B-6F04-4B8F-9B08-F745AF155804}" type="presOf" srcId="{B7FC2DBC-2209-4B52-A6BB-A5B96B108E97}" destId="{30F2A522-5361-42FD-BDF3-9AAF9B6E48CD}" srcOrd="0" destOrd="0" presId="urn:microsoft.com/office/officeart/2005/8/layout/process2"/>
-    <dgm:cxn modelId="{8181B420-CCBA-47B0-99DB-8B0F75FCFC67}" type="presOf" srcId="{50A8F3E4-F51A-4E67-BB1C-EFC8155DD776}" destId="{5EF98626-1B98-4F0E-B74A-248A9D343D4B}" srcOrd="1" destOrd="0" presId="urn:microsoft.com/office/officeart/2005/8/layout/process2"/>
-    <dgm:cxn modelId="{801EFD6F-FC26-4BA6-AA03-29FB41AE3CC1}" type="presOf" srcId="{B7FC2DBC-2209-4B52-A6BB-A5B96B108E97}" destId="{D7B61D4E-81AD-4336-8A85-CB458552E574}" srcOrd="1" destOrd="0" presId="urn:microsoft.com/office/officeart/2005/8/layout/process2"/>
     <dgm:cxn modelId="{08C7413F-9BBB-42CA-B81C-A9C03F1F5B27}" type="presParOf" srcId="{40A287E9-C42B-4334-9643-572CE6DD897B}" destId="{715D256F-02F7-4191-B84E-3A4C6CD8FFC5}" srcOrd="0" destOrd="0" presId="urn:microsoft.com/office/officeart/2005/8/layout/process2"/>
     <dgm:cxn modelId="{990F8155-4613-4776-AD5A-E5F243E154A7}" type="presParOf" srcId="{40A287E9-C42B-4334-9643-572CE6DD897B}" destId="{C5BE00BD-745C-43E7-912B-9157D7920E0A}" srcOrd="1" destOrd="0" presId="urn:microsoft.com/office/officeart/2005/8/layout/process2"/>
     <dgm:cxn modelId="{543C2B9E-731F-4B2F-B780-7C67A2CFC07B}" type="presParOf" srcId="{C5BE00BD-745C-43E7-912B-9157D7920E0A}" destId="{5EF98626-1B98-4F0E-B74A-248A9D343D4B}" srcOrd="0" destOrd="0" presId="urn:microsoft.com/office/officeart/2005/8/layout/process2"/>
@@ -3953,7 +3952,7 @@
   <dgm:whole/>
   <dgm:extLst>
     <a:ext uri="http://schemas.microsoft.com/office/drawing/2008/diagram">
-      <dsp:dataModelExt xmlns:dsp="http://schemas.microsoft.com/office/drawing/2008/diagram" xmlns="" relId="rId6" minVer="http://schemas.openxmlformats.org/drawingml/2006/diagram"/>
+      <dsp:dataModelExt xmlns:dsp="http://schemas.microsoft.com/office/drawing/2008/diagram" relId="rId6" minVer="http://schemas.openxmlformats.org/drawingml/2006/diagram"/>
     </a:ext>
   </dgm:extLst>
 </dgm:dataModel>
@@ -4182,17 +4181,17 @@
     </dgm:pt>
   </dgm:ptLst>
   <dgm:cxnLst>
+    <dgm:cxn modelId="{B120A2B9-9B85-406D-954D-6713BD88FF5C}" srcId="{DC9B3652-DE2A-4335-B0FB-3045EDEEA6A8}" destId="{3ED2506A-D607-4A12-8A50-AC72420F3F00}" srcOrd="0" destOrd="0" parTransId="{E8D3A7A7-32F7-4A63-91CB-C04C53F7C046}" sibTransId="{50A8F3E4-F51A-4E67-BB1C-EFC8155DD776}"/>
     <dgm:cxn modelId="{FCD099FA-4F06-4275-9DF4-7552D29FA9CB}" type="presOf" srcId="{3ED2506A-D607-4A12-8A50-AC72420F3F00}" destId="{715D256F-02F7-4191-B84E-3A4C6CD8FFC5}" srcOrd="0" destOrd="0" presId="urn:microsoft.com/office/officeart/2005/8/layout/process2"/>
+    <dgm:cxn modelId="{B5133DE3-4354-4D03-B7CF-D23477E96DD9}" srcId="{DC9B3652-DE2A-4335-B0FB-3045EDEEA6A8}" destId="{8CAA25DF-3B38-443D-A48F-CCAB7142450C}" srcOrd="2" destOrd="0" parTransId="{4BD1F383-75F3-4570-947F-2F89081482BF}" sibTransId="{186EB40E-0379-4173-8900-E632C05B1B0B}"/>
+    <dgm:cxn modelId="{442EB815-09F3-4564-824E-AF9A49E81176}" srcId="{DC9B3652-DE2A-4335-B0FB-3045EDEEA6A8}" destId="{0E522B13-F764-4BC6-83A0-CA4F5944C6E0}" srcOrd="1" destOrd="0" parTransId="{D0C64C9C-06C7-4696-B64E-72EB6765D37D}" sibTransId="{B7FC2DBC-2209-4B52-A6BB-A5B96B108E97}"/>
     <dgm:cxn modelId="{1417121F-BF3C-49F7-91CD-28895F1A9C54}" type="presOf" srcId="{50A8F3E4-F51A-4E67-BB1C-EFC8155DD776}" destId="{5EF98626-1B98-4F0E-B74A-248A9D343D4B}" srcOrd="1" destOrd="0" presId="urn:microsoft.com/office/officeart/2005/8/layout/process2"/>
-    <dgm:cxn modelId="{6811263B-3ADE-4806-BEED-B5669D3BD03F}" type="presOf" srcId="{50A8F3E4-F51A-4E67-BB1C-EFC8155DD776}" destId="{C5BE00BD-745C-43E7-912B-9157D7920E0A}" srcOrd="0" destOrd="0" presId="urn:microsoft.com/office/officeart/2005/8/layout/process2"/>
-    <dgm:cxn modelId="{3A49BE87-DDE8-4117-90E1-4D1F43716916}" type="presOf" srcId="{B7FC2DBC-2209-4B52-A6BB-A5B96B108E97}" destId="{30F2A522-5361-42FD-BDF3-9AAF9B6E48CD}" srcOrd="0" destOrd="0" presId="urn:microsoft.com/office/officeart/2005/8/layout/process2"/>
-    <dgm:cxn modelId="{3674EAE9-5C2E-4F0D-9BE7-5234E85DC312}" type="presOf" srcId="{8CAA25DF-3B38-443D-A48F-CCAB7142450C}" destId="{4DA5EE49-8168-4D22-9537-7BE4A3708548}" srcOrd="0" destOrd="0" presId="urn:microsoft.com/office/officeart/2005/8/layout/process2"/>
-    <dgm:cxn modelId="{B120A2B9-9B85-406D-954D-6713BD88FF5C}" srcId="{DC9B3652-DE2A-4335-B0FB-3045EDEEA6A8}" destId="{3ED2506A-D607-4A12-8A50-AC72420F3F00}" srcOrd="0" destOrd="0" parTransId="{E8D3A7A7-32F7-4A63-91CB-C04C53F7C046}" sibTransId="{50A8F3E4-F51A-4E67-BB1C-EFC8155DD776}"/>
-    <dgm:cxn modelId="{1F632DDF-2108-42D1-8F30-E4933BE2547B}" type="presOf" srcId="{DC9B3652-DE2A-4335-B0FB-3045EDEEA6A8}" destId="{40A287E9-C42B-4334-9643-572CE6DD897B}" srcOrd="0" destOrd="0" presId="urn:microsoft.com/office/officeart/2005/8/layout/process2"/>
-    <dgm:cxn modelId="{442EB815-09F3-4564-824E-AF9A49E81176}" srcId="{DC9B3652-DE2A-4335-B0FB-3045EDEEA6A8}" destId="{0E522B13-F764-4BC6-83A0-CA4F5944C6E0}" srcOrd="1" destOrd="0" parTransId="{D0C64C9C-06C7-4696-B64E-72EB6765D37D}" sibTransId="{B7FC2DBC-2209-4B52-A6BB-A5B96B108E97}"/>
-    <dgm:cxn modelId="{B5133DE3-4354-4D03-B7CF-D23477E96DD9}" srcId="{DC9B3652-DE2A-4335-B0FB-3045EDEEA6A8}" destId="{8CAA25DF-3B38-443D-A48F-CCAB7142450C}" srcOrd="2" destOrd="0" parTransId="{4BD1F383-75F3-4570-947F-2F89081482BF}" sibTransId="{186EB40E-0379-4173-8900-E632C05B1B0B}"/>
     <dgm:cxn modelId="{AEECC6F0-8467-4F89-8B15-DD935CF58F61}" type="presOf" srcId="{B7FC2DBC-2209-4B52-A6BB-A5B96B108E97}" destId="{D7B61D4E-81AD-4336-8A85-CB458552E574}" srcOrd="1" destOrd="0" presId="urn:microsoft.com/office/officeart/2005/8/layout/process2"/>
     <dgm:cxn modelId="{C028BE47-A9CE-4C17-A602-3B095B3FB67D}" type="presOf" srcId="{0E522B13-F764-4BC6-83A0-CA4F5944C6E0}" destId="{BFBD83CE-AD3D-4B36-AFD4-F505FE96449E}" srcOrd="0" destOrd="0" presId="urn:microsoft.com/office/officeart/2005/8/layout/process2"/>
+    <dgm:cxn modelId="{1F632DDF-2108-42D1-8F30-E4933BE2547B}" type="presOf" srcId="{DC9B3652-DE2A-4335-B0FB-3045EDEEA6A8}" destId="{40A287E9-C42B-4334-9643-572CE6DD897B}" srcOrd="0" destOrd="0" presId="urn:microsoft.com/office/officeart/2005/8/layout/process2"/>
+    <dgm:cxn modelId="{3A49BE87-DDE8-4117-90E1-4D1F43716916}" type="presOf" srcId="{B7FC2DBC-2209-4B52-A6BB-A5B96B108E97}" destId="{30F2A522-5361-42FD-BDF3-9AAF9B6E48CD}" srcOrd="0" destOrd="0" presId="urn:microsoft.com/office/officeart/2005/8/layout/process2"/>
+    <dgm:cxn modelId="{6811263B-3ADE-4806-BEED-B5669D3BD03F}" type="presOf" srcId="{50A8F3E4-F51A-4E67-BB1C-EFC8155DD776}" destId="{C5BE00BD-745C-43E7-912B-9157D7920E0A}" srcOrd="0" destOrd="0" presId="urn:microsoft.com/office/officeart/2005/8/layout/process2"/>
+    <dgm:cxn modelId="{3674EAE9-5C2E-4F0D-9BE7-5234E85DC312}" type="presOf" srcId="{8CAA25DF-3B38-443D-A48F-CCAB7142450C}" destId="{4DA5EE49-8168-4D22-9537-7BE4A3708548}" srcOrd="0" destOrd="0" presId="urn:microsoft.com/office/officeart/2005/8/layout/process2"/>
     <dgm:cxn modelId="{122CEEBD-C34A-4231-B9CB-A3E1F536048E}" type="presParOf" srcId="{40A287E9-C42B-4334-9643-572CE6DD897B}" destId="{715D256F-02F7-4191-B84E-3A4C6CD8FFC5}" srcOrd="0" destOrd="0" presId="urn:microsoft.com/office/officeart/2005/8/layout/process2"/>
     <dgm:cxn modelId="{F5362749-61C6-45FF-A9EB-47247277E8DC}" type="presParOf" srcId="{40A287E9-C42B-4334-9643-572CE6DD897B}" destId="{C5BE00BD-745C-43E7-912B-9157D7920E0A}" srcOrd="1" destOrd="0" presId="urn:microsoft.com/office/officeart/2005/8/layout/process2"/>
     <dgm:cxn modelId="{3890D6AB-0335-43DB-970C-C41282978FDA}" type="presParOf" srcId="{C5BE00BD-745C-43E7-912B-9157D7920E0A}" destId="{5EF98626-1B98-4F0E-B74A-248A9D343D4B}" srcOrd="0" destOrd="0" presId="urn:microsoft.com/office/officeart/2005/8/layout/process2"/>
@@ -4205,7 +4204,7 @@
   <dgm:whole/>
   <dgm:extLst>
     <a:ext uri="http://schemas.microsoft.com/office/drawing/2008/diagram">
-      <dsp:dataModelExt xmlns:dsp="http://schemas.microsoft.com/office/drawing/2008/diagram" xmlns="" relId="rId11" minVer="http://schemas.openxmlformats.org/drawingml/2006/diagram"/>
+      <dsp:dataModelExt xmlns:dsp="http://schemas.microsoft.com/office/drawing/2008/diagram" relId="rId11" minVer="http://schemas.openxmlformats.org/drawingml/2006/diagram"/>
     </a:ext>
   </dgm:extLst>
 </dgm:dataModel>
@@ -4291,14 +4290,14 @@
   <dgm:whole/>
   <dgm:extLst>
     <a:ext uri="http://schemas.microsoft.com/office/drawing/2008/diagram">
-      <dsp:dataModelExt xmlns:dsp="http://schemas.microsoft.com/office/drawing/2008/diagram" xmlns="" relId="rId16" minVer="http://schemas.openxmlformats.org/drawingml/2006/diagram"/>
+      <dsp:dataModelExt xmlns:dsp="http://schemas.microsoft.com/office/drawing/2008/diagram" relId="rId16" minVer="http://schemas.openxmlformats.org/drawingml/2006/diagram"/>
     </a:ext>
   </dgm:extLst>
 </dgm:dataModel>
 </file>
 
 <file path=ppt/diagrams/drawing1.xml><?xml version="1.0" encoding="utf-8"?>
-<dsp:drawing xmlns:dgm="http://schemas.openxmlformats.org/drawingml/2006/diagram" xmlns:a="http://schemas.openxmlformats.org/drawingml/2006/main" xmlns:dsp="http://schemas.microsoft.com/office/drawing/2008/diagram">
+<dsp:drawing xmlns:dgm="http://schemas.openxmlformats.org/drawingml/2006/diagram" xmlns:dsp="http://schemas.microsoft.com/office/drawing/2008/diagram" xmlns:a="http://schemas.openxmlformats.org/drawingml/2006/main">
   <dsp:spTree>
     <dsp:nvGrpSpPr>
       <dsp:cNvPr id="0" name=""/>
@@ -4426,8 +4425,8 @@
         </a:p>
       </dsp:txBody>
       <dsp:txXfrm>
-        <a:off x="369570" y="102531"/>
-        <a:ext cx="5173980" cy="560880"/>
+        <a:off x="396950" y="129911"/>
+        <a:ext cx="5119220" cy="506120"/>
       </dsp:txXfrm>
     </dsp:sp>
     <dsp:sp modelId="{F6B0ED51-C4BD-4727-BD27-53060818C439}">
@@ -4551,8 +4550,8 @@
         </a:p>
       </dsp:txBody>
       <dsp:txXfrm>
-        <a:off x="369570" y="964371"/>
-        <a:ext cx="5173980" cy="560880"/>
+        <a:off x="396950" y="991751"/>
+        <a:ext cx="5119220" cy="506120"/>
       </dsp:txXfrm>
     </dsp:sp>
     <dsp:sp modelId="{6F1F44CC-2CF6-4D1F-9380-EB8B891F3B87}">
@@ -4676,8 +4675,8 @@
         </a:p>
       </dsp:txBody>
       <dsp:txXfrm>
-        <a:off x="369570" y="1826211"/>
-        <a:ext cx="5173980" cy="560880"/>
+        <a:off x="396950" y="1853591"/>
+        <a:ext cx="5119220" cy="506120"/>
       </dsp:txXfrm>
     </dsp:sp>
     <dsp:sp modelId="{1B040495-5579-4301-BCA9-162DC725BE9B}">
@@ -4801,8 +4800,8 @@
         </a:p>
       </dsp:txBody>
       <dsp:txXfrm>
-        <a:off x="369570" y="2688051"/>
-        <a:ext cx="5173980" cy="560880"/>
+        <a:off x="396950" y="2715431"/>
+        <a:ext cx="5119220" cy="506120"/>
       </dsp:txXfrm>
     </dsp:sp>
     <dsp:sp modelId="{40AFF034-79FB-446D-A396-A1D78C5E83DA}">
@@ -4926,8 +4925,8 @@
         </a:p>
       </dsp:txBody>
       <dsp:txXfrm>
-        <a:off x="369570" y="3549891"/>
-        <a:ext cx="5173980" cy="560880"/>
+        <a:off x="396950" y="3577271"/>
+        <a:ext cx="5119220" cy="506120"/>
       </dsp:txXfrm>
     </dsp:sp>
   </dsp:spTree>
@@ -4935,37 +4934,882 @@
 </file>
 
 <file path=ppt/diagrams/drawing2.xml><?xml version="1.0" encoding="utf-8"?>
-<dsp:drawing xmlns:dgm="http://schemas.openxmlformats.org/drawingml/2006/diagram" xmlns:a="http://schemas.openxmlformats.org/drawingml/2006/main" xmlns:dsp="http://schemas.microsoft.com/office/drawing/2008/diagram">
+<dsp:drawing xmlns:dgm="http://schemas.openxmlformats.org/drawingml/2006/diagram" xmlns:dsp="http://schemas.microsoft.com/office/drawing/2008/diagram" xmlns:a="http://schemas.openxmlformats.org/drawingml/2006/main">
   <dsp:spTree>
     <dsp:nvGrpSpPr>
       <dsp:cNvPr id="0" name=""/>
       <dsp:cNvGrpSpPr/>
     </dsp:nvGrpSpPr>
     <dsp:grpSpPr/>
+    <dsp:sp modelId="{715D256F-02F7-4191-B84E-3A4C6CD8FFC5}">
+      <dsp:nvSpPr>
+        <dsp:cNvPr id="0" name=""/>
+        <dsp:cNvSpPr/>
+      </dsp:nvSpPr>
+      <dsp:spPr>
+        <a:xfrm>
+          <a:off x="228600" y="0"/>
+          <a:ext cx="1828800" cy="1016000"/>
+        </a:xfrm>
+        <a:prstGeom prst="roundRect">
+          <a:avLst>
+            <a:gd name="adj" fmla="val 10000"/>
+          </a:avLst>
+        </a:prstGeom>
+        <a:solidFill>
+          <a:schemeClr val="accent1">
+            <a:hueOff val="0"/>
+            <a:satOff val="0"/>
+            <a:lumOff val="0"/>
+            <a:alphaOff val="0"/>
+          </a:schemeClr>
+        </a:solidFill>
+        <a:ln w="25400" cap="flat" cmpd="sng" algn="ctr">
+          <a:solidFill>
+            <a:schemeClr val="lt1">
+              <a:hueOff val="0"/>
+              <a:satOff val="0"/>
+              <a:lumOff val="0"/>
+              <a:alphaOff val="0"/>
+            </a:schemeClr>
+          </a:solidFill>
+          <a:prstDash val="solid"/>
+        </a:ln>
+        <a:effectLst/>
+      </dsp:spPr>
+      <dsp:style>
+        <a:lnRef idx="2">
+          <a:scrgbClr r="0" g="0" b="0"/>
+        </a:lnRef>
+        <a:fillRef idx="1">
+          <a:scrgbClr r="0" g="0" b="0"/>
+        </a:fillRef>
+        <a:effectRef idx="0">
+          <a:scrgbClr r="0" g="0" b="0"/>
+        </a:effectRef>
+        <a:fontRef idx="minor">
+          <a:schemeClr val="lt1"/>
+        </a:fontRef>
+      </dsp:style>
+      <dsp:txBody>
+        <a:bodyPr spcFirstLastPara="0" vert="horz" wrap="square" lIns="76200" tIns="76200" rIns="76200" bIns="76200" numCol="1" spcCol="1270" anchor="ctr" anchorCtr="0">
+          <a:noAutofit/>
+        </a:bodyPr>
+        <a:lstStyle/>
+        <a:p>
+          <a:pPr lvl="0" algn="ctr" defTabSz="889000">
+            <a:lnSpc>
+              <a:spcPct val="90000"/>
+            </a:lnSpc>
+            <a:spcBef>
+              <a:spcPct val="0"/>
+            </a:spcBef>
+            <a:spcAft>
+              <a:spcPct val="35000"/>
+            </a:spcAft>
+          </a:pPr>
+          <a:r>
+            <a:rPr lang="en-US" sz="2000" kern="1200" dirty="0" smtClean="0"/>
+            <a:t>Prototyping</a:t>
+          </a:r>
+          <a:endParaRPr lang="en-US" sz="2000" kern="1200" dirty="0"/>
+        </a:p>
+      </dsp:txBody>
+      <dsp:txXfrm>
+        <a:off x="258358" y="29758"/>
+        <a:ext cx="1769284" cy="956484"/>
+      </dsp:txXfrm>
+    </dsp:sp>
+    <dsp:sp modelId="{C5BE00BD-745C-43E7-912B-9157D7920E0A}">
+      <dsp:nvSpPr>
+        <dsp:cNvPr id="0" name=""/>
+        <dsp:cNvSpPr/>
+      </dsp:nvSpPr>
+      <dsp:spPr>
+        <a:xfrm rot="5400000">
+          <a:off x="952500" y="1041399"/>
+          <a:ext cx="380999" cy="457200"/>
+        </a:xfrm>
+        <a:prstGeom prst="rightArrow">
+          <a:avLst>
+            <a:gd name="adj1" fmla="val 60000"/>
+            <a:gd name="adj2" fmla="val 50000"/>
+          </a:avLst>
+        </a:prstGeom>
+        <a:solidFill>
+          <a:schemeClr val="accent1">
+            <a:tint val="60000"/>
+            <a:hueOff val="0"/>
+            <a:satOff val="0"/>
+            <a:lumOff val="0"/>
+            <a:alphaOff val="0"/>
+          </a:schemeClr>
+        </a:solidFill>
+        <a:ln>
+          <a:noFill/>
+        </a:ln>
+        <a:effectLst/>
+      </dsp:spPr>
+      <dsp:style>
+        <a:lnRef idx="0">
+          <a:scrgbClr r="0" g="0" b="0"/>
+        </a:lnRef>
+        <a:fillRef idx="1">
+          <a:scrgbClr r="0" g="0" b="0"/>
+        </a:fillRef>
+        <a:effectRef idx="0">
+          <a:scrgbClr r="0" g="0" b="0"/>
+        </a:effectRef>
+        <a:fontRef idx="minor">
+          <a:schemeClr val="lt1"/>
+        </a:fontRef>
+      </dsp:style>
+      <dsp:txBody>
+        <a:bodyPr spcFirstLastPara="0" vert="horz" wrap="square" lIns="0" tIns="0" rIns="0" bIns="0" numCol="1" spcCol="1270" anchor="ctr" anchorCtr="0">
+          <a:noAutofit/>
+        </a:bodyPr>
+        <a:lstStyle/>
+        <a:p>
+          <a:pPr lvl="0" algn="ctr" defTabSz="711200">
+            <a:lnSpc>
+              <a:spcPct val="90000"/>
+            </a:lnSpc>
+            <a:spcBef>
+              <a:spcPct val="0"/>
+            </a:spcBef>
+            <a:spcAft>
+              <a:spcPct val="35000"/>
+            </a:spcAft>
+          </a:pPr>
+          <a:endParaRPr lang="en-US" sz="1600" kern="1200"/>
+        </a:p>
+      </dsp:txBody>
+      <dsp:txXfrm rot="-5400000">
+        <a:off x="1005840" y="1079499"/>
+        <a:ext cx="274320" cy="266699"/>
+      </dsp:txXfrm>
+    </dsp:sp>
+    <dsp:sp modelId="{BFBD83CE-AD3D-4B36-AFD4-F505FE96449E}">
+      <dsp:nvSpPr>
+        <dsp:cNvPr id="0" name=""/>
+        <dsp:cNvSpPr/>
+      </dsp:nvSpPr>
+      <dsp:spPr>
+        <a:xfrm>
+          <a:off x="228600" y="1523999"/>
+          <a:ext cx="1828800" cy="1016000"/>
+        </a:xfrm>
+        <a:prstGeom prst="roundRect">
+          <a:avLst>
+            <a:gd name="adj" fmla="val 10000"/>
+          </a:avLst>
+        </a:prstGeom>
+        <a:solidFill>
+          <a:schemeClr val="accent1">
+            <a:hueOff val="0"/>
+            <a:satOff val="0"/>
+            <a:lumOff val="0"/>
+            <a:alphaOff val="0"/>
+          </a:schemeClr>
+        </a:solidFill>
+        <a:ln w="25400" cap="flat" cmpd="sng" algn="ctr">
+          <a:solidFill>
+            <a:schemeClr val="lt1">
+              <a:hueOff val="0"/>
+              <a:satOff val="0"/>
+              <a:lumOff val="0"/>
+              <a:alphaOff val="0"/>
+            </a:schemeClr>
+          </a:solidFill>
+          <a:prstDash val="solid"/>
+        </a:ln>
+        <a:effectLst/>
+      </dsp:spPr>
+      <dsp:style>
+        <a:lnRef idx="2">
+          <a:scrgbClr r="0" g="0" b="0"/>
+        </a:lnRef>
+        <a:fillRef idx="1">
+          <a:scrgbClr r="0" g="0" b="0"/>
+        </a:fillRef>
+        <a:effectRef idx="0">
+          <a:scrgbClr r="0" g="0" b="0"/>
+        </a:effectRef>
+        <a:fontRef idx="minor">
+          <a:schemeClr val="lt1"/>
+        </a:fontRef>
+      </dsp:style>
+      <dsp:txBody>
+        <a:bodyPr spcFirstLastPara="0" vert="horz" wrap="square" lIns="76200" tIns="76200" rIns="76200" bIns="76200" numCol="1" spcCol="1270" anchor="ctr" anchorCtr="0">
+          <a:noAutofit/>
+        </a:bodyPr>
+        <a:lstStyle/>
+        <a:p>
+          <a:pPr lvl="0" algn="ctr" defTabSz="889000">
+            <a:lnSpc>
+              <a:spcPct val="90000"/>
+            </a:lnSpc>
+            <a:spcBef>
+              <a:spcPct val="0"/>
+            </a:spcBef>
+            <a:spcAft>
+              <a:spcPct val="35000"/>
+            </a:spcAft>
+          </a:pPr>
+          <a:r>
+            <a:rPr lang="en-US" sz="2000" kern="1200" dirty="0" smtClean="0"/>
+            <a:t>Use Case Modeling</a:t>
+          </a:r>
+          <a:endParaRPr lang="en-US" sz="2000" kern="1200" dirty="0"/>
+        </a:p>
+      </dsp:txBody>
+      <dsp:txXfrm>
+        <a:off x="258358" y="1553757"/>
+        <a:ext cx="1769284" cy="956484"/>
+      </dsp:txXfrm>
+    </dsp:sp>
+    <dsp:sp modelId="{30F2A522-5361-42FD-BDF3-9AAF9B6E48CD}">
+      <dsp:nvSpPr>
+        <dsp:cNvPr id="0" name=""/>
+        <dsp:cNvSpPr/>
+      </dsp:nvSpPr>
+      <dsp:spPr>
+        <a:xfrm rot="5400000">
+          <a:off x="952500" y="2565399"/>
+          <a:ext cx="381000" cy="457200"/>
+        </a:xfrm>
+        <a:prstGeom prst="rightArrow">
+          <a:avLst>
+            <a:gd name="adj1" fmla="val 60000"/>
+            <a:gd name="adj2" fmla="val 50000"/>
+          </a:avLst>
+        </a:prstGeom>
+        <a:solidFill>
+          <a:schemeClr val="accent1">
+            <a:tint val="60000"/>
+            <a:hueOff val="0"/>
+            <a:satOff val="0"/>
+            <a:lumOff val="0"/>
+            <a:alphaOff val="0"/>
+          </a:schemeClr>
+        </a:solidFill>
+        <a:ln>
+          <a:noFill/>
+        </a:ln>
+        <a:effectLst/>
+      </dsp:spPr>
+      <dsp:style>
+        <a:lnRef idx="0">
+          <a:scrgbClr r="0" g="0" b="0"/>
+        </a:lnRef>
+        <a:fillRef idx="1">
+          <a:scrgbClr r="0" g="0" b="0"/>
+        </a:fillRef>
+        <a:effectRef idx="0">
+          <a:scrgbClr r="0" g="0" b="0"/>
+        </a:effectRef>
+        <a:fontRef idx="minor">
+          <a:schemeClr val="lt1"/>
+        </a:fontRef>
+      </dsp:style>
+      <dsp:txBody>
+        <a:bodyPr spcFirstLastPara="0" vert="horz" wrap="square" lIns="0" tIns="0" rIns="0" bIns="0" numCol="1" spcCol="1270" anchor="ctr" anchorCtr="0">
+          <a:noAutofit/>
+        </a:bodyPr>
+        <a:lstStyle/>
+        <a:p>
+          <a:pPr lvl="0" algn="ctr" defTabSz="711200">
+            <a:lnSpc>
+              <a:spcPct val="90000"/>
+            </a:lnSpc>
+            <a:spcBef>
+              <a:spcPct val="0"/>
+            </a:spcBef>
+            <a:spcAft>
+              <a:spcPct val="35000"/>
+            </a:spcAft>
+          </a:pPr>
+          <a:endParaRPr lang="en-US" sz="1600" kern="1200"/>
+        </a:p>
+      </dsp:txBody>
+      <dsp:txXfrm rot="-5400000">
+        <a:off x="1005840" y="2603499"/>
+        <a:ext cx="274320" cy="266700"/>
+      </dsp:txXfrm>
+    </dsp:sp>
+    <dsp:sp modelId="{4DA5EE49-8168-4D22-9537-7BE4A3708548}">
+      <dsp:nvSpPr>
+        <dsp:cNvPr id="0" name=""/>
+        <dsp:cNvSpPr/>
+      </dsp:nvSpPr>
+      <dsp:spPr>
+        <a:xfrm>
+          <a:off x="228600" y="3047999"/>
+          <a:ext cx="1828800" cy="1016000"/>
+        </a:xfrm>
+        <a:prstGeom prst="roundRect">
+          <a:avLst>
+            <a:gd name="adj" fmla="val 10000"/>
+          </a:avLst>
+        </a:prstGeom>
+        <a:solidFill>
+          <a:schemeClr val="accent1">
+            <a:hueOff val="0"/>
+            <a:satOff val="0"/>
+            <a:lumOff val="0"/>
+            <a:alphaOff val="0"/>
+          </a:schemeClr>
+        </a:solidFill>
+        <a:ln w="25400" cap="flat" cmpd="sng" algn="ctr">
+          <a:solidFill>
+            <a:schemeClr val="lt1">
+              <a:hueOff val="0"/>
+              <a:satOff val="0"/>
+              <a:lumOff val="0"/>
+              <a:alphaOff val="0"/>
+            </a:schemeClr>
+          </a:solidFill>
+          <a:prstDash val="solid"/>
+        </a:ln>
+        <a:effectLst/>
+      </dsp:spPr>
+      <dsp:style>
+        <a:lnRef idx="2">
+          <a:scrgbClr r="0" g="0" b="0"/>
+        </a:lnRef>
+        <a:fillRef idx="1">
+          <a:scrgbClr r="0" g="0" b="0"/>
+        </a:fillRef>
+        <a:effectRef idx="0">
+          <a:scrgbClr r="0" g="0" b="0"/>
+        </a:effectRef>
+        <a:fontRef idx="minor">
+          <a:schemeClr val="lt1"/>
+        </a:fontRef>
+      </dsp:style>
+      <dsp:txBody>
+        <a:bodyPr spcFirstLastPara="0" vert="horz" wrap="square" lIns="76200" tIns="76200" rIns="76200" bIns="76200" numCol="1" spcCol="1270" anchor="ctr" anchorCtr="0">
+          <a:noAutofit/>
+        </a:bodyPr>
+        <a:lstStyle/>
+        <a:p>
+          <a:pPr lvl="0" algn="ctr" defTabSz="889000">
+            <a:lnSpc>
+              <a:spcPct val="90000"/>
+            </a:lnSpc>
+            <a:spcBef>
+              <a:spcPct val="0"/>
+            </a:spcBef>
+            <a:spcAft>
+              <a:spcPct val="35000"/>
+            </a:spcAft>
+          </a:pPr>
+          <a:r>
+            <a:rPr lang="en-US" sz="2000" kern="1200" dirty="0" smtClean="0"/>
+            <a:t>Use Case </a:t>
+          </a:r>
+          <a:r>
+            <a:rPr lang="en-US" sz="2000" kern="1200" dirty="0" err="1" smtClean="0"/>
+            <a:t>Realisation</a:t>
+          </a:r>
+          <a:r>
+            <a:rPr lang="en-US" sz="2000" kern="1200" dirty="0" smtClean="0"/>
+            <a:t> Report</a:t>
+          </a:r>
+          <a:endParaRPr lang="en-US" sz="2000" kern="1200" dirty="0"/>
+        </a:p>
+      </dsp:txBody>
+      <dsp:txXfrm>
+        <a:off x="258358" y="3077757"/>
+        <a:ext cx="1769284" cy="956484"/>
+      </dsp:txXfrm>
+    </dsp:sp>
   </dsp:spTree>
 </dsp:drawing>
 </file>
 
 <file path=ppt/diagrams/drawing3.xml><?xml version="1.0" encoding="utf-8"?>
-<dsp:drawing xmlns:dgm="http://schemas.openxmlformats.org/drawingml/2006/diagram" xmlns:a="http://schemas.openxmlformats.org/drawingml/2006/main" xmlns:dsp="http://schemas.microsoft.com/office/drawing/2008/diagram">
+<dsp:drawing xmlns:dgm="http://schemas.openxmlformats.org/drawingml/2006/diagram" xmlns:dsp="http://schemas.microsoft.com/office/drawing/2008/diagram" xmlns:a="http://schemas.openxmlformats.org/drawingml/2006/main">
   <dsp:spTree>
     <dsp:nvGrpSpPr>
       <dsp:cNvPr id="0" name=""/>
       <dsp:cNvGrpSpPr/>
     </dsp:nvGrpSpPr>
     <dsp:grpSpPr/>
+    <dsp:sp modelId="{715D256F-02F7-4191-B84E-3A4C6CD8FFC5}">
+      <dsp:nvSpPr>
+        <dsp:cNvPr id="0" name=""/>
+        <dsp:cNvSpPr/>
+      </dsp:nvSpPr>
+      <dsp:spPr>
+        <a:xfrm>
+          <a:off x="307974" y="0"/>
+          <a:ext cx="1898649" cy="1016000"/>
+        </a:xfrm>
+        <a:prstGeom prst="roundRect">
+          <a:avLst>
+            <a:gd name="adj" fmla="val 10000"/>
+          </a:avLst>
+        </a:prstGeom>
+        <a:solidFill>
+          <a:schemeClr val="accent1">
+            <a:hueOff val="0"/>
+            <a:satOff val="0"/>
+            <a:lumOff val="0"/>
+            <a:alphaOff val="0"/>
+          </a:schemeClr>
+        </a:solidFill>
+        <a:ln w="25400" cap="flat" cmpd="sng" algn="ctr">
+          <a:solidFill>
+            <a:schemeClr val="lt1">
+              <a:hueOff val="0"/>
+              <a:satOff val="0"/>
+              <a:lumOff val="0"/>
+              <a:alphaOff val="0"/>
+            </a:schemeClr>
+          </a:solidFill>
+          <a:prstDash val="solid"/>
+        </a:ln>
+        <a:effectLst/>
+      </dsp:spPr>
+      <dsp:style>
+        <a:lnRef idx="2">
+          <a:scrgbClr r="0" g="0" b="0"/>
+        </a:lnRef>
+        <a:fillRef idx="1">
+          <a:scrgbClr r="0" g="0" b="0"/>
+        </a:fillRef>
+        <a:effectRef idx="0">
+          <a:scrgbClr r="0" g="0" b="0"/>
+        </a:effectRef>
+        <a:fontRef idx="minor">
+          <a:schemeClr val="lt1"/>
+        </a:fontRef>
+      </dsp:style>
+      <dsp:txBody>
+        <a:bodyPr spcFirstLastPara="0" vert="horz" wrap="square" lIns="68580" tIns="68580" rIns="68580" bIns="68580" numCol="1" spcCol="1270" anchor="ctr" anchorCtr="0">
+          <a:noAutofit/>
+        </a:bodyPr>
+        <a:lstStyle/>
+        <a:p>
+          <a:pPr lvl="0" algn="ctr" defTabSz="800100">
+            <a:lnSpc>
+              <a:spcPct val="90000"/>
+            </a:lnSpc>
+            <a:spcBef>
+              <a:spcPct val="0"/>
+            </a:spcBef>
+            <a:spcAft>
+              <a:spcPct val="35000"/>
+            </a:spcAft>
+          </a:pPr>
+          <a:r>
+            <a:rPr lang="en-US" sz="1800" kern="1200" dirty="0" smtClean="0">
+              <a:latin typeface="Calibri" pitchFamily="34" charset="0"/>
+            </a:rPr>
+            <a:t>High-level System Design</a:t>
+          </a:r>
+          <a:endParaRPr lang="en-US" sz="1800" kern="1200" dirty="0"/>
+        </a:p>
+      </dsp:txBody>
+      <dsp:txXfrm>
+        <a:off x="337732" y="29758"/>
+        <a:ext cx="1839133" cy="956484"/>
+      </dsp:txXfrm>
+    </dsp:sp>
+    <dsp:sp modelId="{C5BE00BD-745C-43E7-912B-9157D7920E0A}">
+      <dsp:nvSpPr>
+        <dsp:cNvPr id="0" name=""/>
+        <dsp:cNvSpPr/>
+      </dsp:nvSpPr>
+      <dsp:spPr>
+        <a:xfrm rot="5400000">
+          <a:off x="1066800" y="1041399"/>
+          <a:ext cx="380999" cy="457200"/>
+        </a:xfrm>
+        <a:prstGeom prst="rightArrow">
+          <a:avLst>
+            <a:gd name="adj1" fmla="val 60000"/>
+            <a:gd name="adj2" fmla="val 50000"/>
+          </a:avLst>
+        </a:prstGeom>
+        <a:solidFill>
+          <a:schemeClr val="accent1">
+            <a:tint val="60000"/>
+            <a:hueOff val="0"/>
+            <a:satOff val="0"/>
+            <a:lumOff val="0"/>
+            <a:alphaOff val="0"/>
+          </a:schemeClr>
+        </a:solidFill>
+        <a:ln>
+          <a:noFill/>
+        </a:ln>
+        <a:effectLst/>
+      </dsp:spPr>
+      <dsp:style>
+        <a:lnRef idx="0">
+          <a:scrgbClr r="0" g="0" b="0"/>
+        </a:lnRef>
+        <a:fillRef idx="1">
+          <a:scrgbClr r="0" g="0" b="0"/>
+        </a:fillRef>
+        <a:effectRef idx="0">
+          <a:scrgbClr r="0" g="0" b="0"/>
+        </a:effectRef>
+        <a:fontRef idx="minor">
+          <a:schemeClr val="lt1"/>
+        </a:fontRef>
+      </dsp:style>
+      <dsp:txBody>
+        <a:bodyPr spcFirstLastPara="0" vert="horz" wrap="square" lIns="0" tIns="0" rIns="0" bIns="0" numCol="1" spcCol="1270" anchor="ctr" anchorCtr="0">
+          <a:noAutofit/>
+        </a:bodyPr>
+        <a:lstStyle/>
+        <a:p>
+          <a:pPr lvl="0" algn="ctr" defTabSz="622300">
+            <a:lnSpc>
+              <a:spcPct val="90000"/>
+            </a:lnSpc>
+            <a:spcBef>
+              <a:spcPct val="0"/>
+            </a:spcBef>
+            <a:spcAft>
+              <a:spcPct val="35000"/>
+            </a:spcAft>
+          </a:pPr>
+          <a:endParaRPr lang="en-US" sz="1400" kern="1200"/>
+        </a:p>
+      </dsp:txBody>
+      <dsp:txXfrm rot="-5400000">
+        <a:off x="1120140" y="1079499"/>
+        <a:ext cx="274320" cy="266699"/>
+      </dsp:txXfrm>
+    </dsp:sp>
+    <dsp:sp modelId="{BFBD83CE-AD3D-4B36-AFD4-F505FE96449E}">
+      <dsp:nvSpPr>
+        <dsp:cNvPr id="0" name=""/>
+        <dsp:cNvSpPr/>
+      </dsp:nvSpPr>
+      <dsp:spPr>
+        <a:xfrm>
+          <a:off x="307974" y="1523999"/>
+          <a:ext cx="1898649" cy="1016000"/>
+        </a:xfrm>
+        <a:prstGeom prst="roundRect">
+          <a:avLst>
+            <a:gd name="adj" fmla="val 10000"/>
+          </a:avLst>
+        </a:prstGeom>
+        <a:solidFill>
+          <a:schemeClr val="accent1">
+            <a:hueOff val="0"/>
+            <a:satOff val="0"/>
+            <a:lumOff val="0"/>
+            <a:alphaOff val="0"/>
+          </a:schemeClr>
+        </a:solidFill>
+        <a:ln w="25400" cap="flat" cmpd="sng" algn="ctr">
+          <a:solidFill>
+            <a:schemeClr val="lt1">
+              <a:hueOff val="0"/>
+              <a:satOff val="0"/>
+              <a:lumOff val="0"/>
+              <a:alphaOff val="0"/>
+            </a:schemeClr>
+          </a:solidFill>
+          <a:prstDash val="solid"/>
+        </a:ln>
+        <a:effectLst/>
+      </dsp:spPr>
+      <dsp:style>
+        <a:lnRef idx="2">
+          <a:scrgbClr r="0" g="0" b="0"/>
+        </a:lnRef>
+        <a:fillRef idx="1">
+          <a:scrgbClr r="0" g="0" b="0"/>
+        </a:fillRef>
+        <a:effectRef idx="0">
+          <a:scrgbClr r="0" g="0" b="0"/>
+        </a:effectRef>
+        <a:fontRef idx="minor">
+          <a:schemeClr val="lt1"/>
+        </a:fontRef>
+      </dsp:style>
+      <dsp:txBody>
+        <a:bodyPr spcFirstLastPara="0" vert="horz" wrap="square" lIns="68580" tIns="68580" rIns="68580" bIns="68580" numCol="1" spcCol="1270" anchor="ctr" anchorCtr="0">
+          <a:noAutofit/>
+        </a:bodyPr>
+        <a:lstStyle/>
+        <a:p>
+          <a:pPr lvl="0" algn="ctr" defTabSz="800100">
+            <a:lnSpc>
+              <a:spcPct val="90000"/>
+            </a:lnSpc>
+            <a:spcBef>
+              <a:spcPct val="0"/>
+            </a:spcBef>
+            <a:spcAft>
+              <a:spcPct val="35000"/>
+            </a:spcAft>
+          </a:pPr>
+          <a:r>
+            <a:rPr lang="en-US" sz="1800" kern="1200" dirty="0" smtClean="0">
+              <a:latin typeface="Calibri" pitchFamily="34" charset="0"/>
+            </a:rPr>
+            <a:t>Software Architecture</a:t>
+          </a:r>
+          <a:endParaRPr lang="en-US" sz="1800" kern="1200" dirty="0"/>
+        </a:p>
+      </dsp:txBody>
+      <dsp:txXfrm>
+        <a:off x="337732" y="1553757"/>
+        <a:ext cx="1839133" cy="956484"/>
+      </dsp:txXfrm>
+    </dsp:sp>
+    <dsp:sp modelId="{30F2A522-5361-42FD-BDF3-9AAF9B6E48CD}">
+      <dsp:nvSpPr>
+        <dsp:cNvPr id="0" name=""/>
+        <dsp:cNvSpPr/>
+      </dsp:nvSpPr>
+      <dsp:spPr>
+        <a:xfrm rot="5400000">
+          <a:off x="1066799" y="2565399"/>
+          <a:ext cx="381000" cy="457200"/>
+        </a:xfrm>
+        <a:prstGeom prst="rightArrow">
+          <a:avLst>
+            <a:gd name="adj1" fmla="val 60000"/>
+            <a:gd name="adj2" fmla="val 50000"/>
+          </a:avLst>
+        </a:prstGeom>
+        <a:solidFill>
+          <a:schemeClr val="accent1">
+            <a:tint val="60000"/>
+            <a:hueOff val="0"/>
+            <a:satOff val="0"/>
+            <a:lumOff val="0"/>
+            <a:alphaOff val="0"/>
+          </a:schemeClr>
+        </a:solidFill>
+        <a:ln>
+          <a:noFill/>
+        </a:ln>
+        <a:effectLst/>
+      </dsp:spPr>
+      <dsp:style>
+        <a:lnRef idx="0">
+          <a:scrgbClr r="0" g="0" b="0"/>
+        </a:lnRef>
+        <a:fillRef idx="1">
+          <a:scrgbClr r="0" g="0" b="0"/>
+        </a:fillRef>
+        <a:effectRef idx="0">
+          <a:scrgbClr r="0" g="0" b="0"/>
+        </a:effectRef>
+        <a:fontRef idx="minor">
+          <a:schemeClr val="lt1"/>
+        </a:fontRef>
+      </dsp:style>
+      <dsp:txBody>
+        <a:bodyPr spcFirstLastPara="0" vert="horz" wrap="square" lIns="0" tIns="0" rIns="0" bIns="0" numCol="1" spcCol="1270" anchor="ctr" anchorCtr="0">
+          <a:noAutofit/>
+        </a:bodyPr>
+        <a:lstStyle/>
+        <a:p>
+          <a:pPr lvl="0" algn="ctr" defTabSz="622300">
+            <a:lnSpc>
+              <a:spcPct val="90000"/>
+            </a:lnSpc>
+            <a:spcBef>
+              <a:spcPct val="0"/>
+            </a:spcBef>
+            <a:spcAft>
+              <a:spcPct val="35000"/>
+            </a:spcAft>
+          </a:pPr>
+          <a:endParaRPr lang="en-US" sz="1400" kern="1200"/>
+        </a:p>
+      </dsp:txBody>
+      <dsp:txXfrm rot="-5400000">
+        <a:off x="1120139" y="2603499"/>
+        <a:ext cx="274320" cy="266700"/>
+      </dsp:txXfrm>
+    </dsp:sp>
+    <dsp:sp modelId="{4DA5EE49-8168-4D22-9537-7BE4A3708548}">
+      <dsp:nvSpPr>
+        <dsp:cNvPr id="0" name=""/>
+        <dsp:cNvSpPr/>
+      </dsp:nvSpPr>
+      <dsp:spPr>
+        <a:xfrm>
+          <a:off x="307974" y="3047999"/>
+          <a:ext cx="1898649" cy="1016000"/>
+        </a:xfrm>
+        <a:prstGeom prst="roundRect">
+          <a:avLst>
+            <a:gd name="adj" fmla="val 10000"/>
+          </a:avLst>
+        </a:prstGeom>
+        <a:solidFill>
+          <a:schemeClr val="accent1">
+            <a:hueOff val="0"/>
+            <a:satOff val="0"/>
+            <a:lumOff val="0"/>
+            <a:alphaOff val="0"/>
+          </a:schemeClr>
+        </a:solidFill>
+        <a:ln w="25400" cap="flat" cmpd="sng" algn="ctr">
+          <a:solidFill>
+            <a:schemeClr val="lt1">
+              <a:hueOff val="0"/>
+              <a:satOff val="0"/>
+              <a:lumOff val="0"/>
+              <a:alphaOff val="0"/>
+            </a:schemeClr>
+          </a:solidFill>
+          <a:prstDash val="solid"/>
+        </a:ln>
+        <a:effectLst/>
+      </dsp:spPr>
+      <dsp:style>
+        <a:lnRef idx="2">
+          <a:scrgbClr r="0" g="0" b="0"/>
+        </a:lnRef>
+        <a:fillRef idx="1">
+          <a:scrgbClr r="0" g="0" b="0"/>
+        </a:fillRef>
+        <a:effectRef idx="0">
+          <a:scrgbClr r="0" g="0" b="0"/>
+        </a:effectRef>
+        <a:fontRef idx="minor">
+          <a:schemeClr val="lt1"/>
+        </a:fontRef>
+      </dsp:style>
+      <dsp:txBody>
+        <a:bodyPr spcFirstLastPara="0" vert="horz" wrap="square" lIns="68580" tIns="68580" rIns="68580" bIns="68580" numCol="1" spcCol="1270" anchor="ctr" anchorCtr="0">
+          <a:noAutofit/>
+        </a:bodyPr>
+        <a:lstStyle/>
+        <a:p>
+          <a:pPr lvl="0" algn="ctr" defTabSz="800100">
+            <a:lnSpc>
+              <a:spcPct val="90000"/>
+            </a:lnSpc>
+            <a:spcBef>
+              <a:spcPct val="0"/>
+            </a:spcBef>
+            <a:spcAft>
+              <a:spcPct val="35000"/>
+            </a:spcAft>
+          </a:pPr>
+          <a:r>
+            <a:rPr lang="en-US" sz="1800" kern="1200" dirty="0" smtClean="0">
+              <a:latin typeface="Calibri" pitchFamily="34" charset="0"/>
+            </a:rPr>
+            <a:t>Transition Strategy from Analysis to Design</a:t>
+          </a:r>
+          <a:endParaRPr lang="en-US" sz="1800" kern="1200" dirty="0"/>
+        </a:p>
+      </dsp:txBody>
+      <dsp:txXfrm>
+        <a:off x="337732" y="3077757"/>
+        <a:ext cx="1839133" cy="956484"/>
+      </dsp:txXfrm>
+    </dsp:sp>
   </dsp:spTree>
 </dsp:drawing>
 </file>
 
 <file path=ppt/diagrams/drawing4.xml><?xml version="1.0" encoding="utf-8"?>
-<dsp:drawing xmlns:dgm="http://schemas.openxmlformats.org/drawingml/2006/diagram" xmlns:a="http://schemas.openxmlformats.org/drawingml/2006/main" xmlns:dsp="http://schemas.microsoft.com/office/drawing/2008/diagram">
+<dsp:drawing xmlns:dgm="http://schemas.openxmlformats.org/drawingml/2006/diagram" xmlns:dsp="http://schemas.microsoft.com/office/drawing/2008/diagram" xmlns:a="http://schemas.openxmlformats.org/drawingml/2006/main">
   <dsp:spTree>
     <dsp:nvGrpSpPr>
       <dsp:cNvPr id="0" name=""/>
       <dsp:cNvGrpSpPr/>
     </dsp:nvGrpSpPr>
     <dsp:grpSpPr/>
+    <dsp:sp modelId="{715D256F-02F7-4191-B84E-3A4C6CD8FFC5}">
+      <dsp:nvSpPr>
+        <dsp:cNvPr id="0" name=""/>
+        <dsp:cNvSpPr/>
+      </dsp:nvSpPr>
+      <dsp:spPr>
+        <a:xfrm>
+          <a:off x="0" y="1984"/>
+          <a:ext cx="2438400" cy="4060031"/>
+        </a:xfrm>
+        <a:prstGeom prst="roundRect">
+          <a:avLst>
+            <a:gd name="adj" fmla="val 10000"/>
+          </a:avLst>
+        </a:prstGeom>
+        <a:solidFill>
+          <a:schemeClr val="accent1">
+            <a:hueOff val="0"/>
+            <a:satOff val="0"/>
+            <a:lumOff val="0"/>
+            <a:alphaOff val="0"/>
+          </a:schemeClr>
+        </a:solidFill>
+        <a:ln w="25400" cap="flat" cmpd="sng" algn="ctr">
+          <a:solidFill>
+            <a:schemeClr val="lt1">
+              <a:hueOff val="0"/>
+              <a:satOff val="0"/>
+              <a:lumOff val="0"/>
+              <a:alphaOff val="0"/>
+            </a:schemeClr>
+          </a:solidFill>
+          <a:prstDash val="solid"/>
+        </a:ln>
+        <a:effectLst/>
+      </dsp:spPr>
+      <dsp:style>
+        <a:lnRef idx="2">
+          <a:scrgbClr r="0" g="0" b="0"/>
+        </a:lnRef>
+        <a:fillRef idx="1">
+          <a:scrgbClr r="0" g="0" b="0"/>
+        </a:fillRef>
+        <a:effectRef idx="0">
+          <a:scrgbClr r="0" g="0" b="0"/>
+        </a:effectRef>
+        <a:fontRef idx="minor">
+          <a:schemeClr val="lt1"/>
+        </a:fontRef>
+      </dsp:style>
+      <dsp:txBody>
+        <a:bodyPr spcFirstLastPara="0" vert="horz" wrap="square" lIns="110490" tIns="110490" rIns="110490" bIns="110490" numCol="1" spcCol="1270" anchor="ctr" anchorCtr="0">
+          <a:noAutofit/>
+        </a:bodyPr>
+        <a:lstStyle/>
+        <a:p>
+          <a:pPr lvl="0" algn="ctr" defTabSz="1289050">
+            <a:lnSpc>
+              <a:spcPct val="90000"/>
+            </a:lnSpc>
+            <a:spcBef>
+              <a:spcPct val="0"/>
+            </a:spcBef>
+            <a:spcAft>
+              <a:spcPct val="35000"/>
+            </a:spcAft>
+          </a:pPr>
+          <a:r>
+            <a:rPr lang="en-US" sz="2900" kern="1200" dirty="0" smtClean="0">
+              <a:latin typeface="Calibri" pitchFamily="34" charset="0"/>
+            </a:rPr>
+            <a:t>Project Management</a:t>
+          </a:r>
+          <a:endParaRPr lang="en-US" sz="2900" kern="1200" dirty="0"/>
+        </a:p>
+      </dsp:txBody>
+      <dsp:txXfrm>
+        <a:off x="71418" y="73402"/>
+        <a:ext cx="2295564" cy="3917195"/>
+      </dsp:txXfrm>
+    </dsp:sp>
   </dsp:spTree>
 </dsp:drawing>
 </file>
@@ -10011,7 +10855,7 @@
     </p:spTree>
     <p:extLst>
       <p:ext uri="{BB962C8B-B14F-4D97-AF65-F5344CB8AC3E}">
-        <p14:creationId xmlns:p14="http://schemas.microsoft.com/office/powerpoint/2010/main" xmlns="" val="601875911"/>
+        <p14:creationId xmlns:p14="http://schemas.microsoft.com/office/powerpoint/2010/main" val="601875911"/>
       </p:ext>
     </p:extLst>
   </p:cSld>
@@ -10353,7 +11197,7 @@
     </p:spTree>
     <p:extLst>
       <p:ext uri="{BB962C8B-B14F-4D97-AF65-F5344CB8AC3E}">
-        <p14:creationId xmlns:p14="http://schemas.microsoft.com/office/powerpoint/2010/main" xmlns="" val="1461425486"/>
+        <p14:creationId xmlns:p14="http://schemas.microsoft.com/office/powerpoint/2010/main" val="1461425486"/>
       </p:ext>
     </p:extLst>
   </p:cSld>
@@ -16069,7 +16913,7 @@
             </a:r>
             <a:r>
               <a:rPr lang="en-US" b="1" dirty="0" smtClean="0"/>
-              <a:t>Dio Phung</a:t>
+              <a:t>Team SE18-08S</a:t>
             </a:r>
             <a:endParaRPr lang="en-US" b="1" dirty="0"/>
           </a:p>
@@ -16152,7 +16996,7 @@
             <p:ph idx="1"/>
             <p:extLst>
               <p:ext uri="{D42A27DB-BD31-4B8C-83A1-F6EECF244321}">
-                <p14:modId xmlns:p14="http://schemas.microsoft.com/office/powerpoint/2010/main" xmlns="" val="1995118765"/>
+                <p14:modId xmlns:p14="http://schemas.microsoft.com/office/powerpoint/2010/main" val="1995118765"/>
               </p:ext>
             </p:extLst>
           </p:nvPr>
@@ -16922,23 +17766,23 @@
                         </a:spcAft>
                       </a:pPr>
                       <a:r>
-                        <a:rPr lang="en-GB" sz="1100">
+                        <a:rPr lang="en-GB" sz="1100" dirty="0">
                           <a:effectLst/>
                         </a:rPr>
                         <a:t>Technical Architect to do training for team members to be familiar with the technology</a:t>
                       </a:r>
                       <a:br>
-                        <a:rPr lang="en-GB" sz="1100">
+                        <a:rPr lang="en-GB" sz="1100" dirty="0">
                           <a:effectLst/>
                         </a:rPr>
                       </a:br>
                       <a:r>
-                        <a:rPr lang="en-GB" sz="1100">
+                        <a:rPr lang="en-GB" sz="1100" dirty="0">
                           <a:effectLst/>
                         </a:rPr>
                         <a:t>Do early prototype to study the technology upfront</a:t>
                       </a:r>
-                      <a:endParaRPr lang="en-US" sz="1100">
+                      <a:endParaRPr lang="en-US" sz="1100" dirty="0">
                         <a:effectLst/>
                         <a:latin typeface="Arial"/>
                         <a:ea typeface="Times New Roman"/>
@@ -17215,7 +18059,7 @@
     </p:spTree>
     <p:extLst>
       <p:ext uri="{BB962C8B-B14F-4D97-AF65-F5344CB8AC3E}">
-        <p14:creationId xmlns:p14="http://schemas.microsoft.com/office/powerpoint/2010/main" xmlns="" val="4078107953"/>
+        <p14:creationId xmlns:p14="http://schemas.microsoft.com/office/powerpoint/2010/main" val="4078107953"/>
       </p:ext>
     </p:extLst>
   </p:cSld>
@@ -17500,7 +18344,7 @@
     </p:spTree>
     <p:extLst>
       <p:ext uri="{BB962C8B-B14F-4D97-AF65-F5344CB8AC3E}">
-        <p14:creationId xmlns:p14="http://schemas.microsoft.com/office/powerpoint/2010/main" xmlns="" val="3633776489"/>
+        <p14:creationId xmlns:p14="http://schemas.microsoft.com/office/powerpoint/2010/main" val="3633776489"/>
       </p:ext>
     </p:extLst>
   </p:cSld>
@@ -17610,7 +18454,7 @@
     </p:spTree>
     <p:extLst>
       <p:ext uri="{BB962C8B-B14F-4D97-AF65-F5344CB8AC3E}">
-        <p14:creationId xmlns:p14="http://schemas.microsoft.com/office/powerpoint/2010/main" xmlns="" val="1287513278"/>
+        <p14:creationId xmlns:p14="http://schemas.microsoft.com/office/powerpoint/2010/main" val="1287513278"/>
       </p:ext>
     </p:extLst>
   </p:cSld>
@@ -17726,7 +18570,7 @@
     </p:spTree>
     <p:extLst>
       <p:ext uri="{BB962C8B-B14F-4D97-AF65-F5344CB8AC3E}">
-        <p14:creationId xmlns:p14="http://schemas.microsoft.com/office/powerpoint/2010/main" xmlns="" val="2330322691"/>
+        <p14:creationId xmlns:p14="http://schemas.microsoft.com/office/powerpoint/2010/main" val="2330322691"/>
       </p:ext>
     </p:extLst>
   </p:cSld>
@@ -18356,7 +19200,7 @@
             <p:ph idx="1"/>
             <p:extLst>
               <p:ext uri="{D42A27DB-BD31-4B8C-83A1-F6EECF244321}">
-                <p14:modId xmlns:p14="http://schemas.microsoft.com/office/powerpoint/2010/main" xmlns="" val="1960619568"/>
+                <p14:modId xmlns:p14="http://schemas.microsoft.com/office/powerpoint/2010/main" val="1960619568"/>
               </p:ext>
             </p:extLst>
           </p:nvPr>
@@ -20031,7 +20875,7 @@
           <a:blip r:embed="rId2" cstate="print">
             <a:extLst>
               <a:ext uri="{28A0092B-C50C-407E-A947-70E740481C1C}">
-                <a14:useLocalDpi xmlns:a14="http://schemas.microsoft.com/office/drawing/2010/main" xmlns="" val="0"/>
+                <a14:useLocalDpi xmlns:a14="http://schemas.microsoft.com/office/drawing/2010/main" val="0"/>
               </a:ext>
             </a:extLst>
           </a:blip>
@@ -20055,14 +20899,14 @@
           <a:effectLst/>
           <a:extLst>
             <a:ext uri="{909E8E84-426E-40DD-AFC4-6F175D3DCCD1}">
-              <a14:hiddenFill xmlns:a14="http://schemas.microsoft.com/office/drawing/2010/main" xmlns="">
+              <a14:hiddenFill xmlns:a14="http://schemas.microsoft.com/office/drawing/2010/main">
                 <a:solidFill>
                   <a:schemeClr val="accent1"/>
                 </a:solidFill>
               </a14:hiddenFill>
             </a:ext>
             <a:ext uri="{91240B29-F687-4F45-9708-019B960494DF}">
-              <a14:hiddenLine xmlns:a14="http://schemas.microsoft.com/office/drawing/2010/main" xmlns="" w="9525">
+              <a14:hiddenLine xmlns:a14="http://schemas.microsoft.com/office/drawing/2010/main" w="9525">
                 <a:solidFill>
                   <a:schemeClr val="tx1"/>
                 </a:solidFill>
@@ -20072,7 +20916,7 @@
               </a14:hiddenLine>
             </a:ext>
             <a:ext uri="{AF507438-7753-43E0-B8FC-AC1667EBCBE1}">
-              <a14:hiddenEffects xmlns:a14="http://schemas.microsoft.com/office/drawing/2010/main" xmlns="">
+              <a14:hiddenEffects xmlns:a14="http://schemas.microsoft.com/office/drawing/2010/main">
                 <a:effectLst>
                   <a:outerShdw dist="35921" dir="2700000" algn="ctr" rotWithShape="0">
                     <a:schemeClr val="bg2"/>
@@ -20150,7 +20994,7 @@
           <a:blip r:embed="rId2" cstate="print">
             <a:extLst>
               <a:ext uri="{28A0092B-C50C-407E-A947-70E740481C1C}">
-                <a14:useLocalDpi xmlns:a14="http://schemas.microsoft.com/office/drawing/2010/main" xmlns="" val="0"/>
+                <a14:useLocalDpi xmlns:a14="http://schemas.microsoft.com/office/drawing/2010/main" val="0"/>
               </a:ext>
             </a:extLst>
           </a:blip>
@@ -20174,14 +21018,14 @@
           <a:effectLst/>
           <a:extLst>
             <a:ext uri="{909E8E84-426E-40DD-AFC4-6F175D3DCCD1}">
-              <a14:hiddenFill xmlns:a14="http://schemas.microsoft.com/office/drawing/2010/main" xmlns="">
+              <a14:hiddenFill xmlns:a14="http://schemas.microsoft.com/office/drawing/2010/main">
                 <a:solidFill>
                   <a:schemeClr val="accent1"/>
                 </a:solidFill>
               </a14:hiddenFill>
             </a:ext>
             <a:ext uri="{91240B29-F687-4F45-9708-019B960494DF}">
-              <a14:hiddenLine xmlns:a14="http://schemas.microsoft.com/office/drawing/2010/main" xmlns="" w="9525">
+              <a14:hiddenLine xmlns:a14="http://schemas.microsoft.com/office/drawing/2010/main" w="9525">
                 <a:solidFill>
                   <a:schemeClr val="tx1"/>
                 </a:solidFill>
@@ -20191,7 +21035,7 @@
               </a14:hiddenLine>
             </a:ext>
             <a:ext uri="{AF507438-7753-43E0-B8FC-AC1667EBCBE1}">
-              <a14:hiddenEffects xmlns:a14="http://schemas.microsoft.com/office/drawing/2010/main" xmlns="">
+              <a14:hiddenEffects xmlns:a14="http://schemas.microsoft.com/office/drawing/2010/main">
                 <a:effectLst>
                   <a:outerShdw dist="35921" dir="2700000" algn="ctr" rotWithShape="0">
                     <a:schemeClr val="bg2"/>
@@ -20214,7 +21058,7 @@
           <a:blip r:embed="rId3" cstate="print">
             <a:extLst>
               <a:ext uri="{28A0092B-C50C-407E-A947-70E740481C1C}">
-                <a14:useLocalDpi xmlns:a14="http://schemas.microsoft.com/office/drawing/2010/main" xmlns="" val="0"/>
+                <a14:useLocalDpi xmlns:a14="http://schemas.microsoft.com/office/drawing/2010/main" val="0"/>
               </a:ext>
             </a:extLst>
           </a:blip>
@@ -20238,14 +21082,14 @@
           <a:effectLst/>
           <a:extLst>
             <a:ext uri="{909E8E84-426E-40DD-AFC4-6F175D3DCCD1}">
-              <a14:hiddenFill xmlns:a14="http://schemas.microsoft.com/office/drawing/2010/main" xmlns="">
+              <a14:hiddenFill xmlns:a14="http://schemas.microsoft.com/office/drawing/2010/main">
                 <a:solidFill>
                   <a:schemeClr val="accent1"/>
                 </a:solidFill>
               </a14:hiddenFill>
             </a:ext>
             <a:ext uri="{91240B29-F687-4F45-9708-019B960494DF}">
-              <a14:hiddenLine xmlns:a14="http://schemas.microsoft.com/office/drawing/2010/main" xmlns="" w="9525">
+              <a14:hiddenLine xmlns:a14="http://schemas.microsoft.com/office/drawing/2010/main" w="9525">
                 <a:solidFill>
                   <a:schemeClr val="tx1"/>
                 </a:solidFill>
@@ -20255,7 +21099,7 @@
               </a14:hiddenLine>
             </a:ext>
             <a:ext uri="{AF507438-7753-43E0-B8FC-AC1667EBCBE1}">
-              <a14:hiddenEffects xmlns:a14="http://schemas.microsoft.com/office/drawing/2010/main" xmlns="">
+              <a14:hiddenEffects xmlns:a14="http://schemas.microsoft.com/office/drawing/2010/main">
                 <a:effectLst>
                   <a:outerShdw dist="35921" dir="2700000" algn="ctr" rotWithShape="0">
                     <a:schemeClr val="bg2"/>
@@ -20397,7 +21241,7 @@
     </p:spTree>
     <p:extLst>
       <p:ext uri="{BB962C8B-B14F-4D97-AF65-F5344CB8AC3E}">
-        <p14:creationId xmlns:p14="http://schemas.microsoft.com/office/powerpoint/2010/main" xmlns="" val="433802093"/>
+        <p14:creationId xmlns:p14="http://schemas.microsoft.com/office/powerpoint/2010/main" val="433802093"/>
       </p:ext>
     </p:extLst>
   </p:cSld>
@@ -20468,7 +21312,7 @@
           <p:nvPr>
             <p:extLst>
               <p:ext uri="{D42A27DB-BD31-4B8C-83A1-F6EECF244321}">
-                <p14:modId xmlns:p14="http://schemas.microsoft.com/office/powerpoint/2010/main" xmlns="" val="3185700600"/>
+                <p14:modId xmlns:p14="http://schemas.microsoft.com/office/powerpoint/2010/main" val="3185700600"/>
               </p:ext>
             </p:extLst>
           </p:nvPr>
@@ -21415,7 +22259,7 @@
           <p:nvPr>
             <p:extLst>
               <p:ext uri="{D42A27DB-BD31-4B8C-83A1-F6EECF244321}">
-                <p14:modId xmlns:p14="http://schemas.microsoft.com/office/powerpoint/2010/main" xmlns="" val="1721556399"/>
+                <p14:modId xmlns:p14="http://schemas.microsoft.com/office/powerpoint/2010/main" val="1721556399"/>
               </p:ext>
             </p:extLst>
           </p:nvPr>
@@ -21558,7 +22402,7 @@
           <a:blip r:embed="rId2" cstate="print">
             <a:extLst>
               <a:ext uri="{28A0092B-C50C-407E-A947-70E740481C1C}">
-                <a14:useLocalDpi xmlns:a14="http://schemas.microsoft.com/office/drawing/2010/main" xmlns="" val="0"/>
+                <a14:useLocalDpi xmlns:a14="http://schemas.microsoft.com/office/drawing/2010/main" val="0"/>
               </a:ext>
             </a:extLst>
           </a:blip>
@@ -21582,14 +22426,14 @@
           <a:effectLst/>
           <a:extLst>
             <a:ext uri="{909E8E84-426E-40DD-AFC4-6F175D3DCCD1}">
-              <a14:hiddenFill xmlns:a14="http://schemas.microsoft.com/office/drawing/2010/main" xmlns="">
+              <a14:hiddenFill xmlns:a14="http://schemas.microsoft.com/office/drawing/2010/main">
                 <a:solidFill>
                   <a:schemeClr val="accent1"/>
                 </a:solidFill>
               </a14:hiddenFill>
             </a:ext>
             <a:ext uri="{91240B29-F687-4F45-9708-019B960494DF}">
-              <a14:hiddenLine xmlns:a14="http://schemas.microsoft.com/office/drawing/2010/main" xmlns="" w="9525">
+              <a14:hiddenLine xmlns:a14="http://schemas.microsoft.com/office/drawing/2010/main" w="9525">
                 <a:solidFill>
                   <a:schemeClr val="tx1"/>
                 </a:solidFill>
@@ -21599,7 +22443,7 @@
               </a14:hiddenLine>
             </a:ext>
             <a:ext uri="{AF507438-7753-43E0-B8FC-AC1667EBCBE1}">
-              <a14:hiddenEffects xmlns:a14="http://schemas.microsoft.com/office/drawing/2010/main" xmlns="">
+              <a14:hiddenEffects xmlns:a14="http://schemas.microsoft.com/office/drawing/2010/main">
                 <a:effectLst>
                   <a:outerShdw dist="35921" dir="2700000" algn="ctr" rotWithShape="0">
                     <a:schemeClr val="bg2"/>
@@ -21649,7 +22493,7 @@
     </p:spTree>
     <p:extLst>
       <p:ext uri="{BB962C8B-B14F-4D97-AF65-F5344CB8AC3E}">
-        <p14:creationId xmlns:p14="http://schemas.microsoft.com/office/powerpoint/2010/main" xmlns="" val="2094844669"/>
+        <p14:creationId xmlns:p14="http://schemas.microsoft.com/office/powerpoint/2010/main" val="2094844669"/>
       </p:ext>
     </p:extLst>
   </p:cSld>
@@ -21891,7 +22735,7 @@
           <p:nvPr>
             <p:extLst>
               <p:ext uri="{D42A27DB-BD31-4B8C-83A1-F6EECF244321}">
-                <p14:modId xmlns:p14="http://schemas.microsoft.com/office/powerpoint/2010/main" xmlns="" val="1890191891"/>
+                <p14:modId xmlns:p14="http://schemas.microsoft.com/office/powerpoint/2010/main" val="1890191891"/>
               </p:ext>
             </p:extLst>
           </p:nvPr>
@@ -25219,11 +26063,17 @@
           <p:cNvGraphicFramePr>
             <a:graphicFrameLocks noGrp="1"/>
           </p:cNvGraphicFramePr>
-          <p:nvPr/>
+          <p:nvPr>
+            <p:extLst>
+              <p:ext uri="{D42A27DB-BD31-4B8C-83A1-F6EECF244321}">
+                <p14:modId xmlns:p14="http://schemas.microsoft.com/office/powerpoint/2010/main" val="70321911"/>
+              </p:ext>
+            </p:extLst>
+          </p:nvPr>
         </p:nvGraphicFramePr>
         <p:xfrm>
-          <a:off x="457200" y="1776798"/>
-          <a:ext cx="8196580" cy="4441122"/>
+          <a:off x="337820" y="1524000"/>
+          <a:ext cx="8196580" cy="5264082"/>
         </p:xfrm>
         <a:graphic>
           <a:graphicData uri="http://schemas.openxmlformats.org/drawingml/2006/table">
@@ -25375,7 +26225,7 @@
                   <a:tcPr/>
                 </a:tc>
               </a:tr>
-              <a:tr h="757811">
+              <a:tr h="1929198">
                 <a:tc>
                   <a:txBody>
                     <a:bodyPr/>
@@ -25447,8 +26297,33 @@
                       </a:r>
                       <a:r>
                         <a:rPr lang="en-US" baseline="0" dirty="0" smtClean="0"/>
-                        <a:t>d merging of requirements</a:t>
-                      </a:r>
+                        <a:t>d merging of </a:t>
+                      </a:r>
+                      <a:r>
+                        <a:rPr lang="en-US" baseline="0" dirty="0" smtClean="0"/>
+                        <a:t>requirements</a:t>
+                      </a:r>
+                    </a:p>
+                    <a:p>
+                      <a:pPr>
+                        <a:buFont typeface="Arial" pitchFamily="34" charset="0"/>
+                        <a:buChar char="•"/>
+                      </a:pPr>
+                      <a:r>
+                        <a:rPr lang="en-US" baseline="0" dirty="0" smtClean="0"/>
+                        <a:t>Appoint team members as putative end users</a:t>
+                      </a:r>
+                    </a:p>
+                    <a:p>
+                      <a:pPr>
+                        <a:buFont typeface="Arial" pitchFamily="34" charset="0"/>
+                        <a:buChar char="•"/>
+                      </a:pPr>
+                      <a:r>
+                        <a:rPr lang="en-US" baseline="0" dirty="0" smtClean="0"/>
+                        <a:t>Look for alternative customer</a:t>
+                      </a:r>
+                      <a:endParaRPr lang="en-US" baseline="0" dirty="0" smtClean="0"/>
                     </a:p>
                     <a:p>
                       <a:pPr>
@@ -25973,7 +26848,7 @@
     </p:spTree>
     <p:extLst>
       <p:ext uri="{BB962C8B-B14F-4D97-AF65-F5344CB8AC3E}">
-        <p14:creationId xmlns:p14="http://schemas.microsoft.com/office/powerpoint/2010/main" xmlns="" val="220635413"/>
+        <p14:creationId xmlns:p14="http://schemas.microsoft.com/office/powerpoint/2010/main" val="220635413"/>
       </p:ext>
     </p:extLst>
   </p:cSld>
@@ -26017,7 +26892,7 @@
           <a:p>
             <a:r>
               <a:rPr lang="en-US" dirty="0" smtClean="0"/>
-              <a:t>High Level Architecture – Overview of Components</a:t>
+              <a:t>High Level Architecture – Framework Overview</a:t>
             </a:r>
             <a:endParaRPr lang="en-US" dirty="0"/>
           </a:p>
@@ -26025,7 +26900,7 @@
       </p:sp>
       <p:pic>
         <p:nvPicPr>
-          <p:cNvPr id="4" name="Picture 3"/>
+          <p:cNvPr id="6" name="Picture 2"/>
           <p:cNvPicPr>
             <a:picLocks noChangeAspect="1" noChangeArrowheads="1"/>
           </p:cNvPicPr>
@@ -26040,8 +26915,8 @@
         </p:blipFill>
         <p:spPr bwMode="auto">
           <a:xfrm>
-            <a:off x="457200" y="2209800"/>
-            <a:ext cx="8284273" cy="2895600"/>
+            <a:off x="393441" y="2057400"/>
+            <a:ext cx="8369559" cy="3429000"/>
           </a:xfrm>
           <a:prstGeom prst="rect">
             <a:avLst/>
@@ -26104,7 +26979,7 @@
           <a:p>
             <a:r>
               <a:rPr lang="en-US" dirty="0" smtClean="0"/>
-              <a:t>High Level Architecture – Framework Overview</a:t>
+              <a:t>High Level Architecture – Overview of Components</a:t>
             </a:r>
             <a:endParaRPr lang="en-US" dirty="0"/>
           </a:p>
@@ -26112,7 +26987,7 @@
       </p:sp>
       <p:pic>
         <p:nvPicPr>
-          <p:cNvPr id="6" name="Picture 2"/>
+          <p:cNvPr id="4" name="Picture 3"/>
           <p:cNvPicPr>
             <a:picLocks noChangeAspect="1" noChangeArrowheads="1"/>
           </p:cNvPicPr>
@@ -26127,8 +27002,8 @@
         </p:blipFill>
         <p:spPr bwMode="auto">
           <a:xfrm>
-            <a:off x="393441" y="2057400"/>
-            <a:ext cx="8369559" cy="3429000"/>
+            <a:off x="457200" y="2209800"/>
+            <a:ext cx="8284273" cy="2895600"/>
           </a:xfrm>
           <a:prstGeom prst="rect">
             <a:avLst/>
@@ -27376,88 +28251,6 @@
       </p:par>
     </p:tnLst>
   </p:timing>
-</p:sld>
-</file>
-
-<file path=ppt/slides/slide34.xml><?xml version="1.0" encoding="utf-8"?>
-<p:sld xmlns:a="http://schemas.openxmlformats.org/drawingml/2006/main" xmlns:r="http://schemas.openxmlformats.org/officeDocument/2006/relationships" xmlns:p="http://schemas.openxmlformats.org/presentationml/2006/main">
-  <p:cSld>
-    <p:spTree>
-      <p:nvGrpSpPr>
-        <p:cNvPr id="1" name=""/>
-        <p:cNvGrpSpPr/>
-        <p:nvPr/>
-      </p:nvGrpSpPr>
-      <p:grpSpPr>
-        <a:xfrm>
-          <a:off x="0" y="0"/>
-          <a:ext cx="0" cy="0"/>
-          <a:chOff x="0" y="0"/>
-          <a:chExt cx="0" cy="0"/>
-        </a:xfrm>
-      </p:grpSpPr>
-      <p:sp>
-        <p:nvSpPr>
-          <p:cNvPr id="2" name="Title 1"/>
-          <p:cNvSpPr>
-            <a:spLocks noGrp="1"/>
-          </p:cNvSpPr>
-          <p:nvPr>
-            <p:ph type="title"/>
-          </p:nvPr>
-        </p:nvSpPr>
-        <p:spPr/>
-        <p:txBody>
-          <a:bodyPr/>
-          <a:lstStyle/>
-          <a:p>
-            <a:r>
-              <a:rPr lang="en-US" dirty="0" smtClean="0"/>
-              <a:t>Appendix A : COCOMO detail report</a:t>
-            </a:r>
-            <a:endParaRPr lang="en-US" dirty="0"/>
-          </a:p>
-        </p:txBody>
-      </p:sp>
-      <p:pic>
-        <p:nvPicPr>
-          <p:cNvPr id="6" name="Content Placeholder 5"/>
-          <p:cNvPicPr>
-            <a:picLocks noGrp="1" noChangeAspect="1"/>
-          </p:cNvPicPr>
-          <p:nvPr>
-            <p:ph idx="1"/>
-          </p:nvPr>
-        </p:nvPicPr>
-        <p:blipFill>
-          <a:blip r:embed="rId2" cstate="print">
-            <a:extLst>
-              <a:ext uri="{28A0092B-C50C-407E-A947-70E740481C1C}">
-                <a14:useLocalDpi xmlns:a14="http://schemas.microsoft.com/office/drawing/2010/main" xmlns="" val="0"/>
-              </a:ext>
-            </a:extLst>
-          </a:blip>
-          <a:stretch>
-            <a:fillRect/>
-          </a:stretch>
-        </p:blipFill>
-        <p:spPr>
-          <a:xfrm>
-            <a:off x="304800" y="1905000"/>
-            <a:ext cx="6705600" cy="4424423"/>
-          </a:xfrm>
-        </p:spPr>
-      </p:pic>
-    </p:spTree>
-    <p:extLst>
-      <p:ext uri="{BB962C8B-B14F-4D97-AF65-F5344CB8AC3E}">
-        <p14:creationId xmlns:p14="http://schemas.microsoft.com/office/powerpoint/2010/main" xmlns="" val="3415864990"/>
-      </p:ext>
-    </p:extLst>
-  </p:cSld>
-  <p:clrMapOvr>
-    <a:masterClrMapping/>
-  </p:clrMapOvr>
 </p:sld>
 </file>
 
@@ -28034,7 +28827,7 @@
     </p:spTree>
     <p:extLst>
       <p:ext uri="{BB962C8B-B14F-4D97-AF65-F5344CB8AC3E}">
-        <p14:creationId xmlns:p14="http://schemas.microsoft.com/office/powerpoint/2010/main" xmlns="" val="2779181314"/>
+        <p14:creationId xmlns:p14="http://schemas.microsoft.com/office/powerpoint/2010/main" val="2779181314"/>
       </p:ext>
     </p:extLst>
   </p:cSld>
@@ -28109,7 +28902,7 @@
             <p:ph idx="1"/>
             <p:extLst>
               <p:ext uri="{D42A27DB-BD31-4B8C-83A1-F6EECF244321}">
-                <p14:modId xmlns:p14="http://schemas.microsoft.com/office/powerpoint/2010/main" xmlns="" val="2659460819"/>
+                <p14:modId xmlns:p14="http://schemas.microsoft.com/office/powerpoint/2010/main" val="2659460819"/>
               </p:ext>
             </p:extLst>
           </p:nvPr>
@@ -29203,7 +29996,7 @@
           <a:blip r:embed="rId2" cstate="print">
             <a:extLst>
               <a:ext uri="{28A0092B-C50C-407E-A947-70E740481C1C}">
-                <a14:useLocalDpi xmlns:a14="http://schemas.microsoft.com/office/drawing/2010/main" xmlns="" val="0"/>
+                <a14:useLocalDpi xmlns:a14="http://schemas.microsoft.com/office/drawing/2010/main" val="0"/>
               </a:ext>
             </a:extLst>
           </a:blip>
@@ -29231,7 +30024,7 @@
           </a:ln>
           <a:extLst>
             <a:ext uri="{909E8E84-426E-40DD-AFC4-6F175D3DCCD1}">
-              <a14:hiddenFill xmlns:a14="http://schemas.microsoft.com/office/drawing/2010/main" xmlns="">
+              <a14:hiddenFill xmlns:a14="http://schemas.microsoft.com/office/drawing/2010/main">
                 <a:solidFill>
                   <a:srgbClr val="FFFFFF"/>
                 </a:solidFill>
@@ -29243,7 +30036,7 @@
     </p:spTree>
     <p:extLst>
       <p:ext uri="{BB962C8B-B14F-4D97-AF65-F5344CB8AC3E}">
-        <p14:creationId xmlns:p14="http://schemas.microsoft.com/office/powerpoint/2010/main" xmlns="" val="1648571582"/>
+        <p14:creationId xmlns:p14="http://schemas.microsoft.com/office/powerpoint/2010/main" val="1648571582"/>
       </p:ext>
     </p:extLst>
   </p:cSld>
